--- a/lectures/lec2_arch.pptx
+++ b/lectures/lec2_arch.pptx
@@ -2,70 +2,67 @@
 <file path=ppt/presentation.xml><?xml version="1.0" encoding="utf-8"?>
 <p:presentation xmlns:a="http://schemas.openxmlformats.org/drawingml/2006/main" xmlns:r="http://schemas.openxmlformats.org/officeDocument/2006/relationships" xmlns:p="http://schemas.openxmlformats.org/presentationml/2006/main" showSpecialPlsOnTitleSld="0" saveSubsetFonts="1" autoCompressPictures="0">
   <p:sldMasterIdLst>
-    <p:sldMasterId id="2147483772" r:id="rId1"/>
-    <p:sldMasterId id="2147483777" r:id="rId2"/>
-    <p:sldMasterId id="2147483781" r:id="rId3"/>
-    <p:sldMasterId id="2147483786" r:id="rId4"/>
+    <p:sldMasterId id="2147483777" r:id="rId1"/>
   </p:sldMasterIdLst>
   <p:notesMasterIdLst>
-    <p:notesMasterId r:id="rId57"/>
+    <p:notesMasterId r:id="rId54"/>
   </p:notesMasterIdLst>
   <p:handoutMasterIdLst>
-    <p:handoutMasterId r:id="rId58"/>
+    <p:handoutMasterId r:id="rId55"/>
   </p:handoutMasterIdLst>
   <p:sldIdLst>
-    <p:sldId id="2990" r:id="rId5"/>
-    <p:sldId id="257" r:id="rId6"/>
-    <p:sldId id="292" r:id="rId7"/>
-    <p:sldId id="293" r:id="rId8"/>
-    <p:sldId id="294" r:id="rId9"/>
-    <p:sldId id="2991" r:id="rId10"/>
-    <p:sldId id="295" r:id="rId11"/>
-    <p:sldId id="347" r:id="rId12"/>
-    <p:sldId id="299" r:id="rId13"/>
-    <p:sldId id="300" r:id="rId14"/>
-    <p:sldId id="301" r:id="rId15"/>
-    <p:sldId id="302" r:id="rId16"/>
-    <p:sldId id="303" r:id="rId17"/>
-    <p:sldId id="304" r:id="rId18"/>
-    <p:sldId id="305" r:id="rId19"/>
-    <p:sldId id="306" r:id="rId20"/>
-    <p:sldId id="309" r:id="rId21"/>
-    <p:sldId id="310" r:id="rId22"/>
-    <p:sldId id="311" r:id="rId23"/>
-    <p:sldId id="312" r:id="rId24"/>
-    <p:sldId id="313" r:id="rId25"/>
-    <p:sldId id="315" r:id="rId26"/>
-    <p:sldId id="316" r:id="rId27"/>
-    <p:sldId id="317" r:id="rId28"/>
-    <p:sldId id="319" r:id="rId29"/>
-    <p:sldId id="318" r:id="rId30"/>
-    <p:sldId id="320" r:id="rId31"/>
-    <p:sldId id="321" r:id="rId32"/>
-    <p:sldId id="323" r:id="rId33"/>
-    <p:sldId id="322" r:id="rId34"/>
-    <p:sldId id="324" r:id="rId35"/>
-    <p:sldId id="325" r:id="rId36"/>
-    <p:sldId id="326" r:id="rId37"/>
-    <p:sldId id="327" r:id="rId38"/>
-    <p:sldId id="328" r:id="rId39"/>
-    <p:sldId id="329" r:id="rId40"/>
-    <p:sldId id="330" r:id="rId41"/>
-    <p:sldId id="331" r:id="rId42"/>
-    <p:sldId id="332" r:id="rId43"/>
-    <p:sldId id="333" r:id="rId44"/>
-    <p:sldId id="334" r:id="rId45"/>
-    <p:sldId id="337" r:id="rId46"/>
-    <p:sldId id="336" r:id="rId47"/>
-    <p:sldId id="338" r:id="rId48"/>
-    <p:sldId id="339" r:id="rId49"/>
-    <p:sldId id="340" r:id="rId50"/>
-    <p:sldId id="341" r:id="rId51"/>
-    <p:sldId id="342" r:id="rId52"/>
-    <p:sldId id="343" r:id="rId53"/>
-    <p:sldId id="345" r:id="rId54"/>
-    <p:sldId id="344" r:id="rId55"/>
-    <p:sldId id="346" r:id="rId56"/>
+    <p:sldId id="2990" r:id="rId2"/>
+    <p:sldId id="257" r:id="rId3"/>
+    <p:sldId id="292" r:id="rId4"/>
+    <p:sldId id="293" r:id="rId5"/>
+    <p:sldId id="294" r:id="rId6"/>
+    <p:sldId id="2991" r:id="rId7"/>
+    <p:sldId id="295" r:id="rId8"/>
+    <p:sldId id="347" r:id="rId9"/>
+    <p:sldId id="299" r:id="rId10"/>
+    <p:sldId id="300" r:id="rId11"/>
+    <p:sldId id="301" r:id="rId12"/>
+    <p:sldId id="302" r:id="rId13"/>
+    <p:sldId id="303" r:id="rId14"/>
+    <p:sldId id="304" r:id="rId15"/>
+    <p:sldId id="305" r:id="rId16"/>
+    <p:sldId id="306" r:id="rId17"/>
+    <p:sldId id="309" r:id="rId18"/>
+    <p:sldId id="310" r:id="rId19"/>
+    <p:sldId id="311" r:id="rId20"/>
+    <p:sldId id="312" r:id="rId21"/>
+    <p:sldId id="313" r:id="rId22"/>
+    <p:sldId id="315" r:id="rId23"/>
+    <p:sldId id="316" r:id="rId24"/>
+    <p:sldId id="317" r:id="rId25"/>
+    <p:sldId id="319" r:id="rId26"/>
+    <p:sldId id="318" r:id="rId27"/>
+    <p:sldId id="320" r:id="rId28"/>
+    <p:sldId id="321" r:id="rId29"/>
+    <p:sldId id="323" r:id="rId30"/>
+    <p:sldId id="322" r:id="rId31"/>
+    <p:sldId id="324" r:id="rId32"/>
+    <p:sldId id="325" r:id="rId33"/>
+    <p:sldId id="326" r:id="rId34"/>
+    <p:sldId id="327" r:id="rId35"/>
+    <p:sldId id="328" r:id="rId36"/>
+    <p:sldId id="329" r:id="rId37"/>
+    <p:sldId id="330" r:id="rId38"/>
+    <p:sldId id="331" r:id="rId39"/>
+    <p:sldId id="332" r:id="rId40"/>
+    <p:sldId id="333" r:id="rId41"/>
+    <p:sldId id="334" r:id="rId42"/>
+    <p:sldId id="337" r:id="rId43"/>
+    <p:sldId id="336" r:id="rId44"/>
+    <p:sldId id="338" r:id="rId45"/>
+    <p:sldId id="339" r:id="rId46"/>
+    <p:sldId id="340" r:id="rId47"/>
+    <p:sldId id="341" r:id="rId48"/>
+    <p:sldId id="342" r:id="rId49"/>
+    <p:sldId id="343" r:id="rId50"/>
+    <p:sldId id="345" r:id="rId51"/>
+    <p:sldId id="344" r:id="rId52"/>
+    <p:sldId id="346" r:id="rId53"/>
   </p:sldIdLst>
   <p:sldSz cx="9144000" cy="6858000" type="screen4x3"/>
   <p:notesSz cx="6858000" cy="9144000"/>
@@ -266,7 +263,7 @@
             <a:fld id="{3B85FA19-4AE7-394C-8E06-B4A0FB3E5AA8}" type="datetimeFigureOut">
               <a:rPr lang="en-US" smtClean="0"/>
               <a:pPr/>
-              <a:t>9/2/24</a:t>
+              <a:t>9/10/24</a:t>
             </a:fld>
             <a:endParaRPr lang="en-US"/>
           </a:p>
@@ -349,6 +346,93 @@
   <p:clrMap bg1="lt1" tx1="dk1" bg2="lt2" tx2="dk2" accent1="accent1" accent2="accent2" accent3="accent3" accent4="accent4" accent5="accent5" accent6="accent6" hlink="hlink" folHlink="folHlink"/>
   <p:hf hdr="0" ftr="0" dt="0"/>
 </p:handoutMaster>
+</file>
+
+<file path=ppt/ink/ink1.xml><?xml version="1.0" encoding="utf-8"?>
+<inkml:ink xmlns:inkml="http://www.w3.org/2003/InkML">
+  <inkml:definitions>
+    <inkml:context xml:id="ctx0">
+      <inkml:inkSource xml:id="inkSrc0">
+        <inkml:traceFormat>
+          <inkml:channel name="X" type="integer" min="-2.14748E9" max="2.14748E9" units="cm"/>
+          <inkml:channel name="Y" type="integer" min="-2.14748E9" max="2.14748E9" units="cm"/>
+          <inkml:channel name="F" type="integer" max="32767" units="dev"/>
+        </inkml:traceFormat>
+        <inkml:channelProperties>
+          <inkml:channelProperty channel="X" name="resolution" value="1000" units="1/cm"/>
+          <inkml:channelProperty channel="Y" name="resolution" value="1000" units="1/cm"/>
+          <inkml:channelProperty channel="F" name="resolution" value="0" units="1/dev"/>
+        </inkml:channelProperties>
+      </inkml:inkSource>
+      <inkml:timestamp xml:id="ts0" timeString="2024-09-10T06:52:48.726"/>
+    </inkml:context>
+    <inkml:brush xml:id="br0">
+      <inkml:brushProperty name="width" value="0.05292" units="cm"/>
+      <inkml:brushProperty name="height" value="0.05292" units="cm"/>
+      <inkml:brushProperty name="color" value="#FF0000"/>
+    </inkml:brush>
+  </inkml:definitions>
+  <inkml:trace contextRef="#ctx0" brushRef="#br0">964 4436 8088,'0'-12'1891,"0"1"-947,-8 7 1,4-9 0,-5 5-1,-1-1 2005,1-5-2396,5 7-873,-4-1 1,14 16 324,0 3 1,7 10-268,-2 2 1,5 6 122,1-7 1,0 9-136,0-2 1,1 1 143,-1-1 0,-2-2 420,-4-4 1,5-4 370,-5 4-153,5-4 1,1-4-216,0-4 0,-6-3 73,1-8 1,-3-8-270,3-3 1,3-12 154,-3-6 0,-3 3-565,3-3 1,-8 6 211,1-6 0,3 8-498,-2-1 0,-1 8 0,-5 3-570,0-1 165,0-5-72,0 7 844,0 3 1,2 7-18,4 0 1,-2 0 403,7 0 1,1 0-159,5 0 0,-5 0 899,-1 0 0,-1 2-481,1 3 1,4-3 737,-3 4 0,-3 4-250,3 1 1,-6-1-113,5 1 1,-5 1-364,5 5 0,-5-6-135,5 1 1,1-8-250,5 1 0,-5-3 67,-1-2 0,1-2-520,5-3 0,0-13 335,0-10 1,0-5-1659,1-1 0,-3-1 284,-4 1 0,5 0-94,-5-1 1,-1 9-346,1 3 688,1 4 1,3 7-308,-4 1 1506,5 7 0,-7-4 0,8 8 0</inkml:trace>
+  <inkml:trace contextRef="#ctx0" brushRef="#br0" timeOffset="1">2031 4298 8073,'-8'17'-725,"-3"1"1,-5-7 1506,-1 1 0,0-7 1714,0 7 0,-1-8-462,1 1-231,8 5-1708,-7-8 1,14 7 12,-3-3 1,3 4-621,2 7 1,0 0 201,0 0 1,2 2 18,3 4 0,-3-2-367,4 8 1,2-2-663,-3 1 1,9-3 367,-3-8 1,-1-7 246,1-4 1,1-4-97,5-2 0,0-10 801,0-7 0,1-16 0,-1-11 0,0-7 0</inkml:trace>
+  <inkml:trace contextRef="#ctx0" brushRef="#br0" timeOffset="2">2065 3834 8073,'-17'17'0,"0"2"1258,-1 4 1,-3-4-551,4 4 0,-2-4 161,13-1 1,1-7 239,5 1-1863,0-9 1,9 5-242,8-8 0,8-2 546,10-4 449,-1-3 0,8-16 0,2-2 0</inkml:trace>
+  <inkml:trace contextRef="#ctx0" brushRef="#br0" timeOffset="3">2409 3834 7975,'0'-17'444,"-6"5"153,1 1 0,-3 1 1509,2-1-894,4-4-771,-13 5 0,13 2-158,-3 8 0,1 10 146,-2 13 1,4 4-241,-4 7 1,4 8-188,2 4 1,0 6 188,0 5 0,6-4-508,0 5 1,2 1 292,-3-2 1,-1 2-6,8-1 0,-7-11-1040,7 5 1,-8-14 512,1-3 0,3-9-816,-2-8 924,7-9 1,-5-3-1684,3-12 2131,-3-11 0,-8-10 0,0-7 0</inkml:trace>
+  <inkml:trace contextRef="#ctx0" brushRef="#br0" timeOffset="4">2203 4436 7975,'-27'9'0,"-4"-1"911,8-8 122,8 0 0,7-2 978,8-4 1,4-5-1016,8-12 1,1 2-479,16-8 0,0 3-992,5-3 0,6 2 372,0 4 1,2 2-1340,-2-7 0,-3 7 861,3-2 0,-2 5-1232,2 7 0,-3-4 781,3 3 0,-6 5 96,-5 1 935,-4 4 0,-8 2 0,-7 8 0,-3 1 0</inkml:trace>
+  <inkml:trace contextRef="#ctx0" brushRef="#br0" timeOffset="5">2633 3782 7975,'0'-11'219,"0"0"-183,0-1 0,0-5 1598,0 0 1,0 5-283,0 1 0,-2 5 1495,-4-5-1509,4 7-944,-5-4 0,7 10-298,0 4 0,0 5 156,0 12 0,0 12-279,0 10 0,5 7 3,1 5 0,0 4 32,-6 8 0,0 6 41,0-1 0,0 6-325,0-5 0,0-2 151,0-10 0,0 0 112,0-12 1,0-11 53,0-17 52,8-11-368,-7-5 1,13-16 94,-8-8 0,5-14-43,-5-9 1,5-2 196,-5 2 0,5 3-47,-5-3 0,0 10 203,-6 1 0,6 8-71,-1-2 1,1 4 397,-6 2-292,0 7 1,2-3 181,4 7-68,-4 1 198,13 5 0,-5 0-134,7 0 1,0-6 20,0 0 0,0 0-250,1 6 0,-1 0-292,0 0 0,0 0 278,0 0 0,-5 8 81,-1 3 1,-1 10-415,1 2 1,-3 10 62,-8 1 1,0 1 117,0 5 0,0-4-100,0-2 0,0 1-190,0-1 0,6-7-124,0-4 1,1-6-373,-1-5 1,-2-7-335,7-10 0,1-7 518,5-11 0,0-4-450,0-7 1,1-2 503,-1-4 0,-2 3-498,-3-3 1,3 6 428,-4 5 0,-1 4 137,1 8 1,-5 2 531,6 3 0,-9 5 0,13 7 0,-14 0 1072,5 0-842,-7 7 0,2-5 3517,4 4-667,-4-4-106,5-2-2205,-7 0 1,0 2 71,0 4-694,0-5 0,0 15 91,0-5 0,0 4-228,0 3 0,0 5 100,0 0 0,2 5-156,4-5 1,-4 8-204,4-3 0,1-3-337,-1-2 0,6-4 2,-7-2 0,9-1 231,-3-5 0,-1-3-644,1-8 0,-5-8 382,5-3 1,-5-12-958,6-6 1,-9-9 191,3-2 1380,-4-8 0,6-4 0,1-9 0</inkml:trace>
+  <inkml:trace contextRef="#ctx0" brushRef="#br0" timeOffset="6">3252 4075 7975,'0'-12'1331,"0"1"1,0 5 192,0-5 2316,0 7-854,0-11-2323,0 5 0,0-1-1268,0-1 1,2 6 427,4-5 1,4 7-2038,7-2 1,2-1 1368,4 1 0,-2 0 845,8 6 0,-1 8 0,7 1 0</inkml:trace>
+  <inkml:trace contextRef="#ctx0" brushRef="#br0" timeOffset="7">3597 4178 18920,'0'17'-35,"0"0"-256,0 1 0,0 1 234,0 4 1,0-4-130,0 4 0,0-4 176,0-2 1,0 6-211,0 0 0,0-6-299,0-6 344,0 1 1,0-1-214,0 1 325,0-8 0,0 1-321,0-10 1,0-5 108,0-7 1,5 0-19,1-1 1,6 1 154,-7 0 0,3 0 282,-2 0 1,-2 1 89,7 5 1,-5-4 447,5 3 1,-5 3 453,5-3 0,-5 8-511,6-1 1,-7 3 867,7 2-616,-1 0-484,6 0 1,1 5-100,-1 1 0,-6 8-458,1-3 0,-3 4-768,3 2 1,3 8 662,-3 4 0,-3-2-1895,3 1 0,-7-1-180,7 2-2026,-1-4 4370,7-8 0,-9-8 0,-1-1 0</inkml:trace>
+  <inkml:trace contextRef="#ctx0" brushRef="#br0" timeOffset="8">4836 4247 7975,'-2'-12'499,"-2"1"-48,-2-3 0,-7 7 0,3-1 1,-1 2 303,-1 1 1,1-1-1,-6 6 458,-1 0-990,1 0 0,2 8 0,1 3 0,5 6 439,1 6 1,-5-2-370,1 8 1,3-1 65,-3 7 0,7 5 230,-7 0 1,6 6-8,-5-6 1,7 6-185,-2-6 1,5 0-366,1-5 1,0-3-79,0-3 0,1-6-196,5-12-582,4-3 0,13-12 454,0-8 1,7-7-2444,-1-15 0,1-8 1384,-1-4 1,2 2 1427,-8-2 0,7 8 0,-3-4 0</inkml:trace>
+  <inkml:trace contextRef="#ctx0" brushRef="#br0" timeOffset="9">5059 4298 7975,'-17'0'1515,"6"0"-1010,-1 0 0,6 0 1359,-5 0-746,0 0 29,-7 0-545,1 0 1,2 8-161,3 3 1,5 1 266,7 5 0,0-4-242,0 10 0,0-2 288,0 2 0,0 2-304,0 4 1,7 1 238,5-7 1,3 2-298,2-2 0,1-10-177,-1 5 0,0-13-298,0 1 1,2-4 127,4-2 1,-4-4-223,4-7 0,-4-3 186,-1-14 0,-1-3-1809,0-9 0,-7 4 268,-5-4 1,-3 3-146,-2 3 0,-7-1 342,-5 1 1,-11 9 687,-6 8 1,-11 8-193,-6 9 1,-3 7 322,-3 5 1,14 3 83,3 2 1,14 0 430,4 0 0,0 1 0,7-1 0</inkml:trace>
+  <inkml:trace contextRef="#ctx0" brushRef="#br0" timeOffset="10">5369 4230 7975,'-17'0'609,"5"0"1,1 0 4860,-2 0-3202,-3 0-2205,7 0 1,7 1-193,8 5 1,5 4 0,-3 7-1,-1 0-97,1 0 1,3 6 214,-5 0 1,2 6-226,-2-6 1,-5 7-20,5-1 1,2-2 256,-2 1 0,-1-7 8,-5 2 0,6-4 139,0-1 0,0-7 192,-6 0-202,7-7 0,1 2 229,3-12 0,3-5-80,-9-12 0,7-2 2,-6-4 0,1-3-38,-1 3 1,-4 4 89,4 3 0,-4-3-78,-2 2 0,0 0 408,0 6-570,0-1 181,0 1-798,0 8 362,0 1-356,7 8 0,3 0 234,7 0 1,-6 2-160,1 4 0,-1 3-186,7 8 1,-1 1 175,0-1 1,-5 6-228,-1 0 0,0 2 252,7-3 1,-7-2-205,1 3 0,-1-4-269,6-2 174,0 0 0,1-7 73,-1-5 1,0-5-64,0-5 1,-1-13 307,-5-10 0,4-11 400,-3-1 0,3-7 0,2 1 0,-1-4 0,-5-1 0,4 5 0,-3 0 0,-3 8 0,3-3 0,-8 13 0,1 5 0,-3 4 275,-2 2 640,0 7 1279,0 2 234,0 8 338,0 0-1398,0 8 0,0-4-646,0 7 1,0 8-140,0 10 0,0 4-325,0 1 0,0 8-388,0 4 1,0 9-231,0 3 1,0 7 325,0-2 1,0-2-806,0 2 1,0-10 392,0-1 0,0-10-354,0-14 1,6-3-372,0-7 281,7-9 0,-9-11 132,8-15 1,-9-8-124,3-9 0,-4-8 184,-2-4 1,0-4-75,0-1 1,0-7 770,0 1 0,-8 0 0,-1 5 0</inkml:trace>
+  <inkml:trace contextRef="#ctx0" brushRef="#br0" timeOffset="11">5937 4212 7975,'-27'0'0,"2"2"-701,8 4 1,0-2 420,0 7 0,5-1 5603,1 1-998,7 5-2578,-4-15-1671,16 15 0,3-16 8,12 0 1,-2-2-1095,8-10 0,-2 1 666,2-6 1,3 0-1812,-3-1 1,-2 1-317,1 0 2471,-7 7 0,4-5 0,-8 6 0</inkml:trace>
+  <inkml:trace contextRef="#ctx0" brushRef="#br0" timeOffset="12">6092 4453 7975,'0'17'1602,"0"0"-476,0 1-331,8-1-38,-7-8 0,13-11 694,-8-15 1,7-2-295,-2-10 1,5 7-574,1-7 0,0 2-95,0-1 1,-1-5-200,-5 4 0,4 5-509,-3 1 1,3 2 249,2-2 0,-5 5-1203,-1 1 409,-7 0-378,4 15-857,-8-13 1330,0 13 1,-8 0-95,-3 8 1,-5 1 311,-1-1 1,0 2 422,0 3 0,0 5-80,-1-5 0,3-1 749,4 1 0,-5 1 127,5 5 1,-5 6 601,-1 0 0,2 5-357,4-5 1,-3 8-401,8-3 1,1-1-829,5 2 0,0-2 179,0 1 1,7 3-1122,5-8 1,5-6 711,6-6 0,-2-7-1266,8 2 1,-3-6 124,3-6 0,2-3 872,-8-9 1,7-6-26,-1-5 0,-2-2 282,1 3 1,-7-5 455,2 5 0,2-5 0,-2-1 0,-6 1 0,-5 5 0,-8 3 0,1 8 0,5-1 0,-10 9 0,0 3 0,-8 4 0,-9 2 710,0 0 1,5 0-230,1 0 0,5 0 1652,-5 0 1,5 0 3,-5 0 56,7 0 73,-4 0-717,8 0 0,2 0-363,4 0-766,3 0 0,8 6-196,1 0 0,1 7 14,4-2 1,-2 7-1512,7 5 0,-7-2 817,2 7 0,2-5-726,-2 6 0,6-6 201,-6 5 0,6-1 393,-7 2 0,1-4 180,-5-8 1,-1 0-163,0 0-9,0 0 1,-5-1-253,-1-5-412,-7-3 810,4-8 1,-8-8-98,0-3 0,0-5 116,0-1 1,0 0 11,0 0 1,0-2-7,0-4 0,0 2-106,0-8 0,0 8 318,0-2 0,-2 2 28,-4-2 0,4 4 509,-4-4 1,4 4-360,2 2 939,0 0 1,0 0-50,0-1 1,-1 3 299,-5 4 0,4 1 843,-4 4-1444,-3 4 1,-1-5 591,-7 7 1,0 7-533,-1 5 0,-1 11-493,-4 5 0,2 5 38,-7 1 0,5 6-1034,-6 1 0,8 6 603,-2-1 0,12-4-2023,5-2 1,4-9-1558,2-3 3835,0-6 0,15 10 0,4-5 0</inkml:trace>
+  <inkml:trace contextRef="#ctx0" brushRef="#br0" timeOffset="13">7331 3851 7975,'-12'-2'207,"1"-1"1,-2-3 0,-3 2 0,-1 2 2972,0 2 1,0 2-1,-1 4-1192,1 5 1,8 4-1711,3 3 0,-2 6 1,3 5-1,1 6-82,2 5 0,-4 5-35,0 13 1,1 1-58,5 4 1,0 2 86,0-8 0,-6 1-150,0-7 0,0-9-826,6-7 676,0-1 0,8-17 0,4 0 0,3-9 93,2-6 0,0-10-1932,0-3 0,1-6 835,-1-6 0,6 4 477,0-4 0,0 2-137,-6-2 0,-2 4 120,-3-4 1,3 4-239,-4 1 0,-3 7-232,-2 0-1145,3-1 1056,-7-5 1212,6 0 0,-16-1 0,-1 1 0</inkml:trace>
+  <inkml:trace contextRef="#ctx0" brushRef="#br0" timeOffset="14">7107 4161 7975,'-17'-16'1991,"0"5"1,0 3 693,-1 8 1559,1 0-2265,0 0-962,7 0-976,3 0 0,11 0 1,5 0-1,10 2-757,6 4 0,4-4-135,5 4 1,1-4-1038,-1-2 1,8 0-3219,4 0 5106,-4-8 0,0-2 0,-7-7 0</inkml:trace>
+  <inkml:trace contextRef="#ctx0" brushRef="#br0" timeOffset="15">7744 4264 7975,'17'-8'2532,"-5"6"-84,-1-3 1,-5-3-216,5 2 0,-5 1-1761,5 5 1,1 1 0,5 5 0,0 6-462,1 3 1,-1 2 43,0 0 1,0 8-394,0 4 0,1 3 258,-1 3 1,0 1-60,0 4 1,-7 4-292,-4 8 0,-5-7 117,-1 1 1,-7 0-292,-5 6 0,-3-14 207,-2-4 1,0-11-493,-1 0 1,1-6-202,0-5-337,7-5 0,3-14 415,7-5 1,0-5 60,0-6 0,0 2 298,0-7 653,0 7 0,-8-12 0,-1 6 0</inkml:trace>
+  <inkml:trace contextRef="#ctx0" brushRef="#br0" timeOffset="16">7778 4522 7975,'18'0'1270,"-9"0"925,6 0-700,-13 0 0,6 2-762,-8 3 0,-2 5-57,-4 7 1,2 6-262,-7 0 1,5 2 152,-5-2 1,5 4-172,-5 7 0,5-2-376,-6-3 0,9 2 80,-3-8 0,4 1-42,2-1 349,0-4 1,8 6-110,3-8 1,4-7 106,3-4 0,1-4-143,4-2 1,-2-2-202,7-4 1,1-4 133,5-7 1,7-8-650,-1-3 0,6-5-561,-6-1 1,13-6-1106,-1 0 1,-2-8-4025,-4 2 6143,-8 4 0,11-15 0,-5 3 0</inkml:trace>
+  <inkml:trace contextRef="#ctx0" brushRef="#br0" timeOffset="17">516 6791 9696,'-11'2'881,"-1"4"0,1 3-601,-6 9 0,5 1 1,1 2-1,-1 4 0,1-1 1,1 3 95,3 0 1,1 0-1,6 3 1,0-3-277,0-2 0,7-4 1,5-8-1,3-3 70,2-3 0,6-1-153,0-6 1,0-7 0,-4-7 0,2-7-341,2-8 1,-2-3 166,-9-2 0,1-3-882,-7-3 0,0 2 123,-6-8 1,0 8-178,0-2 0,-2 5 327,-4 7 1,2 3-143,-7 8 907,-1 0 0,-5 7 0,0 2 0,0 8 0</inkml:trace>
+  <inkml:trace contextRef="#ctx0" brushRef="#br0" timeOffset="18">826 6774 7975,'-17'-9'239,"5"1"0,1 8 0,-1-2 1166,3-4 1,-6 4-773,3-3 1,3 3 0,-1 4-382,2 3-212,3-3 0,5 14 0,0-5-32,0 4 1,5 2-192,1 1 1,6-1 57,-7 0 1,3 0-45,-2 0 0,-3 6 167,9 0 1,-6 0 6,5-6 0,-1 1 127,1-1 1,4-2-38,-3-3-191,3 3 1,2-13-35,1 3 1,-1-3-157,0-2 1,0-3 139,0-9 0,-5 1-128,-1-12 0,-1 4 209,1 1 1,3-5-50,-8 1 0,-1-1 110,-5 5 0,0 1-244,0 0 626,0 0-102,0 0 864,0-1-289,0 9 22,0 1-76,-7 8-144,5 0-527,-6 0 0,14 2 96,0 4 0,5 3-209,-5 9 0,5-7-184,-5 1 1,5 1-207,-5 10 1,6-4 31,-7 4 1,9-4-158,-3-2 1,-1 0-233,1 1 0,-1-7 283,1 1 0,5-9-123,-5 3 0,-1-4 117,1-2 1,1-4 28,5-7 0,-6-3 81,1-14 1,-3-7-88,3-5 1,1-8 156,-7 3 1,5 1 276,-5-2 0,0 8 0,-6-3 0,0 7 0,0 5 0,0 5 0,0 6 0,0 1 31,0 8 195,-8 1 2206,6 8-684,-5 0-1048,7 0 1,0 2 897,0 4-1127,0-4 0,0 13-3,0-4 0,5 5-100,1 1 1,6 8-371,-7 3 1,7 5-70,-6 1 0,7 1-36,-2-1 0,-1 6 99,1 0 0,1 0-117,5-5 1,-2-3-713,-3-3 0,3-4 345,-3-8 0,1-6-656,-1 1 1,3-10 474,-4-2 1,-3-8-291,-2-9 1,1-6 379,-1 0 0,0-8 583,-6 3 0,-8 3 0,-1 0 0</inkml:trace>
+  <inkml:trace contextRef="#ctx0" brushRef="#br0" timeOffset="19">1187 6791 7975,'-17'-9'0,"0"1"665,0 8 1,5 0 911,1 0 0,7-2-120,-2-4-754,4 5 0,10-15-742,3 5 1,11 1 65,0-1 0,11 5-464,1-5 1,1 1 337,5-1 1,4-5 98,2 5 0,4-4 0,1-3 0</inkml:trace>
+  <inkml:trace contextRef="#ctx0" brushRef="#br0" timeOffset="20">1824 6396 7975,'0'-17'162,"-2"1"311,-4 5 0,3-4 1001,-9 3-1702,8 5 1,-5-1-694,3 8 793,4 0 1,-6 8 0,7 3-211,-5 4 1,4 2 207,-4 1 1,2-1 428,-1 0 1,3 0-135,-4 0 0,-2 1 1433,3-1-1132,-9 0 0,10 0 433,-7 0 0,7 1-155,-2-1 1,-1 0-302,1 0 1,-5 0-20,5 1 0,-2-1 132,2 0 58,4 0-373,-5 0-276,7 1 1,0-7 435,0 0-346,7-7 0,3 4-87,7-8 1,0 0-77,1 0 0,-1 0-98,0 0 1,0 0 85,0 0 0,-1-2-293,-5-4 1,5 4 180,-5-3 0,4 3-151,3 2 1,-3-2-94,-4-4 0,5 4-130,-5-4 0,-1 5 141,1 1 0,-7 1 48,2 5 0,-4-2 384,-2 7 0,0 1-142,0 5 1,-2 2 220,-4 4 1,-2-4-85,-3 4 1,-4 2 69,3-2 1,2-2 49,-1-10 1,5 5-90,-5-5 1,5-3 96,-5-2-45,7 3-943,-4-7 321,8 6 95,0-8 1,2-6 146,4 0 0,-2-7-31,7 1 0,1-3 154,5-2 0,0-2 107,0-4 0,0 4 315,1-4 0,-1 4-192,0 1 1,-2 1 496,-3 0 0,1 6-272,-7-1 1,2 3 892,-3-3-780,-3-3 1,8 13 653,-5-4-205,-3 4-453,6 2-161,-8 0 0,2 2-122,4 4 1,-4 4-199,3 7 0,-3 0 93,-2 0 0,0 0-286,0 0 0,2 1 163,4-1 1,-4 0-1230,4 0 243,-5 0 493,7 1 1,-4-9 151,7-3 0,-5-6 137,6-6 0,-9-11 109,3-12 0,2-5 254,-2-6 0,5-6 0,-5-11 0,0 3 0,-6-3 0,0 3 0,0 3 0,-8 7 0,-4 4 0,-5 13 350,-6 10 0,4 7 425,-4 10 0,2 0 757,-2 0 0,6 2 200,0 4 0,1-2-878,11 7 1,-7-5-113,7 5 0,-1-5-292,6 6 0,2-9-758,3 3 0,7-4-293,11-2 0,-4 6-488,4 0 1,4-1-1275,1-5 1,-1 0 2362,2 0 0,0 0 0,5 0 0</inkml:trace>
+  <inkml:trace contextRef="#ctx0" brushRef="#br0" timeOffset="21">2444 6637 7975,'0'-18'754,"0"7"-242,0-1 0,-8 1 0,-2-6 586,1 0 0,-1 1-717,5 5 0,1-3 0,-6 7 1,1-1 1216,-1 1-1199,-1 1 1,-7 6-102,1 0 0,6 0-508,-1 0 1,6 9 216,-5 9 1,5 1-311,-5 9 0,7-5 78,-2 6 1,4-6-215,2 5 1,0-5 184,0 6 1,0-8-3,0 2 0,2-6 92,4-5 1,-2 1-2,7-7 1,-5-1 346,5-5-173,1 0 1,5-9 83,0-8 1,-1-6-164,-5-6 0,4-9-193,-3 4 0,-3-10 31,3 4 0,-8-6-182,2 6 1,1-8 64,-1 2 1,0 2 151,-6-2 0,0 10-9,0 1 1,0 3-47,0 9 1,0 0 753,0 6 450,0 0-15,0 7 1,-2 6 365,-4 16 1,4 1-585,-4 16 0,4 0-88,2 5 0,-5 8-202,-1 4 0,0 3-355,6 3 0,0 0 114,0-1 1,2-5-238,4 0 1,-2-4 100,7-2 0,1 0-270,5-11 1,2-10-376,4-2 1,-4-5 295,4-1 0,2-11 46,-2-11 1,2-12 144,-2-6 1,-4 0 85,4-5 0,-2 3-137,2-9 1,-4 2-117,4-2 1,-10 4 156,-1-4 1,-3 5-529,3 6 1,-3-3-354,-3 3 1,-4 5 432,4 1 1,-6 5-4,-6 7 1,2-2 172,-8 7 0,1 0 592,-6 6 0,5 0-225,1 0 0,-1 8 1069,-5 3 0,6 4-247,-1 3 0,8-7 196,-1 1 1,3-1 492,2 6 1,0 0-727,0 1 1,2-3-604,3-4 1,3 5 34,4-5 1,3 8-1525,-4-2 1,7 8 870,4-13 1,-2 7-4249,3-8 4711,3 5 0,1 1 0,7 0 0</inkml:trace>
+  <inkml:trace contextRef="#ctx0" brushRef="#br0" timeOffset="22">843 7651 7975,'-17'-12'441,"0"3"0,-2 1 222,-4 4 0,4 4 1,-4 4-1,4 4 291,1 1 0,3 9-597,4 5 0,-3 7 0,7-1 0,-1 5-16,0 6 0,-3 4-117,5 8 0,0-2-238,6-5 0,0 3 123,0-8 1,2-2-171,4-9 1,-2-6-856,7-12 1,3-3 464,9-8 0,-4 0-309,4 0 1,2-9 263,-3-9 0,9-6-196,-2-11 0,-3 1 252,3-1 0,-2-5-72,2 0 0,-3-2 136,-3 2 0,-4 6 264,4-1 1,-3 3-30,-3 9 0,-8 0 22,-3 6 1412,-4 7-1043,-2 3 0,-8 8 807,-3 5 0,1-2 181,-1 7-46,-1 1 1,1 5-541,-1 0 1,9-5 267,-3-1 1,4-5-257,2 5 0,2-7-54,4 2 0,-3 2-268,9-3 1,-1 3-111,7-2 1,1-4-169,4 3 0,-4-3 102,4-2 0,-4 0 72,-2 0 0,0-2-657,0-3 1,-1-5-947,-5-7 0,3 0-569,-9-1 1,7-6 958,-7-5 0,1 2-389,-6-1 1,-2 1 649,-3-2 1,1 4 25,-8 8 0,1 2 40,-6 3 648,-1 5 0,-6 7 0,-3 0 0</inkml:trace>
+  <inkml:trace contextRef="#ctx0" brushRef="#br0" timeOffset="23">1273 7703 7975,'-7'-12'0,"-3"1"0,-1-1 784,-1 3 1,7-7 786,-7 5 1,8 1-1,-1-1 77,3-3 0,2 5-1362,0-3 0,2 9 162,3-3-1331,5 4 643,15 2 0,-6 8 44,4 3 1,-4 4-68,-2 3 0,-2-1-672,-3 0 1,1 0 309,-7 0 1,5 2 174,-5 4 0,6-4 390,-7 4 1,3-5-40,-2-7 1,-4 4 65,3-3 1,3-3-92,-2 3 374,0-8-175,-6 3 1,0-9 151,0-3 56,0-5 0,0-7-112,0 0 0,0-1 7,0 1 0,0 0-55,0 0 1,0 0-101,0 0 1,0-1 69,0 1 0,5 0 99,1 0 0,2 0 28,-3-1 0,-1 1 214,8 0 0,-7 0-263,7 0 0,-6-1-7,5 1 0,-5 6-80,5-1 0,-5 7 99,6-7 1,-7 8-215,7-1 1,-7 3 109,7 2 1,-6 7-188,5 5 0,-7 9-78,2 2 1,-4 7-63,-2-1 0,5 3 40,1 3 1,0-7 121,-6 1 0,6-8-434,-1 2 1,3-4 197,-2-2 1,-4-5-1747,3-1 1464,5-7 0,-6 2-78,7-12 1,-7-4 59,2-7 0,1-6-61,-1 0 1,6-7 61,-7 1 621,1-3 0,2-3 0,1 1 0</inkml:trace>
+  <inkml:trace contextRef="#ctx0" brushRef="#br0" timeOffset="24">1859 7256 7975,'-2'-12'2240,"-4"1"-825,4 7 1,-6-12-663,8 5 0,-5 1 1926,-1-1-1986,0 7 1,6-5 57,0 3-632,0 4 1,6-4-192,0 12 0,1 4-142,-1 7 0,-2 8 256,7 3 0,-7 7-495,2 5 1,1-4 202,-1 4 1,6 2-907,-7-2 0,7 0 434,-6-5 0,5-3-66,-5-3 0,1-2-703,-1-4-356,-4-12 975,6 12 0,-8-23 356,0 0 0,-2-2 516,-4-9 0,-3 1 0,-9-1 0,-5-5 0,0 5 0,1-3 0,4 3 0,1-2 0,0 7 0,0-6 339,-1 7 1,1-3-97,0 2 1,8 3 1662,3-9 0,-2 6-826,2-5 0,1-1 439,5-5 0,0 6-744,0-1 1,2-5-213,3-6 1,11-2-181,7 2 1,5 2-884,-5-7 0,8 7-280,-3-2 0,5 4-622,1 2 0,-1 1-186,-4 5 0,1-3 662,-7 9 0,6-1-1193,-6 6 2119,-8 0 0,0 8 0,-5 1 0</inkml:trace>
+  <inkml:trace contextRef="#ctx0" brushRef="#br0" timeOffset="25">2065 7427 7975,'0'18'1097,"-6"-1"-697,1 0 0,-1-6 369,6 1-264,-8-8 420,6 3 1,2-7-387,12 0 1,-3-2 31,3-3 0,-1-3-136,6-3 0,1-10-90,-1 3 1,0-3-211,0 4 1,1-6 88,-1 0 0,0 0-309,0 6 1,-2-6 151,-3 0 0,3-5-137,-3 5 1,-5 0-12,-1 6 1,-4 0-446,-2-1 0,0 1 12,0 0 0,-2 7-170,-4 5 1,2 3 92,-7 2 0,-6 0 173,-6 0 1,0 7 561,6 5 0,0 3-197,-1 2 0,3 1 324,4-1 0,-5 6 228,5 0 1,3 5 617,2-5 0,-1 8-482,1-3 0,0 3 51,6-2 0,2 1-815,4-7 1,2 6 134,3-6 1,10 0-940,-4-6 1,4-2 551,-3-3 1,4 1-900,1-7 0,0-3 473,-5-8 1,4-5 69,1-7 0,0-8 104,-5-4 1,-1-5-140,0-6 0,0 2 334,0-8 0,-1 0 438,-5-5 0,4-1 0,-5 0 0</inkml:trace>
+  <inkml:trace contextRef="#ctx0" brushRef="#br0" timeOffset="26">2444 7049 8201,'-8'10'728,"-3"-5"0,3-1 1224,2 2 181,-3-4-454,7 13 1,-6-11-170,8 7 1,0-5-774,0 6 1,8-7-360,3 7 1,4-1-141,3 7 0,5-1-883,0 0 1,5 2 42,-5 4 1,8-2-302,-3 8 1,-1-6-107,2 5 1,-2-7 386,1 2 0,-3-4-593,-8-2 0,6-5 551,0-1 0,-6-7-388,-5 2 1,-2-6 461,1-6 1,-1-5-303,-5-12 1,-3-4 891,4-7 0,-4-8 0,-2-2 0</inkml:trace>
+  <inkml:trace contextRef="#ctx0" brushRef="#br0" timeOffset="27">2788 6963 7975,'-25'0'0,"6"2"471,-4 4 1,4-4 701,2 4 0,1-3 82,5 3 0,-5-2-620,5 7 0,3-5-434,3 6 1,-3-1 36,2 6 0,-1 2-489,1 4 1,2 4 250,-7 7 1,5 8 190,-6 4 0,9 4-1020,-3 1 1,4 1-1551,2 0 1,0-8 70,0-4 2308,0-12 0,8-3 0,1-8 0</inkml:trace>
+  <inkml:trace contextRef="#ctx0" brushRef="#br0" timeOffset="28">2994 6791 7975,'-11'0'0,"-1"0"0,1 0 0,-4 2 2695,3 4-1486,4 3 1,3 11-575,-1 3 0,0-2-229,6 7 1,6 3 117,0 9 0,5 4-55,-5 7 0,2 1-42,-3 0 1,-1-1-135,8 1 0,-7-3-200,7-3 0,-6-11-24,5-12 1,-5-4-95,5-2 0,-5-8-918,5-3 1,1-6 516,5-6 0,0-5-708,1-12 0,-1-2 429,0-4 1,0-3-82,0 3 0,1 3 155,-1-3 0,-6 6 10,1-6 1,-8 14-256,1-2 1,-3 4 875,-2-5 0,0 7 0,0-1 0,-7 1 0,-3-6 0</inkml:trace>
+  <inkml:trace contextRef="#ctx0" brushRef="#br0" timeOffset="29">2805 7152 7975,'-17'0'1793,"0"0"0,-1 0 1986,1 0 1115,8 0-3334,1 0-1032,23-7 1,4 5-497,16-4 1,-1-2 50,1 3 1,1-9-440,4 3 1,2-4 275,4-3 1,2 1-2224,-8 0 1,6 0 2302,-6 0 0,0-1 0,-5 1 0</inkml:trace>
+  <inkml:trace contextRef="#ctx0" brushRef="#br0" timeOffset="30">3769 7359 7975,'-18'0'314,"1"2"0,0 1 1,0 3-1,0-2 1506,-1-2 1,11-2 0,7 0-1277,9 0 0,14 0 1,8-2-1,5-4-474,4-5 0,8-5-217,-2-1 0,2 0 0,0 0 0,-2 0-439,1 0 1,3-1-1097,2 1 0,-6 0 608,-1 0 1,-6 0-282,1-1 0,-11-5 1355,-6 0 0,-4 1 0,-2 4 0</inkml:trace>
+  <inkml:trace contextRef="#ctx0" brushRef="#br0" timeOffset="31">4078 6980 7975,'-24'8'0,"4"-4"4240,-2 7-2035,10-7-1167,4 11 0,24-13-484,7 4 0,7-4 109,5-2 0,7 0-223,4 0 1,3-2 5,3-4 1,-2 4-336,-4-3 0,1 3-253,-6 2 0,1 0 253,-2 0 1,-12 7 112,1 5 0,-16 3-1434,-7 2 0,-4 8 563,-2 4 0,-15 9 85,-8 2 0,-10 8 24,-7-2 0,2-2-448,-8 2 1,0-2 182,-5 1 561,-1-3 1,-7-7 0,-3-1 0</inkml:trace>
+</inkml:ink>
+</file>
+
+<file path=ppt/ink/ink2.xml><?xml version="1.0" encoding="utf-8"?>
+<inkml:ink xmlns:inkml="http://www.w3.org/2003/InkML">
+  <inkml:definitions>
+    <inkml:context xml:id="ctx0">
+      <inkml:inkSource xml:id="inkSrc0">
+        <inkml:traceFormat>
+          <inkml:channel name="X" type="integer" min="-2.14748E9" max="2.14748E9" units="cm"/>
+          <inkml:channel name="Y" type="integer" min="-2.14748E9" max="2.14748E9" units="cm"/>
+          <inkml:channel name="F" type="integer" max="32767" units="dev"/>
+        </inkml:traceFormat>
+        <inkml:channelProperties>
+          <inkml:channelProperty channel="X" name="resolution" value="1000" units="1/cm"/>
+          <inkml:channelProperty channel="Y" name="resolution" value="1000" units="1/cm"/>
+          <inkml:channelProperty channel="F" name="resolution" value="0" units="1/dev"/>
+        </inkml:channelProperties>
+      </inkml:inkSource>
+      <inkml:timestamp xml:id="ts0" timeString="2024-09-10T06:52:48.758"/>
+    </inkml:context>
+    <inkml:brush xml:id="br0">
+      <inkml:brushProperty name="width" value="0.05292" units="cm"/>
+      <inkml:brushProperty name="height" value="0.05292" units="cm"/>
+      <inkml:brushProperty name="color" value="#FF0000"/>
+    </inkml:brush>
+  </inkml:definitions>
+  <inkml:trace contextRef="#ctx0" brushRef="#br0">3012 12603 9660,'1'-18'-228,"3"1"0,2 0 0,0 2 257,1 3 0,-5-3 1424,4 4-965,-4 3-121,-2 0-327,0 24 0,0-11 101,0 12-73,0-11 0,2 8-27,4-9 0,-3 1 64,9-6 18,-1 8 0,7-6-15,-1 3 0,0-3-27,0-2 0,0 0 17,1 0 1,-1 2-32,0 4 0,0-4-135,0 3 1,3 3 115,3-2 1,-4 5-33,4-5 0,-4 5-35,-2-5 0,2 6 34,4-7 1,-4 7 64,4-6 0,2 5-73,-2-5 1,2 1 106,-2-1 0,-4-4-68,4 4 0,2-4 18,-2-2 1,1 5-30,-1 1 1,-4 0-8,4-6 0,-4 0-32,-1 0 1,1 0 66,4 0 0,-4 0-63,4 0 0,-4 0 9,-2 0 0,0 0-2,1 0 1,5 0 6,-1 0 0,3 0-24,-2 0 1,-2-2 29,8-4 0,-6 4-9,6-3 0,-6-3 43,5 2 0,-5-1-32,6 1 0,-8 4-7,2-4 0,2-1 40,-2 1 1,0 0 10,-6 6 1,0 0-136,0 0 0,0 0 78,1 0 0,-1 0-160,0 0 0,0 2 66,0 4 0,1-4 24,-1 3 0,0 3-12,0-2 0,1 1 41,-1-1 25,8-4 0,-6 6 1,6-8 77,-1 0 1,-4 0-39,2 0 1,0 0 125,0 0 0,-2 0-110,3 0 1,-4 0 21,-2 0 0,0 0 70,0 0 0,-5 0-56,-1 0 1,1 0-47,5 0 0,-6 0-45,1 0-12,-1 0 0,7 0-6,-1 0 17,0-8 0,0 6 9,0-4 1,-1 3-1,-5-3 1,4 4-24,-3-4 37,3 4 0,2 2-20,1 0 0,-1 0 38,0 0 1,0 0 3,0 0 1,1 0-6,-1 0 1,2 0 9,4 0 1,-4 0-54,4 0 0,2 0 8,-2 0 0,5 0-39,-5 0 0,8 0 63,-2 0 0,-3 0-51,3 0 1,0-2 42,5-3 1,1 3-25,-1-4 0,0 2 46,1-1 0,-1 3 12,1-4 1,1-4 26,4-1 0,-3 1 115,3-1 1,-6 5 20,-5-5 1,3 5-134,-3-6 1,3 7-111,3-7 0,-6 8 112,-1-1 0,-5 3-182,6 2 0,-6 0 76,6 0 0,-7 0-29,7 0 0,0 0-20,5 0 0,1 0-10,-1 0 1,1 0 46,-1 0 1,8 0 32,4 0 0,-2 0 20,2 0 0,0 0 21,5 0 0,1-6 20,0 0 1,-7-7-30,1 2 1,0 3 9,6 2 1,-2-2 2,-5 3 1,-1-7 6,-3 7 0,-3-1-57,8 6 0,-6 0 29,6 0 1,-8 0-57,2 0 0,4-6 13,2 0 0,2 1-23,-2 5 0,3 0-14,-3 0 1,4 0-8,2 0 1,-1 0-82,1 0 1,-1 0 115,1 0 1,-6 0-2,0 0 0,0 0-10,5 0 1,-5 0 72,0 0 1,-6 0-34,6 0 1,0 5 10,6 1 0,-6 2-6,0-3 1,-6-1 9,6 8 0,-2-8-44,1 1 1,3 3 23,-8-2 0,8 5-90,-2-5 0,2 5 75,-2-5 0,2 0 12,-8-6 1,8 6 6,-3-1 1,5 1 6,2-6 1,1 0 50,5 0 1,-5 0 2,5 0 1,1-6 30,-2 1 1,2-1 19,-1 6 0,-5 0-58,5 0 1,1 0-9,-2 0-44,1 0 0,-7 0 1,1 0 27,0 0 1,5 2-82,0 3 0,1-1-13,-7 8 0,1-8-22,0 1 0,5-3 67,0-2 0,6 6 1,-5 0 1,1-1 170,-2-5 1,-3 0-156,3 0 1,-3 0 106,-3 0 1,-3 6-87,4 0 0,-12 1 13,6-1 0,0-2-47,0 7 1,-2-5-27,2 6 1,-1-1-23,7 6 1,0-5-177,-1-1 0,3-1 171,3 1 1,3 3 9,3-9 1,4 1 96,-4-6 1,11 0-75,7 0 1,-3 0 21,2 0 1,-1-2 156,1-4 0,4-3-37,-4-8 1,5 1 14,1 5 0,-2-4 9,-4 3 0,4-3-229,-4-2 0,-3 5 166,-3 1 1,-5 7-341,-6-2 243,-3 4 1,-9 2 0,-1 0-276,-4 0 0,-4 8 17,-8 3 1,7 3-192,-1-3 1,0 5 190,-6-5 0,1 4-25,-1 3 0,6 1-306,0 4 1,2-10-219,-1 4 841,-5-3 0,10 7 0,0-4 0,7-4 0</inkml:trace>
+</inkml:ink>
 </file>
 
 <file path=ppt/notesMasters/notesMaster1.xml><?xml version="1.0" encoding="utf-8"?>
@@ -434,7 +518,7 @@
             <a:fld id="{FD6991A4-6061-8E40-B3BF-9224535D7C20}" type="datetimeFigureOut">
               <a:rPr lang="en-US" smtClean="0"/>
               <a:pPr/>
-              <a:t>9/2/24</a:t>
+              <a:t>9/10/24</a:t>
             </a:fld>
             <a:endParaRPr lang="en-US"/>
           </a:p>
@@ -1371,11 +1455,7 @@
             <a:off x="685800" y="1772816"/>
             <a:ext cx="7772400" cy="1542033"/>
           </a:xfrm>
-          <a:effectLst>
-            <a:outerShdw dist="17780" dir="2700000" algn="ctr" rotWithShape="0">
-              <a:srgbClr val="000000"/>
-            </a:outerShdw>
-          </a:effectLst>
+          <a:effectLst/>
         </p:spPr>
         <p:txBody>
           <a:bodyPr/>
@@ -1387,21 +1467,18 @@
               <a:spcAft>
                 <a:spcPct val="0"/>
               </a:spcAft>
-              <a:defRPr kumimoji="1" lang="ko-KR" altLang="en-US" sz="4400" b="1" kern="1200" dirty="0">
+              <a:defRPr lang="ko-KR" altLang="en-US" sz="4400" b="0" dirty="0">
                 <a:solidFill>
-                  <a:schemeClr val="tx2">
-                    <a:lumMod val="75000"/>
-                  </a:schemeClr>
+                  <a:schemeClr val="tx1"/>
                 </a:solidFill>
-                <a:latin typeface="Adobe 고딕 Std B" pitchFamily="34" charset="-127"/>
-                <a:ea typeface="Adobe 고딕 Std B" pitchFamily="34" charset="-127"/>
-                <a:cs typeface="Adobe Arabic" pitchFamily="18" charset="-78"/>
+                <a:latin typeface="Helvetica Neue" panose="02000503000000020004" pitchFamily="2" charset="0"/>
+                <a:cs typeface="Helvetica Neue" panose="02000503000000020004" pitchFamily="2" charset="0"/>
               </a:defRPr>
             </a:lvl1pPr>
           </a:lstStyle>
           <a:p>
             <a:r>
-              <a:rPr lang="en-GB" altLang="ko-KR"/>
+              <a:rPr lang="en-GB" altLang="ko-KR" dirty="0"/>
               <a:t>Click to edit Master title style</a:t>
             </a:r>
             <a:endParaRPr lang="ko-KR" altLang="en-US" dirty="0"/>
@@ -1507,930 +1584,6 @@
         </p:nvSpPr>
         <p:spPr>
           <a:xfrm>
-            <a:off x="3347864" y="4030167"/>
-            <a:ext cx="2448272" cy="461665"/>
-          </a:xfrm>
-          <a:prstGeom prst="rect">
-            <a:avLst/>
-          </a:prstGeom>
-          <a:noFill/>
-        </p:spPr>
-        <p:txBody>
-          <a:bodyPr wrap="square" rtlCol="0">
-            <a:spAutoFit/>
-          </a:bodyPr>
-          <a:lstStyle/>
-          <a:p>
-            <a:pPr algn="ctr" fontAlgn="base">
-              <a:spcBef>
-                <a:spcPct val="0"/>
-              </a:spcBef>
-              <a:spcAft>
-                <a:spcPts val="600"/>
-              </a:spcAft>
-            </a:pPr>
-            <a:r>
-              <a:rPr kumimoji="1" lang="en-US" altLang="ko-KR" sz="2400" b="1" dirty="0" err="1">
-                <a:solidFill>
-                  <a:prstClr val="black"/>
-                </a:solidFill>
-                <a:latin typeface="맑은 고딕" pitchFamily="50" charset="-127"/>
-                <a:ea typeface="맑은 고딕" pitchFamily="50" charset="-127"/>
-              </a:rPr>
-              <a:t>Youjip</a:t>
-            </a:r>
-            <a:r>
-              <a:rPr kumimoji="1" lang="en-US" altLang="ko-KR" sz="2400" b="1" baseline="0" dirty="0">
-                <a:solidFill>
-                  <a:prstClr val="black"/>
-                </a:solidFill>
-                <a:latin typeface="맑은 고딕" pitchFamily="50" charset="-127"/>
-                <a:ea typeface="맑은 고딕" pitchFamily="50" charset="-127"/>
-              </a:rPr>
-              <a:t> Won</a:t>
-            </a:r>
-            <a:endParaRPr kumimoji="1" lang="en-US" altLang="ko-KR" sz="2400" b="1" dirty="0">
-              <a:solidFill>
-                <a:prstClr val="black"/>
-              </a:solidFill>
-              <a:latin typeface="맑은 고딕" pitchFamily="50" charset="-127"/>
-              <a:ea typeface="맑은 고딕" pitchFamily="50" charset="-127"/>
-            </a:endParaRPr>
-          </a:p>
-        </p:txBody>
-      </p:sp>
-      <p:pic>
-        <p:nvPicPr>
-          <p:cNvPr id="2" name="그림 1"/>
-          <p:cNvPicPr>
-            <a:picLocks noChangeAspect="1"/>
-          </p:cNvPicPr>
-          <p:nvPr/>
-        </p:nvPicPr>
-        <p:blipFill>
-          <a:blip r:embed="rId2" cstate="print">
-            <a:extLst>
-              <a:ext uri="{28A0092B-C50C-407E-A947-70E740481C1C}">
-                <a14:useLocalDpi xmlns:a14="http://schemas.microsoft.com/office/drawing/2010/main" val="0"/>
-              </a:ext>
-            </a:extLst>
-          </a:blip>
-          <a:stretch>
-            <a:fillRect/>
-          </a:stretch>
-        </p:blipFill>
-        <p:spPr>
-          <a:xfrm>
-            <a:off x="3252786" y="5013176"/>
-            <a:ext cx="2638429" cy="753613"/>
-          </a:xfrm>
-          <a:prstGeom prst="rect">
-            <a:avLst/>
-          </a:prstGeom>
-        </p:spPr>
-      </p:pic>
-    </p:spTree>
-    <p:extLst>
-      <p:ext uri="{BB962C8B-B14F-4D97-AF65-F5344CB8AC3E}">
-        <p14:creationId xmlns:p14="http://schemas.microsoft.com/office/powerpoint/2010/main" val="1095830777"/>
-      </p:ext>
-    </p:extLst>
-  </p:cSld>
-  <p:clrMapOvr>
-    <a:masterClrMapping/>
-  </p:clrMapOvr>
-  <p:hf hdr="0" dt="0"/>
-</p:sldLayout>
-</file>
-
-<file path=ppt/slideLayouts/slideLayout10.xml><?xml version="1.0" encoding="utf-8"?>
-<p:sldLayout xmlns:a="http://schemas.openxmlformats.org/drawingml/2006/main" xmlns:r="http://schemas.openxmlformats.org/officeDocument/2006/relationships" xmlns:p="http://schemas.openxmlformats.org/presentationml/2006/main" preserve="1">
-  <p:cSld name="구역 머리글">
-    <p:spTree>
-      <p:nvGrpSpPr>
-        <p:cNvPr id="1" name=""/>
-        <p:cNvGrpSpPr/>
-        <p:nvPr/>
-      </p:nvGrpSpPr>
-      <p:grpSpPr>
-        <a:xfrm>
-          <a:off x="0" y="0"/>
-          <a:ext cx="0" cy="0"/>
-          <a:chOff x="0" y="0"/>
-          <a:chExt cx="0" cy="0"/>
-        </a:xfrm>
-      </p:grpSpPr>
-      <p:cxnSp>
-        <p:nvCxnSpPr>
-          <p:cNvPr id="4" name="직선 연결선 3"/>
-          <p:cNvCxnSpPr/>
-          <p:nvPr/>
-        </p:nvCxnSpPr>
-        <p:spPr>
-          <a:xfrm>
-            <a:off x="214313" y="4429125"/>
-            <a:ext cx="8786812" cy="0"/>
-          </a:xfrm>
-          <a:prstGeom prst="line">
-            <a:avLst/>
-          </a:prstGeom>
-          <a:ln w="38100">
-            <a:solidFill>
-              <a:schemeClr val="tx2">
-                <a:lumMod val="50000"/>
-              </a:schemeClr>
-            </a:solidFill>
-          </a:ln>
-        </p:spPr>
-        <p:style>
-          <a:lnRef idx="1">
-            <a:schemeClr val="accent1"/>
-          </a:lnRef>
-          <a:fillRef idx="0">
-            <a:schemeClr val="accent1"/>
-          </a:fillRef>
-          <a:effectRef idx="0">
-            <a:schemeClr val="accent1"/>
-          </a:effectRef>
-          <a:fontRef idx="minor">
-            <a:schemeClr val="tx1"/>
-          </a:fontRef>
-        </p:style>
-      </p:cxnSp>
-      <p:sp>
-        <p:nvSpPr>
-          <p:cNvPr id="3" name="텍스트 개체 틀 2"/>
-          <p:cNvSpPr>
-            <a:spLocks noGrp="1"/>
-          </p:cNvSpPr>
-          <p:nvPr>
-            <p:ph type="body" idx="1"/>
-          </p:nvPr>
-        </p:nvSpPr>
-        <p:spPr>
-          <a:xfrm>
-            <a:off x="891994" y="2906713"/>
-            <a:ext cx="8072494" cy="1500187"/>
-          </a:xfrm>
-        </p:spPr>
-        <p:txBody>
-          <a:bodyPr anchor="b"/>
-          <a:lstStyle>
-            <a:lvl1pPr marL="0" indent="0" algn="r">
-              <a:buNone/>
-              <a:defRPr sz="3200" b="1">
-                <a:solidFill>
-                  <a:schemeClr val="tx2">
-                    <a:lumMod val="50000"/>
-                  </a:schemeClr>
-                </a:solidFill>
-              </a:defRPr>
-            </a:lvl1pPr>
-            <a:lvl2pPr marL="457200" indent="0">
-              <a:buNone/>
-              <a:defRPr sz="1800"/>
-            </a:lvl2pPr>
-            <a:lvl3pPr marL="914400" indent="0">
-              <a:buNone/>
-              <a:defRPr sz="1600"/>
-            </a:lvl3pPr>
-            <a:lvl4pPr marL="1371600" indent="0">
-              <a:buNone/>
-              <a:defRPr sz="1400"/>
-            </a:lvl4pPr>
-            <a:lvl5pPr marL="1828800" indent="0">
-              <a:buNone/>
-              <a:defRPr sz="1400"/>
-            </a:lvl5pPr>
-            <a:lvl6pPr marL="2286000" indent="0">
-              <a:buNone/>
-              <a:defRPr sz="1400"/>
-            </a:lvl6pPr>
-            <a:lvl7pPr marL="2743200" indent="0">
-              <a:buNone/>
-              <a:defRPr sz="1400"/>
-            </a:lvl7pPr>
-            <a:lvl8pPr marL="3200400" indent="0">
-              <a:buNone/>
-              <a:defRPr sz="1400"/>
-            </a:lvl8pPr>
-            <a:lvl9pPr marL="3657600" indent="0">
-              <a:buNone/>
-              <a:defRPr sz="1400"/>
-            </a:lvl9pPr>
-          </a:lstStyle>
-          <a:p>
-            <a:pPr lvl="0"/>
-            <a:r>
-              <a:rPr lang="en-GB" altLang="ko-KR"/>
-              <a:t>Click to edit Master text styles</a:t>
-            </a:r>
-          </a:p>
-        </p:txBody>
-      </p:sp>
-      <p:cxnSp>
-        <p:nvCxnSpPr>
-          <p:cNvPr id="9" name="직선 연결선 8"/>
-          <p:cNvCxnSpPr/>
-          <p:nvPr/>
-        </p:nvCxnSpPr>
-        <p:spPr>
-          <a:xfrm>
-            <a:off x="0" y="6500813"/>
-            <a:ext cx="9144000" cy="0"/>
-          </a:xfrm>
-          <a:prstGeom prst="line">
-            <a:avLst/>
-          </a:prstGeom>
-          <a:ln w="25400">
-            <a:solidFill>
-              <a:schemeClr val="tx2">
-                <a:lumMod val="75000"/>
-              </a:schemeClr>
-            </a:solidFill>
-          </a:ln>
-        </p:spPr>
-        <p:style>
-          <a:lnRef idx="1">
-            <a:schemeClr val="accent1"/>
-          </a:lnRef>
-          <a:fillRef idx="0">
-            <a:schemeClr val="accent1"/>
-          </a:fillRef>
-          <a:effectRef idx="0">
-            <a:schemeClr val="accent1"/>
-          </a:effectRef>
-          <a:fontRef idx="minor">
-            <a:schemeClr val="tx1"/>
-          </a:fontRef>
-        </p:style>
-      </p:cxnSp>
-      <p:sp>
-        <p:nvSpPr>
-          <p:cNvPr id="14" name="Rectangle 6"/>
-          <p:cNvSpPr>
-            <a:spLocks noGrp="1" noChangeArrowheads="1"/>
-          </p:cNvSpPr>
-          <p:nvPr>
-            <p:ph type="sldNum" sz="quarter" idx="11"/>
-          </p:nvPr>
-        </p:nvSpPr>
-        <p:spPr>
-          <a:xfrm>
-            <a:off x="7964934" y="6592713"/>
-            <a:ext cx="1071562" cy="220663"/>
-          </a:xfrm>
-        </p:spPr>
-        <p:txBody>
-          <a:bodyPr/>
-          <a:lstStyle>
-            <a:lvl1pPr>
-              <a:defRPr b="1">
-                <a:latin typeface="맑은 고딕" pitchFamily="50" charset="-127"/>
-                <a:ea typeface="맑은 고딕" pitchFamily="50" charset="-127"/>
-              </a:defRPr>
-            </a:lvl1pPr>
-          </a:lstStyle>
-          <a:p>
-            <a:fld id="{5BCC3F0E-9362-6D47-9781-DB401EE9B6B9}" type="slidenum">
-              <a:rPr lang="en-US" smtClean="0"/>
-              <a:pPr/>
-              <a:t>‹#›</a:t>
-            </a:fld>
-            <a:endParaRPr lang="en-US"/>
-          </a:p>
-        </p:txBody>
-      </p:sp>
-      <p:sp>
-        <p:nvSpPr>
-          <p:cNvPr id="15" name="Rectangle 5"/>
-          <p:cNvSpPr>
-            <a:spLocks noGrp="1" noChangeArrowheads="1"/>
-          </p:cNvSpPr>
-          <p:nvPr>
-            <p:ph type="ftr" sz="quarter" idx="3"/>
-          </p:nvPr>
-        </p:nvSpPr>
-        <p:spPr>
-          <a:xfrm>
-            <a:off x="3033713" y="6582995"/>
-            <a:ext cx="3038475" cy="220663"/>
-          </a:xfrm>
-          <a:prstGeom prst="rect">
-            <a:avLst/>
-          </a:prstGeom>
-        </p:spPr>
-        <p:txBody>
-          <a:bodyPr/>
-          <a:lstStyle>
-            <a:lvl1pPr algn="ctr">
-              <a:defRPr sz="1000" b="1">
-                <a:latin typeface="맑은 고딕" pitchFamily="50" charset="-127"/>
-                <a:ea typeface="맑은 고딕" pitchFamily="50" charset="-127"/>
-              </a:defRPr>
-            </a:lvl1pPr>
-          </a:lstStyle>
-          <a:p>
-            <a:r>
-              <a:rPr lang="en-US"/>
-              <a:t>CSCI3150 Intro to Operating Systems</a:t>
-            </a:r>
-          </a:p>
-        </p:txBody>
-      </p:sp>
-      <p:pic>
-        <p:nvPicPr>
-          <p:cNvPr id="10" name="그림 9"/>
-          <p:cNvPicPr>
-            <a:picLocks noChangeAspect="1"/>
-          </p:cNvPicPr>
-          <p:nvPr/>
-        </p:nvPicPr>
-        <p:blipFill>
-          <a:blip r:embed="rId2" cstate="print">
-            <a:extLst>
-              <a:ext uri="{28A0092B-C50C-407E-A947-70E740481C1C}">
-                <a14:useLocalDpi xmlns:a14="http://schemas.microsoft.com/office/drawing/2010/main" val="0"/>
-              </a:ext>
-            </a:extLst>
-          </a:blip>
-          <a:stretch>
-            <a:fillRect/>
-          </a:stretch>
-        </p:blipFill>
-        <p:spPr>
-          <a:xfrm>
-            <a:off x="216854" y="6593998"/>
-            <a:ext cx="768052" cy="219378"/>
-          </a:xfrm>
-          <a:prstGeom prst="rect">
-            <a:avLst/>
-          </a:prstGeom>
-        </p:spPr>
-      </p:pic>
-    </p:spTree>
-    <p:extLst>
-      <p:ext uri="{BB962C8B-B14F-4D97-AF65-F5344CB8AC3E}">
-        <p14:creationId xmlns:p14="http://schemas.microsoft.com/office/powerpoint/2010/main" val="1288235651"/>
-      </p:ext>
-    </p:extLst>
-  </p:cSld>
-  <p:clrMapOvr>
-    <a:masterClrMapping/>
-  </p:clrMapOvr>
-  <p:hf hdr="0" dt="0"/>
-</p:sldLayout>
-</file>
-
-<file path=ppt/slideLayouts/slideLayout11.xml><?xml version="1.0" encoding="utf-8"?>
-<p:sldLayout xmlns:a="http://schemas.openxmlformats.org/drawingml/2006/main" xmlns:r="http://schemas.openxmlformats.org/officeDocument/2006/relationships" xmlns:p="http://schemas.openxmlformats.org/presentationml/2006/main" type="title">
-  <p:cSld name="Title Slide">
-    <p:spTree>
-      <p:nvGrpSpPr>
-        <p:cNvPr id="1" name=""/>
-        <p:cNvGrpSpPr/>
-        <p:nvPr/>
-      </p:nvGrpSpPr>
-      <p:grpSpPr>
-        <a:xfrm>
-          <a:off x="0" y="0"/>
-          <a:ext cx="0" cy="0"/>
-          <a:chOff x="0" y="0"/>
-          <a:chExt cx="0" cy="0"/>
-        </a:xfrm>
-      </p:grpSpPr>
-      <p:sp>
-        <p:nvSpPr>
-          <p:cNvPr id="2" name="Title 1"/>
-          <p:cNvSpPr>
-            <a:spLocks noGrp="1"/>
-          </p:cNvSpPr>
-          <p:nvPr>
-            <p:ph type="ctrTitle"/>
-          </p:nvPr>
-        </p:nvSpPr>
-        <p:spPr>
-          <a:xfrm>
-            <a:off x="914400" y="1123950"/>
-            <a:ext cx="7342188" cy="1924050"/>
-          </a:xfrm>
-        </p:spPr>
-        <p:txBody>
-          <a:bodyPr anchor="b" anchorCtr="0">
-            <a:noAutofit/>
-          </a:bodyPr>
-          <a:lstStyle>
-            <a:lvl1pPr>
-              <a:defRPr sz="5400" kern="1200">
-                <a:solidFill>
-                  <a:schemeClr val="tx1">
-                    <a:lumMod val="75000"/>
-                    <a:lumOff val="25000"/>
-                  </a:schemeClr>
-                </a:solidFill>
-                <a:latin typeface="+mj-lt"/>
-                <a:ea typeface="+mj-ea"/>
-                <a:cs typeface="+mj-cs"/>
-              </a:defRPr>
-            </a:lvl1pPr>
-          </a:lstStyle>
-          <a:p>
-            <a:r>
-              <a:rPr lang="en-US"/>
-              <a:t>Click to edit Master title style</a:t>
-            </a:r>
-            <a:endParaRPr/>
-          </a:p>
-        </p:txBody>
-      </p:sp>
-      <p:sp>
-        <p:nvSpPr>
-          <p:cNvPr id="3" name="Subtitle 2"/>
-          <p:cNvSpPr>
-            <a:spLocks noGrp="1"/>
-          </p:cNvSpPr>
-          <p:nvPr>
-            <p:ph type="subTitle" idx="1"/>
-          </p:nvPr>
-        </p:nvSpPr>
-        <p:spPr>
-          <a:xfrm>
-            <a:off x="914400" y="3429000"/>
-            <a:ext cx="7342188" cy="1752600"/>
-          </a:xfrm>
-        </p:spPr>
-        <p:txBody>
-          <a:bodyPr vert="horz" lIns="91440" tIns="45720" rIns="91440" bIns="45720" rtlCol="0">
-            <a:normAutofit/>
-          </a:bodyPr>
-          <a:lstStyle>
-            <a:lvl1pPr marL="0" indent="0" algn="ctr" defTabSz="914400" rtl="0" eaLnBrk="1" latinLnBrk="0" hangingPunct="1">
-              <a:spcBef>
-                <a:spcPts val="300"/>
-              </a:spcBef>
-              <a:buClr>
-                <a:schemeClr val="tx1">
-                  <a:lumMod val="75000"/>
-                  <a:lumOff val="25000"/>
-                </a:schemeClr>
-              </a:buClr>
-              <a:buFont typeface="Arial" pitchFamily="34" charset="0"/>
-              <a:buNone/>
-              <a:defRPr sz="2000" kern="1200">
-                <a:solidFill>
-                  <a:schemeClr val="tx1">
-                    <a:lumMod val="75000"/>
-                    <a:lumOff val="25000"/>
-                  </a:schemeClr>
-                </a:solidFill>
-                <a:latin typeface="+mn-lt"/>
-                <a:ea typeface="+mn-ea"/>
-                <a:cs typeface="+mn-cs"/>
-              </a:defRPr>
-            </a:lvl1pPr>
-            <a:lvl2pPr marL="457200" indent="0" algn="ctr">
-              <a:buNone/>
-              <a:defRPr>
-                <a:solidFill>
-                  <a:schemeClr val="tx1">
-                    <a:tint val="75000"/>
-                  </a:schemeClr>
-                </a:solidFill>
-              </a:defRPr>
-            </a:lvl2pPr>
-            <a:lvl3pPr marL="914400" indent="0" algn="ctr">
-              <a:buNone/>
-              <a:defRPr>
-                <a:solidFill>
-                  <a:schemeClr val="tx1">
-                    <a:tint val="75000"/>
-                  </a:schemeClr>
-                </a:solidFill>
-              </a:defRPr>
-            </a:lvl3pPr>
-            <a:lvl4pPr marL="1371600" indent="0" algn="ctr">
-              <a:buNone/>
-              <a:defRPr>
-                <a:solidFill>
-                  <a:schemeClr val="tx1">
-                    <a:tint val="75000"/>
-                  </a:schemeClr>
-                </a:solidFill>
-              </a:defRPr>
-            </a:lvl4pPr>
-            <a:lvl5pPr marL="1828800" indent="0" algn="ctr">
-              <a:buNone/>
-              <a:defRPr>
-                <a:solidFill>
-                  <a:schemeClr val="tx1">
-                    <a:tint val="75000"/>
-                  </a:schemeClr>
-                </a:solidFill>
-              </a:defRPr>
-            </a:lvl5pPr>
-            <a:lvl6pPr marL="2286000" indent="0" algn="ctr">
-              <a:buNone/>
-              <a:defRPr>
-                <a:solidFill>
-                  <a:schemeClr val="tx1">
-                    <a:tint val="75000"/>
-                  </a:schemeClr>
-                </a:solidFill>
-              </a:defRPr>
-            </a:lvl6pPr>
-            <a:lvl7pPr marL="2743200" indent="0" algn="ctr">
-              <a:buNone/>
-              <a:defRPr>
-                <a:solidFill>
-                  <a:schemeClr val="tx1">
-                    <a:tint val="75000"/>
-                  </a:schemeClr>
-                </a:solidFill>
-              </a:defRPr>
-            </a:lvl7pPr>
-            <a:lvl8pPr marL="3200400" indent="0" algn="ctr">
-              <a:buNone/>
-              <a:defRPr>
-                <a:solidFill>
-                  <a:schemeClr val="tx1">
-                    <a:tint val="75000"/>
-                  </a:schemeClr>
-                </a:solidFill>
-              </a:defRPr>
-            </a:lvl8pPr>
-            <a:lvl9pPr marL="3657600" indent="0" algn="ctr">
-              <a:buNone/>
-              <a:defRPr>
-                <a:solidFill>
-                  <a:schemeClr val="tx1">
-                    <a:tint val="75000"/>
-                  </a:schemeClr>
-                </a:solidFill>
-              </a:defRPr>
-            </a:lvl9pPr>
-          </a:lstStyle>
-          <a:p>
-            <a:r>
-              <a:rPr lang="en-US"/>
-              <a:t>Click to edit Master subtitle style</a:t>
-            </a:r>
-            <a:endParaRPr/>
-          </a:p>
-        </p:txBody>
-      </p:sp>
-      <p:sp>
-        <p:nvSpPr>
-          <p:cNvPr id="4" name="Date Placeholder 3"/>
-          <p:cNvSpPr>
-            <a:spLocks noGrp="1"/>
-          </p:cNvSpPr>
-          <p:nvPr>
-            <p:ph type="dt" sz="half" idx="10"/>
-          </p:nvPr>
-        </p:nvSpPr>
-        <p:spPr>
-          <a:xfrm>
-            <a:off x="573741" y="6122894"/>
-            <a:ext cx="2133600" cy="259317"/>
-          </a:xfrm>
-        </p:spPr>
-        <p:txBody>
-          <a:bodyPr/>
-          <a:lstStyle/>
-          <a:p>
-            <a:r>
-              <a:rPr lang="en-HK"/>
-              <a:t>1/14/13</a:t>
-            </a:r>
-            <a:endParaRPr lang="en-US"/>
-          </a:p>
-        </p:txBody>
-      </p:sp>
-      <p:sp>
-        <p:nvSpPr>
-          <p:cNvPr id="5" name="Footer Placeholder 4"/>
-          <p:cNvSpPr>
-            <a:spLocks noGrp="1"/>
-          </p:cNvSpPr>
-          <p:nvPr>
-            <p:ph type="ftr" sz="quarter" idx="11"/>
-          </p:nvPr>
-        </p:nvSpPr>
-        <p:spPr>
-          <a:xfrm>
-            <a:off x="5638800" y="6122894"/>
-            <a:ext cx="2895600" cy="257810"/>
-          </a:xfrm>
-        </p:spPr>
-        <p:txBody>
-          <a:bodyPr/>
-          <a:lstStyle/>
-          <a:p>
-            <a:r>
-              <a:rPr lang="en-US"/>
-              <a:t>CSCI3150 Intro to Operating Systems</a:t>
-            </a:r>
-          </a:p>
-        </p:txBody>
-      </p:sp>
-      <p:sp>
-        <p:nvSpPr>
-          <p:cNvPr id="6" name="Slide Number Placeholder 5"/>
-          <p:cNvSpPr>
-            <a:spLocks noGrp="1"/>
-          </p:cNvSpPr>
-          <p:nvPr>
-            <p:ph type="sldNum" sz="quarter" idx="12"/>
-          </p:nvPr>
-        </p:nvSpPr>
-        <p:spPr>
-          <a:xfrm>
-            <a:off x="4191000" y="6122894"/>
-            <a:ext cx="762000" cy="271463"/>
-          </a:xfrm>
-        </p:spPr>
-        <p:txBody>
-          <a:bodyPr/>
-          <a:lstStyle/>
-          <a:p>
-            <a:fld id="{69E29E33-B620-47F9-BB04-8846C2A5AFCC}" type="slidenum">
-              <a:rPr kumimoji="0" lang="en-US" smtClean="0"/>
-              <a:pPr/>
-              <a:t>‹#›</a:t>
-            </a:fld>
-            <a:endParaRPr kumimoji="0" lang="en-US"/>
-          </a:p>
-        </p:txBody>
-      </p:sp>
-    </p:spTree>
-    <p:extLst>
-      <p:ext uri="{BB962C8B-B14F-4D97-AF65-F5344CB8AC3E}">
-        <p14:creationId xmlns:p14="http://schemas.microsoft.com/office/powerpoint/2010/main" val="933671127"/>
-      </p:ext>
-    </p:extLst>
-  </p:cSld>
-  <p:clrMapOvr>
-    <a:masterClrMapping/>
-  </p:clrMapOvr>
-</p:sldLayout>
-</file>
-
-<file path=ppt/slideLayouts/slideLayout12.xml><?xml version="1.0" encoding="utf-8"?>
-<p:sldLayout xmlns:a="http://schemas.openxmlformats.org/drawingml/2006/main" xmlns:r="http://schemas.openxmlformats.org/officeDocument/2006/relationships" xmlns:p="http://schemas.openxmlformats.org/presentationml/2006/main" preserve="1">
-  <p:cSld name="제목 슬라이드">
-    <p:spTree>
-      <p:nvGrpSpPr>
-        <p:cNvPr id="1" name=""/>
-        <p:cNvGrpSpPr/>
-        <p:nvPr/>
-      </p:nvGrpSpPr>
-      <p:grpSpPr>
-        <a:xfrm>
-          <a:off x="0" y="0"/>
-          <a:ext cx="0" cy="0"/>
-          <a:chOff x="0" y="0"/>
-          <a:chExt cx="0" cy="0"/>
-        </a:xfrm>
-      </p:grpSpPr>
-      <p:sp>
-        <p:nvSpPr>
-          <p:cNvPr id="18" name="부제목 2"/>
-          <p:cNvSpPr>
-            <a:spLocks noGrp="1"/>
-          </p:cNvSpPr>
-          <p:nvPr>
-            <p:ph type="subTitle" idx="1"/>
-          </p:nvPr>
-        </p:nvSpPr>
-        <p:spPr>
-          <a:xfrm>
-            <a:off x="251520" y="78531"/>
-            <a:ext cx="8640960" cy="576065"/>
-          </a:xfrm>
-        </p:spPr>
-        <p:txBody>
-          <a:bodyPr anchor="ctr"/>
-          <a:lstStyle>
-            <a:lvl1pPr marL="0" indent="0" algn="ctr" rtl="0" fontAlgn="base" latinLnBrk="1">
-              <a:spcBef>
-                <a:spcPct val="0"/>
-              </a:spcBef>
-              <a:spcAft>
-                <a:spcPct val="0"/>
-              </a:spcAft>
-              <a:buNone/>
-              <a:defRPr kumimoji="1" lang="ko-KR" altLang="en-US" sz="2400" b="1" kern="1200" cap="none" spc="0" dirty="0">
-                <a:ln>
-                  <a:noFill/>
-                </a:ln>
-                <a:solidFill>
-                  <a:schemeClr val="bg1"/>
-                </a:solidFill>
-                <a:effectLst>
-                  <a:outerShdw blurRad="38100" dist="38100" dir="2700000" algn="tl">
-                    <a:srgbClr val="000000">
-                      <a:alpha val="43137"/>
-                    </a:srgbClr>
-                  </a:outerShdw>
-                </a:effectLst>
-                <a:latin typeface="+mj-lt"/>
-                <a:ea typeface="Arial" pitchFamily="34" charset="0"/>
-                <a:cs typeface="Arial" pitchFamily="34" charset="0"/>
-              </a:defRPr>
-            </a:lvl1pPr>
-            <a:lvl2pPr marL="457200" indent="0" algn="ctr">
-              <a:buNone/>
-              <a:defRPr/>
-            </a:lvl2pPr>
-            <a:lvl3pPr marL="914400" indent="0" algn="ctr">
-              <a:buNone/>
-              <a:defRPr/>
-            </a:lvl3pPr>
-            <a:lvl4pPr marL="1371600" indent="0" algn="ctr">
-              <a:buNone/>
-              <a:defRPr/>
-            </a:lvl4pPr>
-            <a:lvl5pPr marL="1828800" indent="0" algn="ctr">
-              <a:buNone/>
-              <a:defRPr/>
-            </a:lvl5pPr>
-            <a:lvl6pPr marL="2286000" indent="0" algn="ctr">
-              <a:buNone/>
-              <a:defRPr/>
-            </a:lvl6pPr>
-            <a:lvl7pPr marL="2743200" indent="0" algn="ctr">
-              <a:buNone/>
-              <a:defRPr/>
-            </a:lvl7pPr>
-            <a:lvl8pPr marL="3200400" indent="0" algn="ctr">
-              <a:buNone/>
-              <a:defRPr/>
-            </a:lvl8pPr>
-            <a:lvl9pPr marL="3657600" indent="0" algn="ctr">
-              <a:buNone/>
-              <a:defRPr/>
-            </a:lvl9pPr>
-          </a:lstStyle>
-          <a:p>
-            <a:r>
-              <a:rPr lang="en-GB" altLang="ko-KR"/>
-              <a:t>Click to edit Master subtitle style</a:t>
-            </a:r>
-            <a:endParaRPr lang="ko-KR" altLang="en-US" dirty="0"/>
-          </a:p>
-        </p:txBody>
-      </p:sp>
-      <p:sp>
-        <p:nvSpPr>
-          <p:cNvPr id="19" name="제목 1"/>
-          <p:cNvSpPr>
-            <a:spLocks noGrp="1"/>
-          </p:cNvSpPr>
-          <p:nvPr>
-            <p:ph type="ctrTitle"/>
-          </p:nvPr>
-        </p:nvSpPr>
-        <p:spPr>
-          <a:xfrm>
-            <a:off x="685800" y="1772816"/>
-            <a:ext cx="7772400" cy="1542033"/>
-          </a:xfrm>
-          <a:effectLst>
-            <a:outerShdw dist="17780" dir="2700000" algn="ctr" rotWithShape="0">
-              <a:srgbClr val="000000"/>
-            </a:outerShdw>
-          </a:effectLst>
-        </p:spPr>
-        <p:txBody>
-          <a:bodyPr/>
-          <a:lstStyle>
-            <a:lvl1pPr algn="ctr" rtl="0" fontAlgn="base" latinLnBrk="1">
-              <a:spcBef>
-                <a:spcPct val="0"/>
-              </a:spcBef>
-              <a:spcAft>
-                <a:spcPct val="0"/>
-              </a:spcAft>
-              <a:defRPr kumimoji="1" lang="ko-KR" altLang="en-US" sz="4400" b="1" kern="1200" dirty="0">
-                <a:solidFill>
-                  <a:schemeClr val="tx2">
-                    <a:lumMod val="75000"/>
-                  </a:schemeClr>
-                </a:solidFill>
-                <a:latin typeface="Adobe 고딕 Std B" pitchFamily="34" charset="-127"/>
-                <a:ea typeface="Adobe 고딕 Std B" pitchFamily="34" charset="-127"/>
-                <a:cs typeface="Adobe Arabic" pitchFamily="18" charset="-78"/>
-              </a:defRPr>
-            </a:lvl1pPr>
-          </a:lstStyle>
-          <a:p>
-            <a:r>
-              <a:rPr lang="en-GB" altLang="ko-KR"/>
-              <a:t>Click to edit Master title style</a:t>
-            </a:r>
-            <a:endParaRPr lang="ko-KR" altLang="en-US" dirty="0"/>
-          </a:p>
-        </p:txBody>
-      </p:sp>
-      <p:grpSp>
-        <p:nvGrpSpPr>
-          <p:cNvPr id="36" name="그룹 35"/>
-          <p:cNvGrpSpPr/>
-          <p:nvPr/>
-        </p:nvGrpSpPr>
-        <p:grpSpPr>
-          <a:xfrm>
-            <a:off x="-3579" y="3573016"/>
-            <a:ext cx="9147579" cy="64193"/>
-            <a:chOff x="-3579" y="3356992"/>
-            <a:chExt cx="9147579" cy="64193"/>
-          </a:xfrm>
-        </p:grpSpPr>
-        <p:cxnSp>
-          <p:nvCxnSpPr>
-            <p:cNvPr id="31" name="직선 연결선 30"/>
-            <p:cNvCxnSpPr/>
-            <p:nvPr/>
-          </p:nvCxnSpPr>
-          <p:spPr>
-            <a:xfrm>
-              <a:off x="0" y="3356992"/>
-              <a:ext cx="9144000" cy="0"/>
-            </a:xfrm>
-            <a:prstGeom prst="line">
-              <a:avLst/>
-            </a:prstGeom>
-            <a:ln w="63500">
-              <a:solidFill>
-                <a:schemeClr val="tx2">
-                  <a:lumMod val="75000"/>
-                </a:schemeClr>
-              </a:solidFill>
-              <a:tailEnd type="none"/>
-            </a:ln>
-          </p:spPr>
-          <p:style>
-            <a:lnRef idx="1">
-              <a:schemeClr val="accent1"/>
-            </a:lnRef>
-            <a:fillRef idx="0">
-              <a:schemeClr val="accent1"/>
-            </a:fillRef>
-            <a:effectRef idx="0">
-              <a:schemeClr val="accent1"/>
-            </a:effectRef>
-            <a:fontRef idx="minor">
-              <a:schemeClr val="tx1"/>
-            </a:fontRef>
-          </p:style>
-        </p:cxnSp>
-        <p:cxnSp>
-          <p:nvCxnSpPr>
-            <p:cNvPr id="32" name="직선 연결선 31"/>
-            <p:cNvCxnSpPr/>
-            <p:nvPr/>
-          </p:nvCxnSpPr>
-          <p:spPr>
-            <a:xfrm>
-              <a:off x="-3579" y="3421185"/>
-              <a:ext cx="9144000" cy="0"/>
-            </a:xfrm>
-            <a:prstGeom prst="line">
-              <a:avLst/>
-            </a:prstGeom>
-            <a:ln w="31750">
-              <a:solidFill>
-                <a:schemeClr val="accent1">
-                  <a:lumMod val="75000"/>
-                </a:schemeClr>
-              </a:solidFill>
-              <a:tailEnd type="none"/>
-            </a:ln>
-          </p:spPr>
-          <p:style>
-            <a:lnRef idx="1">
-              <a:schemeClr val="accent1"/>
-            </a:lnRef>
-            <a:fillRef idx="0">
-              <a:schemeClr val="accent1"/>
-            </a:fillRef>
-            <a:effectRef idx="0">
-              <a:schemeClr val="accent1"/>
-            </a:effectRef>
-            <a:fontRef idx="minor">
-              <a:schemeClr val="tx1"/>
-            </a:fontRef>
-          </p:style>
-        </p:cxnSp>
-      </p:grpSp>
-      <p:sp>
-        <p:nvSpPr>
-          <p:cNvPr id="12" name="TextBox 11"/>
-          <p:cNvSpPr txBox="1"/>
-          <p:nvPr/>
-        </p:nvSpPr>
-        <p:spPr>
-          <a:xfrm>
             <a:off x="3344285" y="5517232"/>
             <a:ext cx="2448272" cy="461665"/>
           </a:xfrm>
@@ -2524,636 +1677,23 @@
             <a:pPr algn="ctr"/>
             <a:r>
               <a:rPr lang="en-US" dirty="0">
+                <a:latin typeface="Malgun Gothic" panose="020B0503020000020004" pitchFamily="34" charset="-127"/>
+                <a:ea typeface="Malgun Gothic" panose="020B0503020000020004" pitchFamily="34" charset="-127"/>
                 <a:hlinkClick r:id="rId2"/>
               </a:rPr>
               <a:t>https://github.com/henryhxu/CSCI3150</a:t>
             </a:r>
-            <a:endParaRPr lang="en-US" dirty="0"/>
+            <a:endParaRPr lang="en-US" dirty="0">
+              <a:latin typeface="Malgun Gothic" panose="020B0503020000020004" pitchFamily="34" charset="-127"/>
+              <a:ea typeface="Malgun Gothic" panose="020B0503020000020004" pitchFamily="34" charset="-127"/>
+            </a:endParaRPr>
           </a:p>
         </p:txBody>
       </p:sp>
     </p:spTree>
     <p:extLst>
       <p:ext uri="{BB962C8B-B14F-4D97-AF65-F5344CB8AC3E}">
-        <p14:creationId xmlns:p14="http://schemas.microsoft.com/office/powerpoint/2010/main" val="2809903076"/>
-      </p:ext>
-    </p:extLst>
-  </p:cSld>
-  <p:clrMapOvr>
-    <a:masterClrMapping/>
-  </p:clrMapOvr>
-</p:sldLayout>
-</file>
-
-<file path=ppt/slideLayouts/slideLayout13.xml><?xml version="1.0" encoding="utf-8"?>
-<p:sldLayout xmlns:a="http://schemas.openxmlformats.org/drawingml/2006/main" xmlns:r="http://schemas.openxmlformats.org/officeDocument/2006/relationships" xmlns:p="http://schemas.openxmlformats.org/presentationml/2006/main" type="obj" preserve="1">
-  <p:cSld name="제목 및 내용">
-    <p:spTree>
-      <p:nvGrpSpPr>
-        <p:cNvPr id="1" name=""/>
-        <p:cNvGrpSpPr/>
-        <p:nvPr/>
-      </p:nvGrpSpPr>
-      <p:grpSpPr>
-        <a:xfrm>
-          <a:off x="0" y="0"/>
-          <a:ext cx="0" cy="0"/>
-          <a:chOff x="0" y="0"/>
-          <a:chExt cx="0" cy="0"/>
-        </a:xfrm>
-      </p:grpSpPr>
-      <p:cxnSp>
-        <p:nvCxnSpPr>
-          <p:cNvPr id="4" name="직선 연결선 3"/>
-          <p:cNvCxnSpPr/>
-          <p:nvPr/>
-        </p:nvCxnSpPr>
-        <p:spPr>
-          <a:xfrm>
-            <a:off x="0" y="6500813"/>
-            <a:ext cx="9144000" cy="0"/>
-          </a:xfrm>
-          <a:prstGeom prst="line">
-            <a:avLst/>
-          </a:prstGeom>
-          <a:ln w="25400">
-            <a:solidFill>
-              <a:schemeClr val="tx2">
-                <a:lumMod val="75000"/>
-              </a:schemeClr>
-            </a:solidFill>
-          </a:ln>
-        </p:spPr>
-        <p:style>
-          <a:lnRef idx="1">
-            <a:schemeClr val="accent1"/>
-          </a:lnRef>
-          <a:fillRef idx="0">
-            <a:schemeClr val="accent1"/>
-          </a:fillRef>
-          <a:effectRef idx="0">
-            <a:schemeClr val="accent1"/>
-          </a:effectRef>
-          <a:fontRef idx="minor">
-            <a:schemeClr val="tx1"/>
-          </a:fontRef>
-        </p:style>
-      </p:cxnSp>
-      <p:sp>
-        <p:nvSpPr>
-          <p:cNvPr id="2" name="제목 1"/>
-          <p:cNvSpPr>
-            <a:spLocks noGrp="1"/>
-          </p:cNvSpPr>
-          <p:nvPr>
-            <p:ph type="title"/>
-          </p:nvPr>
-        </p:nvSpPr>
-        <p:spPr/>
-        <p:txBody>
-          <a:bodyPr/>
-          <a:lstStyle>
-            <a:lvl1pPr>
-              <a:defRPr sz="2400">
-                <a:solidFill>
-                  <a:schemeClr val="bg1"/>
-                </a:solidFill>
-              </a:defRPr>
-            </a:lvl1pPr>
-          </a:lstStyle>
-          <a:p>
-            <a:r>
-              <a:rPr lang="en-GB" altLang="ko-KR"/>
-              <a:t>Click to edit Master title style</a:t>
-            </a:r>
-            <a:endParaRPr lang="ko-KR" altLang="en-US" dirty="0"/>
-          </a:p>
-        </p:txBody>
-      </p:sp>
-      <p:sp>
-        <p:nvSpPr>
-          <p:cNvPr id="3" name="내용 개체 틀 2"/>
-          <p:cNvSpPr>
-            <a:spLocks noGrp="1"/>
-          </p:cNvSpPr>
-          <p:nvPr>
-            <p:ph idx="1"/>
-          </p:nvPr>
-        </p:nvSpPr>
-        <p:spPr>
-          <a:xfrm>
-            <a:off x="214313" y="880070"/>
-            <a:ext cx="8786812" cy="5501258"/>
-          </a:xfrm>
-        </p:spPr>
-        <p:txBody>
-          <a:bodyPr/>
-          <a:lstStyle>
-            <a:lvl1pPr>
-              <a:lnSpc>
-                <a:spcPct val="150000"/>
-              </a:lnSpc>
-              <a:buClr>
-                <a:srgbClr val="002060"/>
-              </a:buClr>
-              <a:defRPr sz="2000" b="0">
-                <a:solidFill>
-                  <a:schemeClr val="tx1"/>
-                </a:solidFill>
-              </a:defRPr>
-            </a:lvl1pPr>
-            <a:lvl2pPr>
-              <a:lnSpc>
-                <a:spcPct val="150000"/>
-              </a:lnSpc>
-              <a:buClr>
-                <a:srgbClr val="002060"/>
-              </a:buClr>
-              <a:defRPr sz="1800">
-                <a:solidFill>
-                  <a:schemeClr val="tx1"/>
-                </a:solidFill>
-              </a:defRPr>
-            </a:lvl2pPr>
-            <a:lvl3pPr>
-              <a:lnSpc>
-                <a:spcPct val="150000"/>
-              </a:lnSpc>
-              <a:buClr>
-                <a:srgbClr val="002060"/>
-              </a:buClr>
-              <a:defRPr sz="1600">
-                <a:solidFill>
-                  <a:schemeClr val="tx1"/>
-                </a:solidFill>
-              </a:defRPr>
-            </a:lvl3pPr>
-            <a:lvl4pPr>
-              <a:lnSpc>
-                <a:spcPct val="150000"/>
-              </a:lnSpc>
-              <a:buClr>
-                <a:srgbClr val="002060"/>
-              </a:buClr>
-              <a:defRPr sz="1400">
-                <a:solidFill>
-                  <a:schemeClr val="tx1"/>
-                </a:solidFill>
-              </a:defRPr>
-            </a:lvl4pPr>
-            <a:lvl5pPr>
-              <a:lnSpc>
-                <a:spcPct val="150000"/>
-              </a:lnSpc>
-              <a:buClr>
-                <a:srgbClr val="002060"/>
-              </a:buClr>
-              <a:defRPr sz="1400">
-                <a:solidFill>
-                  <a:schemeClr val="tx1"/>
-                </a:solidFill>
-              </a:defRPr>
-            </a:lvl5pPr>
-          </a:lstStyle>
-          <a:p>
-            <a:pPr lvl="0"/>
-            <a:r>
-              <a:rPr lang="en-GB" altLang="ko-KR"/>
-              <a:t>Click to edit Master text styles</a:t>
-            </a:r>
-          </a:p>
-          <a:p>
-            <a:pPr lvl="1"/>
-            <a:r>
-              <a:rPr lang="en-GB" altLang="ko-KR"/>
-              <a:t>Second level</a:t>
-            </a:r>
-          </a:p>
-          <a:p>
-            <a:pPr lvl="2"/>
-            <a:r>
-              <a:rPr lang="en-GB" altLang="ko-KR"/>
-              <a:t>Third level</a:t>
-            </a:r>
-          </a:p>
-          <a:p>
-            <a:pPr lvl="3"/>
-            <a:r>
-              <a:rPr lang="en-GB" altLang="ko-KR"/>
-              <a:t>Fourth level</a:t>
-            </a:r>
-          </a:p>
-          <a:p>
-            <a:pPr lvl="4"/>
-            <a:r>
-              <a:rPr lang="en-GB" altLang="ko-KR"/>
-              <a:t>Fifth level</a:t>
-            </a:r>
-            <a:endParaRPr lang="ko-KR" altLang="en-US" dirty="0"/>
-          </a:p>
-        </p:txBody>
-      </p:sp>
-      <p:sp>
-        <p:nvSpPr>
-          <p:cNvPr id="7" name="Rectangle 6"/>
-          <p:cNvSpPr>
-            <a:spLocks noGrp="1" noChangeArrowheads="1"/>
-          </p:cNvSpPr>
-          <p:nvPr>
-            <p:ph type="sldNum" sz="quarter" idx="11"/>
-          </p:nvPr>
-        </p:nvSpPr>
-        <p:spPr>
-          <a:xfrm>
-            <a:off x="7964934" y="6592713"/>
-            <a:ext cx="1071562" cy="220663"/>
-          </a:xfrm>
-        </p:spPr>
-        <p:txBody>
-          <a:bodyPr/>
-          <a:lstStyle>
-            <a:lvl1pPr>
-              <a:defRPr b="1">
-                <a:latin typeface="맑은 고딕" pitchFamily="50" charset="-127"/>
-                <a:ea typeface="맑은 고딕" pitchFamily="50" charset="-127"/>
-              </a:defRPr>
-            </a:lvl1pPr>
-          </a:lstStyle>
-          <a:p>
-            <a:pPr>
-              <a:defRPr/>
-            </a:pPr>
-            <a:fld id="{515CC4ED-1449-4712-AE45-EBC263B4DD26}" type="slidenum">
-              <a:rPr lang="en-US" altLang="ko-KR" smtClean="0">
-                <a:solidFill>
-                  <a:srgbClr val="1F497D">
-                    <a:lumMod val="50000"/>
-                  </a:srgbClr>
-                </a:solidFill>
-              </a:rPr>
-              <a:pPr>
-                <a:defRPr/>
-              </a:pPr>
-              <a:t>‹#›</a:t>
-            </a:fld>
-            <a:r>
-              <a:rPr lang="en-US" altLang="ko-KR">
-                <a:solidFill>
-                  <a:srgbClr val="1F497D">
-                    <a:lumMod val="50000"/>
-                  </a:srgbClr>
-                </a:solidFill>
-              </a:rPr>
-              <a:t> </a:t>
-            </a:r>
-          </a:p>
-        </p:txBody>
-      </p:sp>
-      <p:sp>
-        <p:nvSpPr>
-          <p:cNvPr id="10" name="Rectangle 5"/>
-          <p:cNvSpPr>
-            <a:spLocks noGrp="1" noChangeArrowheads="1"/>
-          </p:cNvSpPr>
-          <p:nvPr>
-            <p:ph type="ftr" sz="quarter" idx="3"/>
-          </p:nvPr>
-        </p:nvSpPr>
-        <p:spPr>
-          <a:xfrm>
-            <a:off x="3033713" y="6582995"/>
-            <a:ext cx="3038475" cy="220663"/>
-          </a:xfrm>
-          <a:prstGeom prst="rect">
-            <a:avLst/>
-          </a:prstGeom>
-        </p:spPr>
-        <p:txBody>
-          <a:bodyPr/>
-          <a:lstStyle>
-            <a:lvl1pPr algn="ctr">
-              <a:defRPr sz="1000" b="1">
-                <a:latin typeface="맑은 고딕" pitchFamily="50" charset="-127"/>
-                <a:ea typeface="맑은 고딕" pitchFamily="50" charset="-127"/>
-              </a:defRPr>
-            </a:lvl1pPr>
-          </a:lstStyle>
-          <a:p>
-            <a:pPr fontAlgn="base">
-              <a:spcBef>
-                <a:spcPct val="0"/>
-              </a:spcBef>
-              <a:spcAft>
-                <a:spcPct val="0"/>
-              </a:spcAft>
-              <a:defRPr/>
-            </a:pPr>
-            <a:r>
-              <a:rPr kumimoji="1" lang="en-US" altLang="ko-KR">
-                <a:solidFill>
-                  <a:prstClr val="black"/>
-                </a:solidFill>
-              </a:rPr>
-              <a:t>CSCI 3150 Intro to OS</a:t>
-            </a:r>
-            <a:endParaRPr kumimoji="1" lang="ko-KR" altLang="en-US" dirty="0">
-              <a:solidFill>
-                <a:prstClr val="black"/>
-              </a:solidFill>
-            </a:endParaRPr>
-          </a:p>
-        </p:txBody>
-      </p:sp>
-    </p:spTree>
-    <p:extLst>
-      <p:ext uri="{BB962C8B-B14F-4D97-AF65-F5344CB8AC3E}">
-        <p14:creationId xmlns:p14="http://schemas.microsoft.com/office/powerpoint/2010/main" val="4210268415"/>
-      </p:ext>
-    </p:extLst>
-  </p:cSld>
-  <p:clrMapOvr>
-    <a:masterClrMapping/>
-  </p:clrMapOvr>
-</p:sldLayout>
-</file>
-
-<file path=ppt/slideLayouts/slideLayout14.xml><?xml version="1.0" encoding="utf-8"?>
-<p:sldLayout xmlns:a="http://schemas.openxmlformats.org/drawingml/2006/main" xmlns:r="http://schemas.openxmlformats.org/officeDocument/2006/relationships" xmlns:p="http://schemas.openxmlformats.org/presentationml/2006/main" preserve="1">
-  <p:cSld name="구역 머리글">
-    <p:spTree>
-      <p:nvGrpSpPr>
-        <p:cNvPr id="1" name=""/>
-        <p:cNvGrpSpPr/>
-        <p:nvPr/>
-      </p:nvGrpSpPr>
-      <p:grpSpPr>
-        <a:xfrm>
-          <a:off x="0" y="0"/>
-          <a:ext cx="0" cy="0"/>
-          <a:chOff x="0" y="0"/>
-          <a:chExt cx="0" cy="0"/>
-        </a:xfrm>
-      </p:grpSpPr>
-      <p:cxnSp>
-        <p:nvCxnSpPr>
-          <p:cNvPr id="4" name="직선 연결선 3"/>
-          <p:cNvCxnSpPr/>
-          <p:nvPr/>
-        </p:nvCxnSpPr>
-        <p:spPr>
-          <a:xfrm>
-            <a:off x="214313" y="4429125"/>
-            <a:ext cx="8786812" cy="0"/>
-          </a:xfrm>
-          <a:prstGeom prst="line">
-            <a:avLst/>
-          </a:prstGeom>
-          <a:ln w="38100">
-            <a:solidFill>
-              <a:schemeClr val="tx2">
-                <a:lumMod val="50000"/>
-              </a:schemeClr>
-            </a:solidFill>
-          </a:ln>
-        </p:spPr>
-        <p:style>
-          <a:lnRef idx="1">
-            <a:schemeClr val="accent1"/>
-          </a:lnRef>
-          <a:fillRef idx="0">
-            <a:schemeClr val="accent1"/>
-          </a:fillRef>
-          <a:effectRef idx="0">
-            <a:schemeClr val="accent1"/>
-          </a:effectRef>
-          <a:fontRef idx="minor">
-            <a:schemeClr val="tx1"/>
-          </a:fontRef>
-        </p:style>
-      </p:cxnSp>
-      <p:sp>
-        <p:nvSpPr>
-          <p:cNvPr id="3" name="텍스트 개체 틀 2"/>
-          <p:cNvSpPr>
-            <a:spLocks noGrp="1"/>
-          </p:cNvSpPr>
-          <p:nvPr>
-            <p:ph type="body" idx="1"/>
-          </p:nvPr>
-        </p:nvSpPr>
-        <p:spPr>
-          <a:xfrm>
-            <a:off x="891994" y="2906713"/>
-            <a:ext cx="8072494" cy="1500187"/>
-          </a:xfrm>
-        </p:spPr>
-        <p:txBody>
-          <a:bodyPr anchor="b"/>
-          <a:lstStyle>
-            <a:lvl1pPr marL="0" indent="0" algn="r">
-              <a:buNone/>
-              <a:defRPr sz="3200" b="1">
-                <a:solidFill>
-                  <a:schemeClr val="tx2">
-                    <a:lumMod val="50000"/>
-                  </a:schemeClr>
-                </a:solidFill>
-              </a:defRPr>
-            </a:lvl1pPr>
-            <a:lvl2pPr marL="457200" indent="0">
-              <a:buNone/>
-              <a:defRPr sz="1800"/>
-            </a:lvl2pPr>
-            <a:lvl3pPr marL="914400" indent="0">
-              <a:buNone/>
-              <a:defRPr sz="1600"/>
-            </a:lvl3pPr>
-            <a:lvl4pPr marL="1371600" indent="0">
-              <a:buNone/>
-              <a:defRPr sz="1400"/>
-            </a:lvl4pPr>
-            <a:lvl5pPr marL="1828800" indent="0">
-              <a:buNone/>
-              <a:defRPr sz="1400"/>
-            </a:lvl5pPr>
-            <a:lvl6pPr marL="2286000" indent="0">
-              <a:buNone/>
-              <a:defRPr sz="1400"/>
-            </a:lvl6pPr>
-            <a:lvl7pPr marL="2743200" indent="0">
-              <a:buNone/>
-              <a:defRPr sz="1400"/>
-            </a:lvl7pPr>
-            <a:lvl8pPr marL="3200400" indent="0">
-              <a:buNone/>
-              <a:defRPr sz="1400"/>
-            </a:lvl8pPr>
-            <a:lvl9pPr marL="3657600" indent="0">
-              <a:buNone/>
-              <a:defRPr sz="1400"/>
-            </a:lvl9pPr>
-          </a:lstStyle>
-          <a:p>
-            <a:pPr lvl="0"/>
-            <a:r>
-              <a:rPr lang="en-GB" altLang="ko-KR"/>
-              <a:t>Click to edit Master text styles</a:t>
-            </a:r>
-          </a:p>
-        </p:txBody>
-      </p:sp>
-      <p:cxnSp>
-        <p:nvCxnSpPr>
-          <p:cNvPr id="9" name="직선 연결선 8"/>
-          <p:cNvCxnSpPr/>
-          <p:nvPr/>
-        </p:nvCxnSpPr>
-        <p:spPr>
-          <a:xfrm>
-            <a:off x="0" y="6500813"/>
-            <a:ext cx="9144000" cy="0"/>
-          </a:xfrm>
-          <a:prstGeom prst="line">
-            <a:avLst/>
-          </a:prstGeom>
-          <a:ln w="25400">
-            <a:solidFill>
-              <a:schemeClr val="tx2">
-                <a:lumMod val="75000"/>
-              </a:schemeClr>
-            </a:solidFill>
-          </a:ln>
-        </p:spPr>
-        <p:style>
-          <a:lnRef idx="1">
-            <a:schemeClr val="accent1"/>
-          </a:lnRef>
-          <a:fillRef idx="0">
-            <a:schemeClr val="accent1"/>
-          </a:fillRef>
-          <a:effectRef idx="0">
-            <a:schemeClr val="accent1"/>
-          </a:effectRef>
-          <a:fontRef idx="minor">
-            <a:schemeClr val="tx1"/>
-          </a:fontRef>
-        </p:style>
-      </p:cxnSp>
-      <p:sp>
-        <p:nvSpPr>
-          <p:cNvPr id="14" name="Rectangle 6"/>
-          <p:cNvSpPr>
-            <a:spLocks noGrp="1" noChangeArrowheads="1"/>
-          </p:cNvSpPr>
-          <p:nvPr>
-            <p:ph type="sldNum" sz="quarter" idx="11"/>
-          </p:nvPr>
-        </p:nvSpPr>
-        <p:spPr>
-          <a:xfrm>
-            <a:off x="7964934" y="6592713"/>
-            <a:ext cx="1071562" cy="220663"/>
-          </a:xfrm>
-        </p:spPr>
-        <p:txBody>
-          <a:bodyPr/>
-          <a:lstStyle>
-            <a:lvl1pPr>
-              <a:defRPr b="1">
-                <a:latin typeface="맑은 고딕" pitchFamily="50" charset="-127"/>
-                <a:ea typeface="맑은 고딕" pitchFamily="50" charset="-127"/>
-              </a:defRPr>
-            </a:lvl1pPr>
-          </a:lstStyle>
-          <a:p>
-            <a:pPr>
-              <a:defRPr/>
-            </a:pPr>
-            <a:fld id="{515CC4ED-1449-4712-AE45-EBC263B4DD26}" type="slidenum">
-              <a:rPr lang="en-US" altLang="ko-KR" smtClean="0">
-                <a:solidFill>
-                  <a:srgbClr val="1F497D">
-                    <a:lumMod val="50000"/>
-                  </a:srgbClr>
-                </a:solidFill>
-              </a:rPr>
-              <a:pPr>
-                <a:defRPr/>
-              </a:pPr>
-              <a:t>‹#›</a:t>
-            </a:fld>
-            <a:r>
-              <a:rPr lang="en-US" altLang="ko-KR">
-                <a:solidFill>
-                  <a:srgbClr val="1F497D">
-                    <a:lumMod val="50000"/>
-                  </a:srgbClr>
-                </a:solidFill>
-              </a:rPr>
-              <a:t> </a:t>
-            </a:r>
-          </a:p>
-        </p:txBody>
-      </p:sp>
-      <p:sp>
-        <p:nvSpPr>
-          <p:cNvPr id="15" name="Rectangle 5"/>
-          <p:cNvSpPr>
-            <a:spLocks noGrp="1" noChangeArrowheads="1"/>
-          </p:cNvSpPr>
-          <p:nvPr>
-            <p:ph type="ftr" sz="quarter" idx="3"/>
-          </p:nvPr>
-        </p:nvSpPr>
-        <p:spPr>
-          <a:xfrm>
-            <a:off x="3033713" y="6582995"/>
-            <a:ext cx="3038475" cy="220663"/>
-          </a:xfrm>
-          <a:prstGeom prst="rect">
-            <a:avLst/>
-          </a:prstGeom>
-        </p:spPr>
-        <p:txBody>
-          <a:bodyPr/>
-          <a:lstStyle>
-            <a:lvl1pPr algn="ctr">
-              <a:defRPr sz="1000" b="1">
-                <a:latin typeface="맑은 고딕" pitchFamily="50" charset="-127"/>
-                <a:ea typeface="맑은 고딕" pitchFamily="50" charset="-127"/>
-              </a:defRPr>
-            </a:lvl1pPr>
-          </a:lstStyle>
-          <a:p>
-            <a:pPr fontAlgn="base">
-              <a:spcBef>
-                <a:spcPct val="0"/>
-              </a:spcBef>
-              <a:spcAft>
-                <a:spcPct val="0"/>
-              </a:spcAft>
-              <a:defRPr/>
-            </a:pPr>
-            <a:r>
-              <a:rPr kumimoji="1" lang="en-US" altLang="ko-KR">
-                <a:solidFill>
-                  <a:prstClr val="black"/>
-                </a:solidFill>
-              </a:rPr>
-              <a:t>CSCI 3150 Intro to OS</a:t>
-            </a:r>
-            <a:endParaRPr kumimoji="1" lang="ko-KR" altLang="en-US" dirty="0">
-              <a:solidFill>
-                <a:prstClr val="black"/>
-              </a:solidFill>
-            </a:endParaRPr>
-          </a:p>
-        </p:txBody>
-      </p:sp>
-    </p:spTree>
-    <p:extLst>
-      <p:ext uri="{BB962C8B-B14F-4D97-AF65-F5344CB8AC3E}">
-        <p14:creationId xmlns:p14="http://schemas.microsoft.com/office/powerpoint/2010/main" val="1215419370"/>
+        <p14:creationId xmlns:p14="http://schemas.microsoft.com/office/powerpoint/2010/main" val="4179911868"/>
       </p:ext>
     </p:extLst>
   </p:cSld>
@@ -3236,14 +1776,12 @@
                 <a:solidFill>
                   <a:schemeClr val="bg1"/>
                 </a:solidFill>
+                <a:latin typeface="Malgun Gothic" panose="020B0503020000020004" pitchFamily="34" charset="-127"/>
+                <a:ea typeface="Malgun Gothic" panose="020B0503020000020004" pitchFamily="34" charset="-127"/>
               </a:defRPr>
             </a:lvl1pPr>
           </a:lstStyle>
           <a:p>
-            <a:r>
-              <a:rPr lang="en-GB" altLang="ko-KR"/>
-              <a:t>Click to edit Master title style</a:t>
-            </a:r>
             <a:endParaRPr lang="ko-KR" altLang="en-US" dirty="0"/>
           </a:p>
         </p:txBody>
@@ -3265,1244 +1803,7 @@
           </a:xfrm>
         </p:spPr>
         <p:txBody>
-          <a:bodyPr/>
-          <a:lstStyle>
-            <a:lvl1pPr>
-              <a:lnSpc>
-                <a:spcPct val="150000"/>
-              </a:lnSpc>
-              <a:buClr>
-                <a:srgbClr val="002060"/>
-              </a:buClr>
-              <a:defRPr sz="2000" b="0">
-                <a:solidFill>
-                  <a:schemeClr val="tx1"/>
-                </a:solidFill>
-              </a:defRPr>
-            </a:lvl1pPr>
-            <a:lvl2pPr>
-              <a:lnSpc>
-                <a:spcPct val="150000"/>
-              </a:lnSpc>
-              <a:buClr>
-                <a:srgbClr val="002060"/>
-              </a:buClr>
-              <a:defRPr sz="1800">
-                <a:solidFill>
-                  <a:schemeClr val="tx1"/>
-                </a:solidFill>
-              </a:defRPr>
-            </a:lvl2pPr>
-            <a:lvl3pPr>
-              <a:lnSpc>
-                <a:spcPct val="150000"/>
-              </a:lnSpc>
-              <a:buClr>
-                <a:srgbClr val="002060"/>
-              </a:buClr>
-              <a:defRPr sz="1600">
-                <a:solidFill>
-                  <a:schemeClr val="tx1"/>
-                </a:solidFill>
-              </a:defRPr>
-            </a:lvl3pPr>
-            <a:lvl4pPr>
-              <a:lnSpc>
-                <a:spcPct val="150000"/>
-              </a:lnSpc>
-              <a:buClr>
-                <a:srgbClr val="002060"/>
-              </a:buClr>
-              <a:defRPr sz="1400">
-                <a:solidFill>
-                  <a:schemeClr val="tx1"/>
-                </a:solidFill>
-              </a:defRPr>
-            </a:lvl4pPr>
-            <a:lvl5pPr>
-              <a:lnSpc>
-                <a:spcPct val="150000"/>
-              </a:lnSpc>
-              <a:buClr>
-                <a:srgbClr val="002060"/>
-              </a:buClr>
-              <a:defRPr sz="1400">
-                <a:solidFill>
-                  <a:schemeClr val="tx1"/>
-                </a:solidFill>
-              </a:defRPr>
-            </a:lvl5pPr>
-          </a:lstStyle>
-          <a:p>
-            <a:pPr lvl="0"/>
-            <a:r>
-              <a:rPr lang="en-GB" altLang="ko-KR"/>
-              <a:t>Click to edit Master text styles</a:t>
-            </a:r>
-          </a:p>
-          <a:p>
-            <a:pPr lvl="1"/>
-            <a:r>
-              <a:rPr lang="en-GB" altLang="ko-KR"/>
-              <a:t>Second level</a:t>
-            </a:r>
-          </a:p>
-          <a:p>
-            <a:pPr lvl="2"/>
-            <a:r>
-              <a:rPr lang="en-GB" altLang="ko-KR"/>
-              <a:t>Third level</a:t>
-            </a:r>
-          </a:p>
-          <a:p>
-            <a:pPr lvl="3"/>
-            <a:r>
-              <a:rPr lang="en-GB" altLang="ko-KR"/>
-              <a:t>Fourth level</a:t>
-            </a:r>
-          </a:p>
-          <a:p>
-            <a:pPr lvl="4"/>
-            <a:r>
-              <a:rPr lang="en-GB" altLang="ko-KR"/>
-              <a:t>Fifth level</a:t>
-            </a:r>
-            <a:endParaRPr lang="ko-KR" altLang="en-US" dirty="0"/>
-          </a:p>
-        </p:txBody>
-      </p:sp>
-      <p:sp>
-        <p:nvSpPr>
-          <p:cNvPr id="7" name="Rectangle 6"/>
-          <p:cNvSpPr>
-            <a:spLocks noGrp="1" noChangeArrowheads="1"/>
-          </p:cNvSpPr>
-          <p:nvPr>
-            <p:ph type="sldNum" sz="quarter" idx="11"/>
-          </p:nvPr>
-        </p:nvSpPr>
-        <p:spPr>
-          <a:xfrm>
-            <a:off x="7964934" y="6592713"/>
-            <a:ext cx="1071562" cy="220663"/>
-          </a:xfrm>
-        </p:spPr>
-        <p:txBody>
-          <a:bodyPr/>
-          <a:lstStyle>
-            <a:lvl1pPr>
-              <a:defRPr b="1">
-                <a:latin typeface="맑은 고딕" pitchFamily="50" charset="-127"/>
-                <a:ea typeface="맑은 고딕" pitchFamily="50" charset="-127"/>
-              </a:defRPr>
-            </a:lvl1pPr>
-          </a:lstStyle>
-          <a:p>
-            <a:fld id="{5BCC3F0E-9362-6D47-9781-DB401EE9B6B9}" type="slidenum">
-              <a:rPr lang="en-US" smtClean="0"/>
-              <a:pPr/>
-              <a:t>‹#›</a:t>
-            </a:fld>
-            <a:endParaRPr lang="en-US"/>
-          </a:p>
-        </p:txBody>
-      </p:sp>
-      <p:sp>
-        <p:nvSpPr>
-          <p:cNvPr id="10" name="Rectangle 5"/>
-          <p:cNvSpPr>
-            <a:spLocks noGrp="1" noChangeArrowheads="1"/>
-          </p:cNvSpPr>
-          <p:nvPr>
-            <p:ph type="ftr" sz="quarter" idx="3"/>
-          </p:nvPr>
-        </p:nvSpPr>
-        <p:spPr>
-          <a:xfrm>
-            <a:off x="3033713" y="6582995"/>
-            <a:ext cx="3038475" cy="220663"/>
-          </a:xfrm>
-          <a:prstGeom prst="rect">
-            <a:avLst/>
-          </a:prstGeom>
-        </p:spPr>
-        <p:txBody>
-          <a:bodyPr/>
-          <a:lstStyle>
-            <a:lvl1pPr algn="ctr">
-              <a:defRPr sz="1000" b="1">
-                <a:latin typeface="맑은 고딕" pitchFamily="50" charset="-127"/>
-                <a:ea typeface="맑은 고딕" pitchFamily="50" charset="-127"/>
-              </a:defRPr>
-            </a:lvl1pPr>
-          </a:lstStyle>
-          <a:p>
-            <a:r>
-              <a:rPr lang="en-US"/>
-              <a:t>CSCI3150 Intro to Operating Systems</a:t>
-            </a:r>
-          </a:p>
-        </p:txBody>
-      </p:sp>
-    </p:spTree>
-    <p:extLst>
-      <p:ext uri="{BB962C8B-B14F-4D97-AF65-F5344CB8AC3E}">
-        <p14:creationId xmlns:p14="http://schemas.microsoft.com/office/powerpoint/2010/main" val="704165239"/>
-      </p:ext>
-    </p:extLst>
-  </p:cSld>
-  <p:clrMapOvr>
-    <a:masterClrMapping/>
-  </p:clrMapOvr>
-  <p:hf hdr="0" dt="0"/>
-</p:sldLayout>
-</file>
-
-<file path=ppt/slideLayouts/slideLayout3.xml><?xml version="1.0" encoding="utf-8"?>
-<p:sldLayout xmlns:a="http://schemas.openxmlformats.org/drawingml/2006/main" xmlns:r="http://schemas.openxmlformats.org/officeDocument/2006/relationships" xmlns:p="http://schemas.openxmlformats.org/presentationml/2006/main" preserve="1">
-  <p:cSld name="구역 머리글">
-    <p:spTree>
-      <p:nvGrpSpPr>
-        <p:cNvPr id="1" name=""/>
-        <p:cNvGrpSpPr/>
-        <p:nvPr/>
-      </p:nvGrpSpPr>
-      <p:grpSpPr>
-        <a:xfrm>
-          <a:off x="0" y="0"/>
-          <a:ext cx="0" cy="0"/>
-          <a:chOff x="0" y="0"/>
-          <a:chExt cx="0" cy="0"/>
-        </a:xfrm>
-      </p:grpSpPr>
-      <p:cxnSp>
-        <p:nvCxnSpPr>
-          <p:cNvPr id="4" name="직선 연결선 3"/>
-          <p:cNvCxnSpPr/>
-          <p:nvPr/>
-        </p:nvCxnSpPr>
-        <p:spPr>
-          <a:xfrm>
-            <a:off x="214313" y="4429125"/>
-            <a:ext cx="8786812" cy="0"/>
-          </a:xfrm>
-          <a:prstGeom prst="line">
-            <a:avLst/>
-          </a:prstGeom>
-          <a:ln w="38100">
-            <a:solidFill>
-              <a:schemeClr val="tx2">
-                <a:lumMod val="50000"/>
-              </a:schemeClr>
-            </a:solidFill>
-          </a:ln>
-        </p:spPr>
-        <p:style>
-          <a:lnRef idx="1">
-            <a:schemeClr val="accent1"/>
-          </a:lnRef>
-          <a:fillRef idx="0">
-            <a:schemeClr val="accent1"/>
-          </a:fillRef>
-          <a:effectRef idx="0">
-            <a:schemeClr val="accent1"/>
-          </a:effectRef>
-          <a:fontRef idx="minor">
-            <a:schemeClr val="tx1"/>
-          </a:fontRef>
-        </p:style>
-      </p:cxnSp>
-      <p:sp>
-        <p:nvSpPr>
-          <p:cNvPr id="3" name="텍스트 개체 틀 2"/>
-          <p:cNvSpPr>
-            <a:spLocks noGrp="1"/>
-          </p:cNvSpPr>
-          <p:nvPr>
-            <p:ph type="body" idx="1"/>
-          </p:nvPr>
-        </p:nvSpPr>
-        <p:spPr>
-          <a:xfrm>
-            <a:off x="891994" y="2906713"/>
-            <a:ext cx="8072494" cy="1500187"/>
-          </a:xfrm>
-        </p:spPr>
-        <p:txBody>
-          <a:bodyPr anchor="b"/>
-          <a:lstStyle>
-            <a:lvl1pPr marL="0" indent="0" algn="r">
-              <a:buNone/>
-              <a:defRPr sz="3200" b="1">
-                <a:solidFill>
-                  <a:schemeClr val="tx2">
-                    <a:lumMod val="50000"/>
-                  </a:schemeClr>
-                </a:solidFill>
-              </a:defRPr>
-            </a:lvl1pPr>
-            <a:lvl2pPr marL="457200" indent="0">
-              <a:buNone/>
-              <a:defRPr sz="1800"/>
-            </a:lvl2pPr>
-            <a:lvl3pPr marL="914400" indent="0">
-              <a:buNone/>
-              <a:defRPr sz="1600"/>
-            </a:lvl3pPr>
-            <a:lvl4pPr marL="1371600" indent="0">
-              <a:buNone/>
-              <a:defRPr sz="1400"/>
-            </a:lvl4pPr>
-            <a:lvl5pPr marL="1828800" indent="0">
-              <a:buNone/>
-              <a:defRPr sz="1400"/>
-            </a:lvl5pPr>
-            <a:lvl6pPr marL="2286000" indent="0">
-              <a:buNone/>
-              <a:defRPr sz="1400"/>
-            </a:lvl6pPr>
-            <a:lvl7pPr marL="2743200" indent="0">
-              <a:buNone/>
-              <a:defRPr sz="1400"/>
-            </a:lvl7pPr>
-            <a:lvl8pPr marL="3200400" indent="0">
-              <a:buNone/>
-              <a:defRPr sz="1400"/>
-            </a:lvl8pPr>
-            <a:lvl9pPr marL="3657600" indent="0">
-              <a:buNone/>
-              <a:defRPr sz="1400"/>
-            </a:lvl9pPr>
-          </a:lstStyle>
-          <a:p>
-            <a:pPr lvl="0"/>
-            <a:r>
-              <a:rPr lang="en-GB" altLang="ko-KR"/>
-              <a:t>Click to edit Master text styles</a:t>
-            </a:r>
-          </a:p>
-        </p:txBody>
-      </p:sp>
-      <p:cxnSp>
-        <p:nvCxnSpPr>
-          <p:cNvPr id="9" name="직선 연결선 8"/>
-          <p:cNvCxnSpPr/>
-          <p:nvPr/>
-        </p:nvCxnSpPr>
-        <p:spPr>
-          <a:xfrm>
-            <a:off x="0" y="6500813"/>
-            <a:ext cx="9144000" cy="0"/>
-          </a:xfrm>
-          <a:prstGeom prst="line">
-            <a:avLst/>
-          </a:prstGeom>
-          <a:ln w="25400">
-            <a:solidFill>
-              <a:schemeClr val="tx2">
-                <a:lumMod val="75000"/>
-              </a:schemeClr>
-            </a:solidFill>
-          </a:ln>
-        </p:spPr>
-        <p:style>
-          <a:lnRef idx="1">
-            <a:schemeClr val="accent1"/>
-          </a:lnRef>
-          <a:fillRef idx="0">
-            <a:schemeClr val="accent1"/>
-          </a:fillRef>
-          <a:effectRef idx="0">
-            <a:schemeClr val="accent1"/>
-          </a:effectRef>
-          <a:fontRef idx="minor">
-            <a:schemeClr val="tx1"/>
-          </a:fontRef>
-        </p:style>
-      </p:cxnSp>
-      <p:sp>
-        <p:nvSpPr>
-          <p:cNvPr id="14" name="Rectangle 6"/>
-          <p:cNvSpPr>
-            <a:spLocks noGrp="1" noChangeArrowheads="1"/>
-          </p:cNvSpPr>
-          <p:nvPr>
-            <p:ph type="sldNum" sz="quarter" idx="11"/>
-          </p:nvPr>
-        </p:nvSpPr>
-        <p:spPr>
-          <a:xfrm>
-            <a:off x="7964934" y="6592713"/>
-            <a:ext cx="1071562" cy="220663"/>
-          </a:xfrm>
-        </p:spPr>
-        <p:txBody>
-          <a:bodyPr/>
-          <a:lstStyle>
-            <a:lvl1pPr>
-              <a:defRPr b="1">
-                <a:latin typeface="맑은 고딕" pitchFamily="50" charset="-127"/>
-                <a:ea typeface="맑은 고딕" pitchFamily="50" charset="-127"/>
-              </a:defRPr>
-            </a:lvl1pPr>
-          </a:lstStyle>
-          <a:p>
-            <a:fld id="{5BCC3F0E-9362-6D47-9781-DB401EE9B6B9}" type="slidenum">
-              <a:rPr lang="en-US" smtClean="0"/>
-              <a:pPr/>
-              <a:t>‹#›</a:t>
-            </a:fld>
-            <a:endParaRPr lang="en-US"/>
-          </a:p>
-        </p:txBody>
-      </p:sp>
-      <p:sp>
-        <p:nvSpPr>
-          <p:cNvPr id="15" name="Rectangle 5"/>
-          <p:cNvSpPr>
-            <a:spLocks noGrp="1" noChangeArrowheads="1"/>
-          </p:cNvSpPr>
-          <p:nvPr>
-            <p:ph type="ftr" sz="quarter" idx="3"/>
-          </p:nvPr>
-        </p:nvSpPr>
-        <p:spPr>
-          <a:xfrm>
-            <a:off x="3033713" y="6582995"/>
-            <a:ext cx="3038475" cy="220663"/>
-          </a:xfrm>
-          <a:prstGeom prst="rect">
-            <a:avLst/>
-          </a:prstGeom>
-        </p:spPr>
-        <p:txBody>
-          <a:bodyPr/>
-          <a:lstStyle>
-            <a:lvl1pPr algn="ctr">
-              <a:defRPr sz="1000" b="1">
-                <a:latin typeface="맑은 고딕" pitchFamily="50" charset="-127"/>
-                <a:ea typeface="맑은 고딕" pitchFamily="50" charset="-127"/>
-              </a:defRPr>
-            </a:lvl1pPr>
-          </a:lstStyle>
-          <a:p>
-            <a:r>
-              <a:rPr lang="en-US"/>
-              <a:t>CSCI3150 Intro to Operating Systems</a:t>
-            </a:r>
-          </a:p>
-        </p:txBody>
-      </p:sp>
-      <p:pic>
-        <p:nvPicPr>
-          <p:cNvPr id="10" name="그림 9"/>
-          <p:cNvPicPr>
-            <a:picLocks noChangeAspect="1"/>
-          </p:cNvPicPr>
-          <p:nvPr/>
-        </p:nvPicPr>
-        <p:blipFill>
-          <a:blip r:embed="rId2" cstate="print">
-            <a:extLst>
-              <a:ext uri="{28A0092B-C50C-407E-A947-70E740481C1C}">
-                <a14:useLocalDpi xmlns:a14="http://schemas.microsoft.com/office/drawing/2010/main" val="0"/>
-              </a:ext>
-            </a:extLst>
-          </a:blip>
-          <a:stretch>
-            <a:fillRect/>
-          </a:stretch>
-        </p:blipFill>
-        <p:spPr>
-          <a:xfrm>
-            <a:off x="216854" y="6593998"/>
-            <a:ext cx="768052" cy="219378"/>
-          </a:xfrm>
-          <a:prstGeom prst="rect">
-            <a:avLst/>
-          </a:prstGeom>
-        </p:spPr>
-      </p:pic>
-    </p:spTree>
-    <p:extLst>
-      <p:ext uri="{BB962C8B-B14F-4D97-AF65-F5344CB8AC3E}">
-        <p14:creationId xmlns:p14="http://schemas.microsoft.com/office/powerpoint/2010/main" val="2134528320"/>
-      </p:ext>
-    </p:extLst>
-  </p:cSld>
-  <p:clrMapOvr>
-    <a:masterClrMapping/>
-  </p:clrMapOvr>
-  <p:hf hdr="0" dt="0"/>
-</p:sldLayout>
-</file>
-
-<file path=ppt/slideLayouts/slideLayout4.xml><?xml version="1.0" encoding="utf-8"?>
-<p:sldLayout xmlns:a="http://schemas.openxmlformats.org/drawingml/2006/main" xmlns:r="http://schemas.openxmlformats.org/officeDocument/2006/relationships" xmlns:p="http://schemas.openxmlformats.org/presentationml/2006/main" type="title">
-  <p:cSld name="Title Slide">
-    <p:spTree>
-      <p:nvGrpSpPr>
-        <p:cNvPr id="1" name=""/>
-        <p:cNvGrpSpPr/>
-        <p:nvPr/>
-      </p:nvGrpSpPr>
-      <p:grpSpPr>
-        <a:xfrm>
-          <a:off x="0" y="0"/>
-          <a:ext cx="0" cy="0"/>
-          <a:chOff x="0" y="0"/>
-          <a:chExt cx="0" cy="0"/>
-        </a:xfrm>
-      </p:grpSpPr>
-      <p:sp>
-        <p:nvSpPr>
-          <p:cNvPr id="2" name="Title 1"/>
-          <p:cNvSpPr>
-            <a:spLocks noGrp="1"/>
-          </p:cNvSpPr>
-          <p:nvPr>
-            <p:ph type="ctrTitle"/>
-          </p:nvPr>
-        </p:nvSpPr>
-        <p:spPr>
-          <a:xfrm>
-            <a:off x="914400" y="1123950"/>
-            <a:ext cx="7342188" cy="1924050"/>
-          </a:xfrm>
-        </p:spPr>
-        <p:txBody>
-          <a:bodyPr anchor="b" anchorCtr="0">
-            <a:noAutofit/>
-          </a:bodyPr>
-          <a:lstStyle>
-            <a:lvl1pPr>
-              <a:defRPr sz="5400" kern="1200">
-                <a:solidFill>
-                  <a:schemeClr val="tx1">
-                    <a:lumMod val="75000"/>
-                    <a:lumOff val="25000"/>
-                  </a:schemeClr>
-                </a:solidFill>
-                <a:latin typeface="+mj-lt"/>
-                <a:ea typeface="+mj-ea"/>
-                <a:cs typeface="+mj-cs"/>
-              </a:defRPr>
-            </a:lvl1pPr>
-          </a:lstStyle>
-          <a:p>
-            <a:r>
-              <a:rPr lang="en-US"/>
-              <a:t>Click to edit Master title style</a:t>
-            </a:r>
-            <a:endParaRPr/>
-          </a:p>
-        </p:txBody>
-      </p:sp>
-      <p:sp>
-        <p:nvSpPr>
-          <p:cNvPr id="3" name="Subtitle 2"/>
-          <p:cNvSpPr>
-            <a:spLocks noGrp="1"/>
-          </p:cNvSpPr>
-          <p:nvPr>
-            <p:ph type="subTitle" idx="1"/>
-          </p:nvPr>
-        </p:nvSpPr>
-        <p:spPr>
-          <a:xfrm>
-            <a:off x="914400" y="3429000"/>
-            <a:ext cx="7342188" cy="1752600"/>
-          </a:xfrm>
-        </p:spPr>
-        <p:txBody>
-          <a:bodyPr vert="horz" lIns="91440" tIns="45720" rIns="91440" bIns="45720" rtlCol="0">
-            <a:normAutofit/>
-          </a:bodyPr>
-          <a:lstStyle>
-            <a:lvl1pPr marL="0" indent="0" algn="ctr" defTabSz="914400" rtl="0" eaLnBrk="1" latinLnBrk="0" hangingPunct="1">
-              <a:spcBef>
-                <a:spcPts val="300"/>
-              </a:spcBef>
-              <a:buClr>
-                <a:schemeClr val="tx1">
-                  <a:lumMod val="75000"/>
-                  <a:lumOff val="25000"/>
-                </a:schemeClr>
-              </a:buClr>
-              <a:buFont typeface="Arial" pitchFamily="34" charset="0"/>
-              <a:buNone/>
-              <a:defRPr sz="2000" kern="1200">
-                <a:solidFill>
-                  <a:schemeClr val="tx1">
-                    <a:lumMod val="75000"/>
-                    <a:lumOff val="25000"/>
-                  </a:schemeClr>
-                </a:solidFill>
-                <a:latin typeface="+mn-lt"/>
-                <a:ea typeface="+mn-ea"/>
-                <a:cs typeface="+mn-cs"/>
-              </a:defRPr>
-            </a:lvl1pPr>
-            <a:lvl2pPr marL="457200" indent="0" algn="ctr">
-              <a:buNone/>
-              <a:defRPr>
-                <a:solidFill>
-                  <a:schemeClr val="tx1">
-                    <a:tint val="75000"/>
-                  </a:schemeClr>
-                </a:solidFill>
-              </a:defRPr>
-            </a:lvl2pPr>
-            <a:lvl3pPr marL="914400" indent="0" algn="ctr">
-              <a:buNone/>
-              <a:defRPr>
-                <a:solidFill>
-                  <a:schemeClr val="tx1">
-                    <a:tint val="75000"/>
-                  </a:schemeClr>
-                </a:solidFill>
-              </a:defRPr>
-            </a:lvl3pPr>
-            <a:lvl4pPr marL="1371600" indent="0" algn="ctr">
-              <a:buNone/>
-              <a:defRPr>
-                <a:solidFill>
-                  <a:schemeClr val="tx1">
-                    <a:tint val="75000"/>
-                  </a:schemeClr>
-                </a:solidFill>
-              </a:defRPr>
-            </a:lvl4pPr>
-            <a:lvl5pPr marL="1828800" indent="0" algn="ctr">
-              <a:buNone/>
-              <a:defRPr>
-                <a:solidFill>
-                  <a:schemeClr val="tx1">
-                    <a:tint val="75000"/>
-                  </a:schemeClr>
-                </a:solidFill>
-              </a:defRPr>
-            </a:lvl5pPr>
-            <a:lvl6pPr marL="2286000" indent="0" algn="ctr">
-              <a:buNone/>
-              <a:defRPr>
-                <a:solidFill>
-                  <a:schemeClr val="tx1">
-                    <a:tint val="75000"/>
-                  </a:schemeClr>
-                </a:solidFill>
-              </a:defRPr>
-            </a:lvl6pPr>
-            <a:lvl7pPr marL="2743200" indent="0" algn="ctr">
-              <a:buNone/>
-              <a:defRPr>
-                <a:solidFill>
-                  <a:schemeClr val="tx1">
-                    <a:tint val="75000"/>
-                  </a:schemeClr>
-                </a:solidFill>
-              </a:defRPr>
-            </a:lvl7pPr>
-            <a:lvl8pPr marL="3200400" indent="0" algn="ctr">
-              <a:buNone/>
-              <a:defRPr>
-                <a:solidFill>
-                  <a:schemeClr val="tx1">
-                    <a:tint val="75000"/>
-                  </a:schemeClr>
-                </a:solidFill>
-              </a:defRPr>
-            </a:lvl8pPr>
-            <a:lvl9pPr marL="3657600" indent="0" algn="ctr">
-              <a:buNone/>
-              <a:defRPr>
-                <a:solidFill>
-                  <a:schemeClr val="tx1">
-                    <a:tint val="75000"/>
-                  </a:schemeClr>
-                </a:solidFill>
-              </a:defRPr>
-            </a:lvl9pPr>
-          </a:lstStyle>
-          <a:p>
-            <a:r>
-              <a:rPr lang="en-US"/>
-              <a:t>Click to edit Master subtitle style</a:t>
-            </a:r>
-            <a:endParaRPr/>
-          </a:p>
-        </p:txBody>
-      </p:sp>
-      <p:sp>
-        <p:nvSpPr>
-          <p:cNvPr id="4" name="Date Placeholder 3"/>
-          <p:cNvSpPr>
-            <a:spLocks noGrp="1"/>
-          </p:cNvSpPr>
-          <p:nvPr>
-            <p:ph type="dt" sz="half" idx="10"/>
-          </p:nvPr>
-        </p:nvSpPr>
-        <p:spPr>
-          <a:xfrm>
-            <a:off x="573741" y="6122894"/>
-            <a:ext cx="2133600" cy="259317"/>
-          </a:xfrm>
-        </p:spPr>
-        <p:txBody>
-          <a:bodyPr/>
-          <a:lstStyle/>
-          <a:p>
-            <a:r>
-              <a:rPr lang="en-HK"/>
-              <a:t>1/14/13</a:t>
-            </a:r>
-            <a:endParaRPr lang="en-US"/>
-          </a:p>
-        </p:txBody>
-      </p:sp>
-      <p:sp>
-        <p:nvSpPr>
-          <p:cNvPr id="5" name="Footer Placeholder 4"/>
-          <p:cNvSpPr>
-            <a:spLocks noGrp="1"/>
-          </p:cNvSpPr>
-          <p:nvPr>
-            <p:ph type="ftr" sz="quarter" idx="11"/>
-          </p:nvPr>
-        </p:nvSpPr>
-        <p:spPr>
-          <a:xfrm>
-            <a:off x="5638800" y="6122894"/>
-            <a:ext cx="2895600" cy="257810"/>
-          </a:xfrm>
-        </p:spPr>
-        <p:txBody>
-          <a:bodyPr/>
-          <a:lstStyle/>
-          <a:p>
-            <a:r>
-              <a:rPr lang="en-US"/>
-              <a:t>CSCI3150 Intro to Operating Systems</a:t>
-            </a:r>
-          </a:p>
-        </p:txBody>
-      </p:sp>
-      <p:sp>
-        <p:nvSpPr>
-          <p:cNvPr id="6" name="Slide Number Placeholder 5"/>
-          <p:cNvSpPr>
-            <a:spLocks noGrp="1"/>
-          </p:cNvSpPr>
-          <p:nvPr>
-            <p:ph type="sldNum" sz="quarter" idx="12"/>
-          </p:nvPr>
-        </p:nvSpPr>
-        <p:spPr>
-          <a:xfrm>
-            <a:off x="4191000" y="6122894"/>
-            <a:ext cx="762000" cy="271463"/>
-          </a:xfrm>
-        </p:spPr>
-        <p:txBody>
-          <a:bodyPr/>
-          <a:lstStyle/>
-          <a:p>
-            <a:fld id="{69E29E33-B620-47F9-BB04-8846C2A5AFCC}" type="slidenum">
-              <a:rPr kumimoji="0" lang="en-US" smtClean="0"/>
-              <a:pPr/>
-              <a:t>‹#›</a:t>
-            </a:fld>
-            <a:endParaRPr kumimoji="0" lang="en-US"/>
-          </a:p>
-        </p:txBody>
-      </p:sp>
-    </p:spTree>
-    <p:extLst>
-      <p:ext uri="{BB962C8B-B14F-4D97-AF65-F5344CB8AC3E}">
-        <p14:creationId xmlns:p14="http://schemas.microsoft.com/office/powerpoint/2010/main" val="2396183754"/>
-      </p:ext>
-    </p:extLst>
-  </p:cSld>
-  <p:clrMapOvr>
-    <a:masterClrMapping/>
-  </p:clrMapOvr>
-</p:sldLayout>
-</file>
-
-<file path=ppt/slideLayouts/slideLayout5.xml><?xml version="1.0" encoding="utf-8"?>
-<p:sldLayout xmlns:a="http://schemas.openxmlformats.org/drawingml/2006/main" xmlns:r="http://schemas.openxmlformats.org/officeDocument/2006/relationships" xmlns:p="http://schemas.openxmlformats.org/presentationml/2006/main" preserve="1">
-  <p:cSld name="제목 슬라이드">
-    <p:spTree>
-      <p:nvGrpSpPr>
-        <p:cNvPr id="1" name=""/>
-        <p:cNvGrpSpPr/>
-        <p:nvPr/>
-      </p:nvGrpSpPr>
-      <p:grpSpPr>
-        <a:xfrm>
-          <a:off x="0" y="0"/>
-          <a:ext cx="0" cy="0"/>
-          <a:chOff x="0" y="0"/>
-          <a:chExt cx="0" cy="0"/>
-        </a:xfrm>
-      </p:grpSpPr>
-      <p:sp>
-        <p:nvSpPr>
-          <p:cNvPr id="18" name="부제목 2"/>
-          <p:cNvSpPr>
-            <a:spLocks noGrp="1"/>
-          </p:cNvSpPr>
-          <p:nvPr>
-            <p:ph type="subTitle" idx="1"/>
-          </p:nvPr>
-        </p:nvSpPr>
-        <p:spPr>
-          <a:xfrm>
-            <a:off x="251520" y="78531"/>
-            <a:ext cx="8640960" cy="576065"/>
-          </a:xfrm>
-        </p:spPr>
-        <p:txBody>
-          <a:bodyPr anchor="ctr"/>
-          <a:lstStyle>
-            <a:lvl1pPr marL="0" indent="0" algn="ctr" rtl="0" fontAlgn="base" latinLnBrk="1">
-              <a:spcBef>
-                <a:spcPct val="0"/>
-              </a:spcBef>
-              <a:spcAft>
-                <a:spcPct val="0"/>
-              </a:spcAft>
-              <a:buNone/>
-              <a:defRPr kumimoji="1" lang="ko-KR" altLang="en-US" sz="2400" b="1" kern="1200" cap="none" spc="0" dirty="0">
-                <a:ln>
-                  <a:noFill/>
-                </a:ln>
-                <a:solidFill>
-                  <a:schemeClr val="bg1"/>
-                </a:solidFill>
-                <a:effectLst>
-                  <a:outerShdw blurRad="38100" dist="38100" dir="2700000" algn="tl">
-                    <a:srgbClr val="000000">
-                      <a:alpha val="43137"/>
-                    </a:srgbClr>
-                  </a:outerShdw>
-                </a:effectLst>
-                <a:latin typeface="+mj-lt"/>
-                <a:ea typeface="Arial" pitchFamily="34" charset="0"/>
-                <a:cs typeface="Arial" pitchFamily="34" charset="0"/>
-              </a:defRPr>
-            </a:lvl1pPr>
-            <a:lvl2pPr marL="457200" indent="0" algn="ctr">
-              <a:buNone/>
-              <a:defRPr/>
-            </a:lvl2pPr>
-            <a:lvl3pPr marL="914400" indent="0" algn="ctr">
-              <a:buNone/>
-              <a:defRPr/>
-            </a:lvl3pPr>
-            <a:lvl4pPr marL="1371600" indent="0" algn="ctr">
-              <a:buNone/>
-              <a:defRPr/>
-            </a:lvl4pPr>
-            <a:lvl5pPr marL="1828800" indent="0" algn="ctr">
-              <a:buNone/>
-              <a:defRPr/>
-            </a:lvl5pPr>
-            <a:lvl6pPr marL="2286000" indent="0" algn="ctr">
-              <a:buNone/>
-              <a:defRPr/>
-            </a:lvl6pPr>
-            <a:lvl7pPr marL="2743200" indent="0" algn="ctr">
-              <a:buNone/>
-              <a:defRPr/>
-            </a:lvl7pPr>
-            <a:lvl8pPr marL="3200400" indent="0" algn="ctr">
-              <a:buNone/>
-              <a:defRPr/>
-            </a:lvl8pPr>
-            <a:lvl9pPr marL="3657600" indent="0" algn="ctr">
-              <a:buNone/>
-              <a:defRPr/>
-            </a:lvl9pPr>
-          </a:lstStyle>
-          <a:p>
-            <a:r>
-              <a:rPr lang="en-GB" altLang="ko-KR"/>
-              <a:t>Click to edit Master subtitle style</a:t>
-            </a:r>
-            <a:endParaRPr lang="ko-KR" altLang="en-US" dirty="0"/>
-          </a:p>
-        </p:txBody>
-      </p:sp>
-      <p:sp>
-        <p:nvSpPr>
-          <p:cNvPr id="19" name="제목 1"/>
-          <p:cNvSpPr>
-            <a:spLocks noGrp="1"/>
-          </p:cNvSpPr>
-          <p:nvPr>
-            <p:ph type="ctrTitle"/>
-          </p:nvPr>
-        </p:nvSpPr>
-        <p:spPr>
-          <a:xfrm>
-            <a:off x="685800" y="1772816"/>
-            <a:ext cx="7772400" cy="1542033"/>
-          </a:xfrm>
-          <a:effectLst>
-            <a:outerShdw dist="17780" dir="2700000" algn="ctr" rotWithShape="0">
-              <a:srgbClr val="000000"/>
-            </a:outerShdw>
-          </a:effectLst>
-        </p:spPr>
-        <p:txBody>
-          <a:bodyPr/>
-          <a:lstStyle>
-            <a:lvl1pPr algn="ctr" rtl="0" fontAlgn="base" latinLnBrk="1">
-              <a:spcBef>
-                <a:spcPct val="0"/>
-              </a:spcBef>
-              <a:spcAft>
-                <a:spcPct val="0"/>
-              </a:spcAft>
-              <a:defRPr kumimoji="1" lang="ko-KR" altLang="en-US" sz="4400" b="1" kern="1200" dirty="0">
-                <a:solidFill>
-                  <a:schemeClr val="tx2">
-                    <a:lumMod val="75000"/>
-                  </a:schemeClr>
-                </a:solidFill>
-                <a:latin typeface="Adobe 고딕 Std B" pitchFamily="34" charset="-127"/>
-                <a:ea typeface="Adobe 고딕 Std B" pitchFamily="34" charset="-127"/>
-                <a:cs typeface="Adobe Arabic" pitchFamily="18" charset="-78"/>
-              </a:defRPr>
-            </a:lvl1pPr>
-          </a:lstStyle>
-          <a:p>
-            <a:r>
-              <a:rPr lang="en-GB" altLang="ko-KR"/>
-              <a:t>Click to edit Master title style</a:t>
-            </a:r>
-            <a:endParaRPr lang="ko-KR" altLang="en-US" dirty="0"/>
-          </a:p>
-        </p:txBody>
-      </p:sp>
-      <p:grpSp>
-        <p:nvGrpSpPr>
-          <p:cNvPr id="36" name="그룹 35"/>
-          <p:cNvGrpSpPr/>
-          <p:nvPr/>
-        </p:nvGrpSpPr>
-        <p:grpSpPr>
-          <a:xfrm>
-            <a:off x="-3579" y="3573016"/>
-            <a:ext cx="9147579" cy="64193"/>
-            <a:chOff x="-3579" y="3356992"/>
-            <a:chExt cx="9147579" cy="64193"/>
-          </a:xfrm>
-        </p:grpSpPr>
-        <p:cxnSp>
-          <p:nvCxnSpPr>
-            <p:cNvPr id="31" name="직선 연결선 30"/>
-            <p:cNvCxnSpPr/>
-            <p:nvPr/>
-          </p:nvCxnSpPr>
-          <p:spPr>
-            <a:xfrm>
-              <a:off x="0" y="3356992"/>
-              <a:ext cx="9144000" cy="0"/>
-            </a:xfrm>
-            <a:prstGeom prst="line">
-              <a:avLst/>
-            </a:prstGeom>
-            <a:ln w="63500">
-              <a:solidFill>
-                <a:schemeClr val="tx2">
-                  <a:lumMod val="75000"/>
-                </a:schemeClr>
-              </a:solidFill>
-              <a:tailEnd type="none"/>
-            </a:ln>
-          </p:spPr>
-          <p:style>
-            <a:lnRef idx="1">
-              <a:schemeClr val="accent1"/>
-            </a:lnRef>
-            <a:fillRef idx="0">
-              <a:schemeClr val="accent1"/>
-            </a:fillRef>
-            <a:effectRef idx="0">
-              <a:schemeClr val="accent1"/>
-            </a:effectRef>
-            <a:fontRef idx="minor">
-              <a:schemeClr val="tx1"/>
-            </a:fontRef>
-          </p:style>
-        </p:cxnSp>
-        <p:cxnSp>
-          <p:nvCxnSpPr>
-            <p:cNvPr id="32" name="직선 연결선 31"/>
-            <p:cNvCxnSpPr/>
-            <p:nvPr/>
-          </p:nvCxnSpPr>
-          <p:spPr>
-            <a:xfrm>
-              <a:off x="-3579" y="3421185"/>
-              <a:ext cx="9144000" cy="0"/>
-            </a:xfrm>
-            <a:prstGeom prst="line">
-              <a:avLst/>
-            </a:prstGeom>
-            <a:ln w="31750">
-              <a:solidFill>
-                <a:schemeClr val="accent1">
-                  <a:lumMod val="75000"/>
-                </a:schemeClr>
-              </a:solidFill>
-              <a:tailEnd type="none"/>
-            </a:ln>
-          </p:spPr>
-          <p:style>
-            <a:lnRef idx="1">
-              <a:schemeClr val="accent1"/>
-            </a:lnRef>
-            <a:fillRef idx="0">
-              <a:schemeClr val="accent1"/>
-            </a:fillRef>
-            <a:effectRef idx="0">
-              <a:schemeClr val="accent1"/>
-            </a:effectRef>
-            <a:fontRef idx="minor">
-              <a:schemeClr val="tx1"/>
-            </a:fontRef>
-          </p:style>
-        </p:cxnSp>
-      </p:grpSp>
-      <p:sp>
-        <p:nvSpPr>
-          <p:cNvPr id="12" name="TextBox 11"/>
-          <p:cNvSpPr txBox="1"/>
-          <p:nvPr/>
-        </p:nvSpPr>
-        <p:spPr>
-          <a:xfrm>
-            <a:off x="3344285" y="5517232"/>
-            <a:ext cx="2448272" cy="461665"/>
-          </a:xfrm>
-          <a:prstGeom prst="rect">
-            <a:avLst/>
-          </a:prstGeom>
-          <a:noFill/>
-        </p:spPr>
-        <p:txBody>
-          <a:bodyPr wrap="square" rtlCol="0">
-            <a:spAutoFit/>
-          </a:bodyPr>
-          <a:lstStyle/>
-          <a:p>
-            <a:pPr algn="ctr" fontAlgn="base">
-              <a:spcBef>
-                <a:spcPct val="0"/>
-              </a:spcBef>
-              <a:spcAft>
-                <a:spcPts val="600"/>
-              </a:spcAft>
-            </a:pPr>
-            <a:r>
-              <a:rPr kumimoji="1" lang="en-US" altLang="zh-CN" sz="2400" b="1" dirty="0">
-                <a:solidFill>
-                  <a:prstClr val="black"/>
-                </a:solidFill>
-                <a:latin typeface="맑은 고딕" pitchFamily="50" charset="-127"/>
-                <a:ea typeface="맑은 고딕" pitchFamily="50" charset="-127"/>
-              </a:rPr>
-              <a:t>Hong</a:t>
-            </a:r>
-            <a:r>
-              <a:rPr kumimoji="1" lang="zh-CN" altLang="en-US" sz="2400" b="1" dirty="0">
-                <a:solidFill>
-                  <a:prstClr val="black"/>
-                </a:solidFill>
-                <a:latin typeface="맑은 고딕" pitchFamily="50" charset="-127"/>
-                <a:ea typeface="맑은 고딕" pitchFamily="50" charset="-127"/>
-              </a:rPr>
-              <a:t> </a:t>
-            </a:r>
-            <a:r>
-              <a:rPr kumimoji="1" lang="en-US" altLang="zh-CN" sz="2400" b="1" dirty="0">
-                <a:solidFill>
-                  <a:prstClr val="black"/>
-                </a:solidFill>
-                <a:latin typeface="맑은 고딕" pitchFamily="50" charset="-127"/>
-                <a:ea typeface="맑은 고딕" pitchFamily="50" charset="-127"/>
-              </a:rPr>
-              <a:t>Xu</a:t>
-            </a:r>
-            <a:endParaRPr kumimoji="1" lang="en-US" altLang="ko-KR" sz="2400" b="1" dirty="0">
-              <a:solidFill>
-                <a:prstClr val="black"/>
-              </a:solidFill>
-              <a:latin typeface="맑은 고딕" pitchFamily="50" charset="-127"/>
-              <a:ea typeface="맑은 고딕" pitchFamily="50" charset="-127"/>
-            </a:endParaRPr>
-          </a:p>
-        </p:txBody>
-      </p:sp>
-      <p:sp>
-        <p:nvSpPr>
-          <p:cNvPr id="4" name="TextBox 3">
-            <a:extLst>
-              <a:ext uri="{FF2B5EF4-FFF2-40B4-BE49-F238E27FC236}">
-                <a16:creationId xmlns:a16="http://schemas.microsoft.com/office/drawing/2014/main" id="{D7A47015-6912-00BC-B289-2ACFBCCB2E9B}"/>
-              </a:ext>
-            </a:extLst>
-          </p:cNvPr>
-          <p:cNvSpPr txBox="1"/>
-          <p:nvPr/>
-        </p:nvSpPr>
-        <p:spPr>
-          <a:xfrm>
-            <a:off x="2351994" y="6048603"/>
-            <a:ext cx="4432853" cy="369332"/>
-          </a:xfrm>
-          <a:prstGeom prst="rect">
-            <a:avLst/>
-          </a:prstGeom>
-          <a:noFill/>
-        </p:spPr>
-        <p:txBody>
-          <a:bodyPr wrap="square" rtlCol="0">
-            <a:spAutoFit/>
-          </a:bodyPr>
-          <a:lstStyle/>
-          <a:p>
-            <a:pPr algn="ctr"/>
-            <a:r>
-              <a:rPr lang="en-US" dirty="0">
-                <a:hlinkClick r:id="rId2"/>
-              </a:rPr>
-              <a:t>https://github.com/henryhxu/CSCI3150</a:t>
-            </a:r>
-            <a:endParaRPr lang="en-US" dirty="0"/>
-          </a:p>
-        </p:txBody>
-      </p:sp>
-    </p:spTree>
-    <p:extLst>
-      <p:ext uri="{BB962C8B-B14F-4D97-AF65-F5344CB8AC3E}">
-        <p14:creationId xmlns:p14="http://schemas.microsoft.com/office/powerpoint/2010/main" val="4179911868"/>
-      </p:ext>
-    </p:extLst>
-  </p:cSld>
-  <p:clrMapOvr>
-    <a:masterClrMapping/>
-  </p:clrMapOvr>
-</p:sldLayout>
-</file>
-
-<file path=ppt/slideLayouts/slideLayout6.xml><?xml version="1.0" encoding="utf-8"?>
-<p:sldLayout xmlns:a="http://schemas.openxmlformats.org/drawingml/2006/main" xmlns:r="http://schemas.openxmlformats.org/officeDocument/2006/relationships" xmlns:p="http://schemas.openxmlformats.org/presentationml/2006/main" type="obj" preserve="1">
-  <p:cSld name="제목 및 내용">
-    <p:spTree>
-      <p:nvGrpSpPr>
-        <p:cNvPr id="1" name=""/>
-        <p:cNvGrpSpPr/>
-        <p:nvPr/>
-      </p:nvGrpSpPr>
-      <p:grpSpPr>
-        <a:xfrm>
-          <a:off x="0" y="0"/>
-          <a:ext cx="0" cy="0"/>
-          <a:chOff x="0" y="0"/>
-          <a:chExt cx="0" cy="0"/>
-        </a:xfrm>
-      </p:grpSpPr>
-      <p:cxnSp>
-        <p:nvCxnSpPr>
-          <p:cNvPr id="4" name="직선 연결선 3"/>
-          <p:cNvCxnSpPr/>
-          <p:nvPr/>
-        </p:nvCxnSpPr>
-        <p:spPr>
-          <a:xfrm>
-            <a:off x="0" y="6500813"/>
-            <a:ext cx="9144000" cy="0"/>
-          </a:xfrm>
-          <a:prstGeom prst="line">
-            <a:avLst/>
-          </a:prstGeom>
-          <a:ln w="25400">
-            <a:solidFill>
-              <a:schemeClr val="tx2">
-                <a:lumMod val="75000"/>
-              </a:schemeClr>
-            </a:solidFill>
-          </a:ln>
-        </p:spPr>
-        <p:style>
-          <a:lnRef idx="1">
-            <a:schemeClr val="accent1"/>
-          </a:lnRef>
-          <a:fillRef idx="0">
-            <a:schemeClr val="accent1"/>
-          </a:fillRef>
-          <a:effectRef idx="0">
-            <a:schemeClr val="accent1"/>
-          </a:effectRef>
-          <a:fontRef idx="minor">
-            <a:schemeClr val="tx1"/>
-          </a:fontRef>
-        </p:style>
-      </p:cxnSp>
-      <p:sp>
-        <p:nvSpPr>
-          <p:cNvPr id="2" name="제목 1"/>
-          <p:cNvSpPr>
-            <a:spLocks noGrp="1"/>
-          </p:cNvSpPr>
-          <p:nvPr>
-            <p:ph type="title"/>
-          </p:nvPr>
-        </p:nvSpPr>
-        <p:spPr/>
-        <p:txBody>
-          <a:bodyPr/>
-          <a:lstStyle>
-            <a:lvl1pPr>
-              <a:defRPr sz="2400">
-                <a:solidFill>
-                  <a:schemeClr val="bg1"/>
-                </a:solidFill>
-              </a:defRPr>
-            </a:lvl1pPr>
-          </a:lstStyle>
-          <a:p>
-            <a:r>
-              <a:rPr lang="en-GB" altLang="ko-KR"/>
-              <a:t>Click to edit Master title style</a:t>
-            </a:r>
-            <a:endParaRPr lang="ko-KR" altLang="en-US" dirty="0"/>
-          </a:p>
-        </p:txBody>
-      </p:sp>
-      <p:sp>
-        <p:nvSpPr>
-          <p:cNvPr id="3" name="내용 개체 틀 2"/>
-          <p:cNvSpPr>
-            <a:spLocks noGrp="1"/>
-          </p:cNvSpPr>
-          <p:nvPr>
-            <p:ph idx="1"/>
-          </p:nvPr>
-        </p:nvSpPr>
-        <p:spPr>
-          <a:xfrm>
-            <a:off x="214313" y="880070"/>
-            <a:ext cx="8786812" cy="5501258"/>
-          </a:xfrm>
-        </p:spPr>
-        <p:txBody>
-          <a:bodyPr/>
+          <a:bodyPr lIns="90000"/>
           <a:lstStyle>
             <a:lvl1pPr latinLnBrk="0">
               <a:lnSpc>
@@ -4732,7 +2033,7 @@
 </p:sldLayout>
 </file>
 
-<file path=ppt/slideLayouts/slideLayout7.xml><?xml version="1.0" encoding="utf-8"?>
+<file path=ppt/slideLayouts/slideLayout3.xml><?xml version="1.0" encoding="utf-8"?>
 <p:sldLayout xmlns:a="http://schemas.openxmlformats.org/drawingml/2006/main" xmlns:r="http://schemas.openxmlformats.org/officeDocument/2006/relationships" xmlns:p="http://schemas.openxmlformats.org/presentationml/2006/main" preserve="1">
   <p:cSld name="구역 머리글">
     <p:spTree>
@@ -5018,1474 +2319,7 @@
 </p:sldLayout>
 </file>
 
-<file path=ppt/slideLayouts/slideLayout8.xml><?xml version="1.0" encoding="utf-8"?>
-<p:sldLayout xmlns:a="http://schemas.openxmlformats.org/drawingml/2006/main" xmlns:r="http://schemas.openxmlformats.org/officeDocument/2006/relationships" xmlns:p="http://schemas.openxmlformats.org/presentationml/2006/main" preserve="1">
-  <p:cSld name="제목 슬라이드">
-    <p:spTree>
-      <p:nvGrpSpPr>
-        <p:cNvPr id="1" name=""/>
-        <p:cNvGrpSpPr/>
-        <p:nvPr/>
-      </p:nvGrpSpPr>
-      <p:grpSpPr>
-        <a:xfrm>
-          <a:off x="0" y="0"/>
-          <a:ext cx="0" cy="0"/>
-          <a:chOff x="0" y="0"/>
-          <a:chExt cx="0" cy="0"/>
-        </a:xfrm>
-      </p:grpSpPr>
-      <p:sp>
-        <p:nvSpPr>
-          <p:cNvPr id="18" name="부제목 2"/>
-          <p:cNvSpPr>
-            <a:spLocks noGrp="1"/>
-          </p:cNvSpPr>
-          <p:nvPr>
-            <p:ph type="subTitle" idx="1"/>
-          </p:nvPr>
-        </p:nvSpPr>
-        <p:spPr>
-          <a:xfrm>
-            <a:off x="251520" y="78531"/>
-            <a:ext cx="8640960" cy="576065"/>
-          </a:xfrm>
-        </p:spPr>
-        <p:txBody>
-          <a:bodyPr anchor="ctr"/>
-          <a:lstStyle>
-            <a:lvl1pPr marL="0" indent="0" algn="ctr" rtl="0" fontAlgn="base" latinLnBrk="1">
-              <a:spcBef>
-                <a:spcPct val="0"/>
-              </a:spcBef>
-              <a:spcAft>
-                <a:spcPct val="0"/>
-              </a:spcAft>
-              <a:buNone/>
-              <a:defRPr kumimoji="1" lang="ko-KR" altLang="en-US" sz="2400" b="1" kern="1200" cap="none" spc="0" dirty="0">
-                <a:ln>
-                  <a:noFill/>
-                </a:ln>
-                <a:solidFill>
-                  <a:schemeClr val="bg1"/>
-                </a:solidFill>
-                <a:effectLst>
-                  <a:outerShdw blurRad="38100" dist="38100" dir="2700000" algn="tl">
-                    <a:srgbClr val="000000">
-                      <a:alpha val="43137"/>
-                    </a:srgbClr>
-                  </a:outerShdw>
-                </a:effectLst>
-                <a:latin typeface="+mj-lt"/>
-                <a:ea typeface="Arial" pitchFamily="34" charset="0"/>
-                <a:cs typeface="Arial" pitchFamily="34" charset="0"/>
-              </a:defRPr>
-            </a:lvl1pPr>
-            <a:lvl2pPr marL="457200" indent="0" algn="ctr">
-              <a:buNone/>
-              <a:defRPr/>
-            </a:lvl2pPr>
-            <a:lvl3pPr marL="914400" indent="0" algn="ctr">
-              <a:buNone/>
-              <a:defRPr/>
-            </a:lvl3pPr>
-            <a:lvl4pPr marL="1371600" indent="0" algn="ctr">
-              <a:buNone/>
-              <a:defRPr/>
-            </a:lvl4pPr>
-            <a:lvl5pPr marL="1828800" indent="0" algn="ctr">
-              <a:buNone/>
-              <a:defRPr/>
-            </a:lvl5pPr>
-            <a:lvl6pPr marL="2286000" indent="0" algn="ctr">
-              <a:buNone/>
-              <a:defRPr/>
-            </a:lvl6pPr>
-            <a:lvl7pPr marL="2743200" indent="0" algn="ctr">
-              <a:buNone/>
-              <a:defRPr/>
-            </a:lvl7pPr>
-            <a:lvl8pPr marL="3200400" indent="0" algn="ctr">
-              <a:buNone/>
-              <a:defRPr/>
-            </a:lvl8pPr>
-            <a:lvl9pPr marL="3657600" indent="0" algn="ctr">
-              <a:buNone/>
-              <a:defRPr/>
-            </a:lvl9pPr>
-          </a:lstStyle>
-          <a:p>
-            <a:r>
-              <a:rPr lang="en-GB" altLang="ko-KR"/>
-              <a:t>Click to edit Master subtitle style</a:t>
-            </a:r>
-            <a:endParaRPr lang="ko-KR" altLang="en-US" dirty="0"/>
-          </a:p>
-        </p:txBody>
-      </p:sp>
-      <p:sp>
-        <p:nvSpPr>
-          <p:cNvPr id="19" name="제목 1"/>
-          <p:cNvSpPr>
-            <a:spLocks noGrp="1"/>
-          </p:cNvSpPr>
-          <p:nvPr>
-            <p:ph type="ctrTitle"/>
-          </p:nvPr>
-        </p:nvSpPr>
-        <p:spPr>
-          <a:xfrm>
-            <a:off x="685800" y="1772816"/>
-            <a:ext cx="7772400" cy="1542033"/>
-          </a:xfrm>
-          <a:effectLst>
-            <a:outerShdw dist="17780" dir="2700000" algn="ctr" rotWithShape="0">
-              <a:srgbClr val="000000"/>
-            </a:outerShdw>
-          </a:effectLst>
-        </p:spPr>
-        <p:txBody>
-          <a:bodyPr/>
-          <a:lstStyle>
-            <a:lvl1pPr algn="ctr" rtl="0" fontAlgn="base" latinLnBrk="1">
-              <a:spcBef>
-                <a:spcPct val="0"/>
-              </a:spcBef>
-              <a:spcAft>
-                <a:spcPct val="0"/>
-              </a:spcAft>
-              <a:defRPr kumimoji="1" lang="ko-KR" altLang="en-US" sz="4400" b="1" kern="1200" dirty="0">
-                <a:solidFill>
-                  <a:schemeClr val="tx2">
-                    <a:lumMod val="75000"/>
-                  </a:schemeClr>
-                </a:solidFill>
-                <a:latin typeface="Adobe 고딕 Std B" pitchFamily="34" charset="-127"/>
-                <a:ea typeface="Adobe 고딕 Std B" pitchFamily="34" charset="-127"/>
-                <a:cs typeface="Adobe Arabic" pitchFamily="18" charset="-78"/>
-              </a:defRPr>
-            </a:lvl1pPr>
-          </a:lstStyle>
-          <a:p>
-            <a:r>
-              <a:rPr lang="en-GB" altLang="ko-KR"/>
-              <a:t>Click to edit Master title style</a:t>
-            </a:r>
-            <a:endParaRPr lang="ko-KR" altLang="en-US" dirty="0"/>
-          </a:p>
-        </p:txBody>
-      </p:sp>
-      <p:grpSp>
-        <p:nvGrpSpPr>
-          <p:cNvPr id="36" name="그룹 35"/>
-          <p:cNvGrpSpPr/>
-          <p:nvPr/>
-        </p:nvGrpSpPr>
-        <p:grpSpPr>
-          <a:xfrm>
-            <a:off x="-3579" y="3573016"/>
-            <a:ext cx="9147579" cy="64193"/>
-            <a:chOff x="-3579" y="3356992"/>
-            <a:chExt cx="9147579" cy="64193"/>
-          </a:xfrm>
-        </p:grpSpPr>
-        <p:cxnSp>
-          <p:nvCxnSpPr>
-            <p:cNvPr id="31" name="직선 연결선 30"/>
-            <p:cNvCxnSpPr/>
-            <p:nvPr/>
-          </p:nvCxnSpPr>
-          <p:spPr>
-            <a:xfrm>
-              <a:off x="0" y="3356992"/>
-              <a:ext cx="9144000" cy="0"/>
-            </a:xfrm>
-            <a:prstGeom prst="line">
-              <a:avLst/>
-            </a:prstGeom>
-            <a:ln w="63500">
-              <a:solidFill>
-                <a:schemeClr val="tx2">
-                  <a:lumMod val="75000"/>
-                </a:schemeClr>
-              </a:solidFill>
-              <a:tailEnd type="none"/>
-            </a:ln>
-          </p:spPr>
-          <p:style>
-            <a:lnRef idx="1">
-              <a:schemeClr val="accent1"/>
-            </a:lnRef>
-            <a:fillRef idx="0">
-              <a:schemeClr val="accent1"/>
-            </a:fillRef>
-            <a:effectRef idx="0">
-              <a:schemeClr val="accent1"/>
-            </a:effectRef>
-            <a:fontRef idx="minor">
-              <a:schemeClr val="tx1"/>
-            </a:fontRef>
-          </p:style>
-        </p:cxnSp>
-        <p:cxnSp>
-          <p:nvCxnSpPr>
-            <p:cNvPr id="32" name="직선 연결선 31"/>
-            <p:cNvCxnSpPr/>
-            <p:nvPr/>
-          </p:nvCxnSpPr>
-          <p:spPr>
-            <a:xfrm>
-              <a:off x="-3579" y="3421185"/>
-              <a:ext cx="9144000" cy="0"/>
-            </a:xfrm>
-            <a:prstGeom prst="line">
-              <a:avLst/>
-            </a:prstGeom>
-            <a:ln w="31750">
-              <a:solidFill>
-                <a:schemeClr val="accent1">
-                  <a:lumMod val="75000"/>
-                </a:schemeClr>
-              </a:solidFill>
-              <a:tailEnd type="none"/>
-            </a:ln>
-          </p:spPr>
-          <p:style>
-            <a:lnRef idx="1">
-              <a:schemeClr val="accent1"/>
-            </a:lnRef>
-            <a:fillRef idx="0">
-              <a:schemeClr val="accent1"/>
-            </a:fillRef>
-            <a:effectRef idx="0">
-              <a:schemeClr val="accent1"/>
-            </a:effectRef>
-            <a:fontRef idx="minor">
-              <a:schemeClr val="tx1"/>
-            </a:fontRef>
-          </p:style>
-        </p:cxnSp>
-      </p:grpSp>
-      <p:sp>
-        <p:nvSpPr>
-          <p:cNvPr id="12" name="TextBox 11"/>
-          <p:cNvSpPr txBox="1"/>
-          <p:nvPr/>
-        </p:nvSpPr>
-        <p:spPr>
-          <a:xfrm>
-            <a:off x="3347864" y="4030167"/>
-            <a:ext cx="2448272" cy="461665"/>
-          </a:xfrm>
-          <a:prstGeom prst="rect">
-            <a:avLst/>
-          </a:prstGeom>
-          <a:noFill/>
-        </p:spPr>
-        <p:txBody>
-          <a:bodyPr wrap="square" rtlCol="0">
-            <a:spAutoFit/>
-          </a:bodyPr>
-          <a:lstStyle/>
-          <a:p>
-            <a:pPr algn="ctr" fontAlgn="base">
-              <a:spcBef>
-                <a:spcPct val="0"/>
-              </a:spcBef>
-              <a:spcAft>
-                <a:spcPts val="600"/>
-              </a:spcAft>
-            </a:pPr>
-            <a:r>
-              <a:rPr kumimoji="1" lang="en-US" altLang="ko-KR" sz="2400" b="1" dirty="0" err="1">
-                <a:solidFill>
-                  <a:prstClr val="black"/>
-                </a:solidFill>
-                <a:latin typeface="맑은 고딕" pitchFamily="50" charset="-127"/>
-                <a:ea typeface="맑은 고딕" pitchFamily="50" charset="-127"/>
-              </a:rPr>
-              <a:t>Youjip</a:t>
-            </a:r>
-            <a:r>
-              <a:rPr kumimoji="1" lang="en-US" altLang="ko-KR" sz="2400" b="1" baseline="0" dirty="0">
-                <a:solidFill>
-                  <a:prstClr val="black"/>
-                </a:solidFill>
-                <a:latin typeface="맑은 고딕" pitchFamily="50" charset="-127"/>
-                <a:ea typeface="맑은 고딕" pitchFamily="50" charset="-127"/>
-              </a:rPr>
-              <a:t> Won</a:t>
-            </a:r>
-            <a:endParaRPr kumimoji="1" lang="en-US" altLang="ko-KR" sz="2400" b="1" dirty="0">
-              <a:solidFill>
-                <a:prstClr val="black"/>
-              </a:solidFill>
-              <a:latin typeface="맑은 고딕" pitchFamily="50" charset="-127"/>
-              <a:ea typeface="맑은 고딕" pitchFamily="50" charset="-127"/>
-            </a:endParaRPr>
-          </a:p>
-        </p:txBody>
-      </p:sp>
-      <p:pic>
-        <p:nvPicPr>
-          <p:cNvPr id="2" name="그림 1"/>
-          <p:cNvPicPr>
-            <a:picLocks noChangeAspect="1"/>
-          </p:cNvPicPr>
-          <p:nvPr/>
-        </p:nvPicPr>
-        <p:blipFill>
-          <a:blip r:embed="rId2" cstate="print">
-            <a:extLst>
-              <a:ext uri="{28A0092B-C50C-407E-A947-70E740481C1C}">
-                <a14:useLocalDpi xmlns:a14="http://schemas.microsoft.com/office/drawing/2010/main" val="0"/>
-              </a:ext>
-            </a:extLst>
-          </a:blip>
-          <a:stretch>
-            <a:fillRect/>
-          </a:stretch>
-        </p:blipFill>
-        <p:spPr>
-          <a:xfrm>
-            <a:off x="3252786" y="5013176"/>
-            <a:ext cx="2638429" cy="753613"/>
-          </a:xfrm>
-          <a:prstGeom prst="rect">
-            <a:avLst/>
-          </a:prstGeom>
-        </p:spPr>
-      </p:pic>
-    </p:spTree>
-    <p:extLst>
-      <p:ext uri="{BB962C8B-B14F-4D97-AF65-F5344CB8AC3E}">
-        <p14:creationId xmlns:p14="http://schemas.microsoft.com/office/powerpoint/2010/main" val="2824757819"/>
-      </p:ext>
-    </p:extLst>
-  </p:cSld>
-  <p:clrMapOvr>
-    <a:masterClrMapping/>
-  </p:clrMapOvr>
-  <p:hf hdr="0" dt="0"/>
-</p:sldLayout>
-</file>
-
-<file path=ppt/slideLayouts/slideLayout9.xml><?xml version="1.0" encoding="utf-8"?>
-<p:sldLayout xmlns:a="http://schemas.openxmlformats.org/drawingml/2006/main" xmlns:r="http://schemas.openxmlformats.org/officeDocument/2006/relationships" xmlns:p="http://schemas.openxmlformats.org/presentationml/2006/main" type="obj" preserve="1">
-  <p:cSld name="제목 및 내용">
-    <p:spTree>
-      <p:nvGrpSpPr>
-        <p:cNvPr id="1" name=""/>
-        <p:cNvGrpSpPr/>
-        <p:nvPr/>
-      </p:nvGrpSpPr>
-      <p:grpSpPr>
-        <a:xfrm>
-          <a:off x="0" y="0"/>
-          <a:ext cx="0" cy="0"/>
-          <a:chOff x="0" y="0"/>
-          <a:chExt cx="0" cy="0"/>
-        </a:xfrm>
-      </p:grpSpPr>
-      <p:cxnSp>
-        <p:nvCxnSpPr>
-          <p:cNvPr id="4" name="직선 연결선 3"/>
-          <p:cNvCxnSpPr/>
-          <p:nvPr/>
-        </p:nvCxnSpPr>
-        <p:spPr>
-          <a:xfrm>
-            <a:off x="0" y="6500813"/>
-            <a:ext cx="9144000" cy="0"/>
-          </a:xfrm>
-          <a:prstGeom prst="line">
-            <a:avLst/>
-          </a:prstGeom>
-          <a:ln w="25400">
-            <a:solidFill>
-              <a:schemeClr val="tx2">
-                <a:lumMod val="75000"/>
-              </a:schemeClr>
-            </a:solidFill>
-          </a:ln>
-        </p:spPr>
-        <p:style>
-          <a:lnRef idx="1">
-            <a:schemeClr val="accent1"/>
-          </a:lnRef>
-          <a:fillRef idx="0">
-            <a:schemeClr val="accent1"/>
-          </a:fillRef>
-          <a:effectRef idx="0">
-            <a:schemeClr val="accent1"/>
-          </a:effectRef>
-          <a:fontRef idx="minor">
-            <a:schemeClr val="tx1"/>
-          </a:fontRef>
-        </p:style>
-      </p:cxnSp>
-      <p:sp>
-        <p:nvSpPr>
-          <p:cNvPr id="2" name="제목 1"/>
-          <p:cNvSpPr>
-            <a:spLocks noGrp="1"/>
-          </p:cNvSpPr>
-          <p:nvPr>
-            <p:ph type="title"/>
-          </p:nvPr>
-        </p:nvSpPr>
-        <p:spPr/>
-        <p:txBody>
-          <a:bodyPr/>
-          <a:lstStyle>
-            <a:lvl1pPr>
-              <a:defRPr sz="2400">
-                <a:solidFill>
-                  <a:schemeClr val="bg1"/>
-                </a:solidFill>
-              </a:defRPr>
-            </a:lvl1pPr>
-          </a:lstStyle>
-          <a:p>
-            <a:r>
-              <a:rPr lang="en-GB" altLang="ko-KR"/>
-              <a:t>Click to edit Master title style</a:t>
-            </a:r>
-            <a:endParaRPr lang="ko-KR" altLang="en-US" dirty="0"/>
-          </a:p>
-        </p:txBody>
-      </p:sp>
-      <p:sp>
-        <p:nvSpPr>
-          <p:cNvPr id="3" name="내용 개체 틀 2"/>
-          <p:cNvSpPr>
-            <a:spLocks noGrp="1"/>
-          </p:cNvSpPr>
-          <p:nvPr>
-            <p:ph idx="1"/>
-          </p:nvPr>
-        </p:nvSpPr>
-        <p:spPr>
-          <a:xfrm>
-            <a:off x="214313" y="880070"/>
-            <a:ext cx="8786812" cy="5501258"/>
-          </a:xfrm>
-        </p:spPr>
-        <p:txBody>
-          <a:bodyPr/>
-          <a:lstStyle>
-            <a:lvl1pPr>
-              <a:lnSpc>
-                <a:spcPct val="150000"/>
-              </a:lnSpc>
-              <a:buClr>
-                <a:srgbClr val="002060"/>
-              </a:buClr>
-              <a:defRPr sz="2000" b="0">
-                <a:solidFill>
-                  <a:schemeClr val="tx1"/>
-                </a:solidFill>
-              </a:defRPr>
-            </a:lvl1pPr>
-            <a:lvl2pPr>
-              <a:lnSpc>
-                <a:spcPct val="150000"/>
-              </a:lnSpc>
-              <a:buClr>
-                <a:srgbClr val="002060"/>
-              </a:buClr>
-              <a:defRPr sz="1800">
-                <a:solidFill>
-                  <a:schemeClr val="tx1"/>
-                </a:solidFill>
-              </a:defRPr>
-            </a:lvl2pPr>
-            <a:lvl3pPr>
-              <a:lnSpc>
-                <a:spcPct val="150000"/>
-              </a:lnSpc>
-              <a:buClr>
-                <a:srgbClr val="002060"/>
-              </a:buClr>
-              <a:defRPr sz="1600">
-                <a:solidFill>
-                  <a:schemeClr val="tx1"/>
-                </a:solidFill>
-              </a:defRPr>
-            </a:lvl3pPr>
-            <a:lvl4pPr>
-              <a:lnSpc>
-                <a:spcPct val="150000"/>
-              </a:lnSpc>
-              <a:buClr>
-                <a:srgbClr val="002060"/>
-              </a:buClr>
-              <a:defRPr sz="1400">
-                <a:solidFill>
-                  <a:schemeClr val="tx1"/>
-                </a:solidFill>
-              </a:defRPr>
-            </a:lvl4pPr>
-            <a:lvl5pPr>
-              <a:lnSpc>
-                <a:spcPct val="150000"/>
-              </a:lnSpc>
-              <a:buClr>
-                <a:srgbClr val="002060"/>
-              </a:buClr>
-              <a:defRPr sz="1400">
-                <a:solidFill>
-                  <a:schemeClr val="tx1"/>
-                </a:solidFill>
-              </a:defRPr>
-            </a:lvl5pPr>
-          </a:lstStyle>
-          <a:p>
-            <a:pPr lvl="0"/>
-            <a:r>
-              <a:rPr lang="en-GB" altLang="ko-KR"/>
-              <a:t>Click to edit Master text styles</a:t>
-            </a:r>
-          </a:p>
-          <a:p>
-            <a:pPr lvl="1"/>
-            <a:r>
-              <a:rPr lang="en-GB" altLang="ko-KR"/>
-              <a:t>Second level</a:t>
-            </a:r>
-          </a:p>
-          <a:p>
-            <a:pPr lvl="2"/>
-            <a:r>
-              <a:rPr lang="en-GB" altLang="ko-KR"/>
-              <a:t>Third level</a:t>
-            </a:r>
-          </a:p>
-          <a:p>
-            <a:pPr lvl="3"/>
-            <a:r>
-              <a:rPr lang="en-GB" altLang="ko-KR"/>
-              <a:t>Fourth level</a:t>
-            </a:r>
-          </a:p>
-          <a:p>
-            <a:pPr lvl="4"/>
-            <a:r>
-              <a:rPr lang="en-GB" altLang="ko-KR"/>
-              <a:t>Fifth level</a:t>
-            </a:r>
-            <a:endParaRPr lang="ko-KR" altLang="en-US" dirty="0"/>
-          </a:p>
-        </p:txBody>
-      </p:sp>
-      <p:sp>
-        <p:nvSpPr>
-          <p:cNvPr id="7" name="Rectangle 6"/>
-          <p:cNvSpPr>
-            <a:spLocks noGrp="1" noChangeArrowheads="1"/>
-          </p:cNvSpPr>
-          <p:nvPr>
-            <p:ph type="sldNum" sz="quarter" idx="11"/>
-          </p:nvPr>
-        </p:nvSpPr>
-        <p:spPr>
-          <a:xfrm>
-            <a:off x="7964934" y="6592713"/>
-            <a:ext cx="1071562" cy="220663"/>
-          </a:xfrm>
-        </p:spPr>
-        <p:txBody>
-          <a:bodyPr/>
-          <a:lstStyle>
-            <a:lvl1pPr>
-              <a:defRPr b="1">
-                <a:latin typeface="맑은 고딕" pitchFamily="50" charset="-127"/>
-                <a:ea typeface="맑은 고딕" pitchFamily="50" charset="-127"/>
-              </a:defRPr>
-            </a:lvl1pPr>
-          </a:lstStyle>
-          <a:p>
-            <a:fld id="{5BCC3F0E-9362-6D47-9781-DB401EE9B6B9}" type="slidenum">
-              <a:rPr lang="en-US" smtClean="0"/>
-              <a:pPr/>
-              <a:t>‹#›</a:t>
-            </a:fld>
-            <a:endParaRPr lang="en-US"/>
-          </a:p>
-        </p:txBody>
-      </p:sp>
-      <p:sp>
-        <p:nvSpPr>
-          <p:cNvPr id="10" name="Rectangle 5"/>
-          <p:cNvSpPr>
-            <a:spLocks noGrp="1" noChangeArrowheads="1"/>
-          </p:cNvSpPr>
-          <p:nvPr>
-            <p:ph type="ftr" sz="quarter" idx="3"/>
-          </p:nvPr>
-        </p:nvSpPr>
-        <p:spPr>
-          <a:xfrm>
-            <a:off x="3033713" y="6582995"/>
-            <a:ext cx="3038475" cy="220663"/>
-          </a:xfrm>
-          <a:prstGeom prst="rect">
-            <a:avLst/>
-          </a:prstGeom>
-        </p:spPr>
-        <p:txBody>
-          <a:bodyPr/>
-          <a:lstStyle>
-            <a:lvl1pPr algn="ctr">
-              <a:defRPr sz="1000" b="1">
-                <a:latin typeface="맑은 고딕" pitchFamily="50" charset="-127"/>
-                <a:ea typeface="맑은 고딕" pitchFamily="50" charset="-127"/>
-              </a:defRPr>
-            </a:lvl1pPr>
-          </a:lstStyle>
-          <a:p>
-            <a:r>
-              <a:rPr lang="en-US"/>
-              <a:t>CSCI3150 Intro to Operating Systems</a:t>
-            </a:r>
-          </a:p>
-        </p:txBody>
-      </p:sp>
-    </p:spTree>
-    <p:extLst>
-      <p:ext uri="{BB962C8B-B14F-4D97-AF65-F5344CB8AC3E}">
-        <p14:creationId xmlns:p14="http://schemas.microsoft.com/office/powerpoint/2010/main" val="468759333"/>
-      </p:ext>
-    </p:extLst>
-  </p:cSld>
-  <p:clrMapOvr>
-    <a:masterClrMapping/>
-  </p:clrMapOvr>
-  <p:hf hdr="0" dt="0"/>
-</p:sldLayout>
-</file>
-
 <file path=ppt/slideMasters/slideMaster1.xml><?xml version="1.0" encoding="utf-8"?>
-<p:sldMaster xmlns:a="http://schemas.openxmlformats.org/drawingml/2006/main" xmlns:r="http://schemas.openxmlformats.org/officeDocument/2006/relationships" xmlns:p="http://schemas.openxmlformats.org/presentationml/2006/main" preserve="1">
-  <p:cSld>
-    <p:bg>
-      <p:bgPr>
-        <a:solidFill>
-          <a:schemeClr val="bg1"/>
-        </a:solidFill>
-        <a:effectLst/>
-      </p:bgPr>
-    </p:bg>
-    <p:spTree>
-      <p:nvGrpSpPr>
-        <p:cNvPr id="1" name=""/>
-        <p:cNvGrpSpPr/>
-        <p:nvPr/>
-      </p:nvGrpSpPr>
-      <p:grpSpPr>
-        <a:xfrm>
-          <a:off x="0" y="0"/>
-          <a:ext cx="0" cy="0"/>
-          <a:chOff x="0" y="0"/>
-          <a:chExt cx="0" cy="0"/>
-        </a:xfrm>
-      </p:grpSpPr>
-      <p:sp>
-        <p:nvSpPr>
-          <p:cNvPr id="5" name="직사각형 4"/>
-          <p:cNvSpPr/>
-          <p:nvPr/>
-        </p:nvSpPr>
-        <p:spPr>
-          <a:xfrm>
-            <a:off x="0" y="-611"/>
-            <a:ext cx="9144000" cy="706619"/>
-          </a:xfrm>
-          <a:prstGeom prst="rect">
-            <a:avLst/>
-          </a:prstGeom>
-          <a:solidFill>
-            <a:schemeClr val="tx2">
-              <a:lumMod val="75000"/>
-            </a:schemeClr>
-          </a:solidFill>
-          <a:ln w="9525">
-            <a:noFill/>
-          </a:ln>
-        </p:spPr>
-        <p:style>
-          <a:lnRef idx="3">
-            <a:schemeClr val="lt1"/>
-          </a:lnRef>
-          <a:fillRef idx="1">
-            <a:schemeClr val="accent1"/>
-          </a:fillRef>
-          <a:effectRef idx="1">
-            <a:schemeClr val="accent1"/>
-          </a:effectRef>
-          <a:fontRef idx="minor">
-            <a:schemeClr val="lt1"/>
-          </a:fontRef>
-        </p:style>
-        <p:txBody>
-          <a:bodyPr lIns="252000" rtlCol="0" anchor="ctr"/>
-          <a:lstStyle/>
-          <a:p>
-            <a:pPr algn="ctr"/>
-            <a:endParaRPr lang="ko-KR" altLang="en-US" sz="1600" dirty="0">
-              <a:solidFill>
-                <a:srgbClr val="00B050"/>
-              </a:solidFill>
-              <a:latin typeface="Courier New" pitchFamily="49" charset="0"/>
-              <a:ea typeface="맑은 고딕" pitchFamily="50" charset="-127"/>
-              <a:cs typeface="Courier New" pitchFamily="49" charset="0"/>
-            </a:endParaRPr>
-          </a:p>
-        </p:txBody>
-      </p:sp>
-      <p:sp>
-        <p:nvSpPr>
-          <p:cNvPr id="2" name="Rectangle 2"/>
-          <p:cNvSpPr>
-            <a:spLocks noGrp="1" noChangeArrowheads="1"/>
-          </p:cNvSpPr>
-          <p:nvPr>
-            <p:ph type="title"/>
-          </p:nvPr>
-        </p:nvSpPr>
-        <p:spPr bwMode="auto">
-          <a:xfrm>
-            <a:off x="214313" y="55563"/>
-            <a:ext cx="8786812" cy="585787"/>
-          </a:xfrm>
-          <a:prstGeom prst="rect">
-            <a:avLst/>
-          </a:prstGeom>
-          <a:noFill/>
-          <a:ln w="9525">
-            <a:noFill/>
-            <a:miter lim="800000"/>
-            <a:headEnd/>
-            <a:tailEnd/>
-          </a:ln>
-          <a:effectLst>
-            <a:outerShdw dist="17961" dir="2700000" algn="ctr" rotWithShape="0">
-              <a:schemeClr val="tx1"/>
-            </a:outerShdw>
-          </a:effectLst>
-        </p:spPr>
-        <p:txBody>
-          <a:bodyPr vert="horz" wrap="square" lIns="91440" tIns="45720" rIns="91440" bIns="45720" numCol="1" anchor="ctr" anchorCtr="0" compatLnSpc="1">
-            <a:prstTxWarp prst="textNoShape">
-              <a:avLst/>
-            </a:prstTxWarp>
-          </a:bodyPr>
-          <a:lstStyle/>
-          <a:p>
-            <a:pPr lvl="0"/>
-            <a:r>
-              <a:rPr lang="ko-KR" altLang="en-US" dirty="0"/>
-              <a:t>마스터 제목 스타일 편집</a:t>
-            </a:r>
-          </a:p>
-        </p:txBody>
-      </p:sp>
-      <p:sp>
-        <p:nvSpPr>
-          <p:cNvPr id="1028" name="Rectangle 3"/>
-          <p:cNvSpPr>
-            <a:spLocks noGrp="1" noChangeArrowheads="1"/>
-          </p:cNvSpPr>
-          <p:nvPr>
-            <p:ph type="body" idx="1"/>
-          </p:nvPr>
-        </p:nvSpPr>
-        <p:spPr bwMode="auto">
-          <a:xfrm>
-            <a:off x="214313" y="1000125"/>
-            <a:ext cx="8786812" cy="5429250"/>
-          </a:xfrm>
-          <a:prstGeom prst="rect">
-            <a:avLst/>
-          </a:prstGeom>
-          <a:noFill/>
-          <a:ln w="9525">
-            <a:noFill/>
-            <a:miter lim="800000"/>
-            <a:headEnd/>
-            <a:tailEnd/>
-          </a:ln>
-        </p:spPr>
-        <p:txBody>
-          <a:bodyPr vert="horz" wrap="square" lIns="91440" tIns="45720" rIns="91440" bIns="45720" numCol="1" anchor="t" anchorCtr="0" compatLnSpc="1">
-            <a:prstTxWarp prst="textNoShape">
-              <a:avLst/>
-            </a:prstTxWarp>
-          </a:bodyPr>
-          <a:lstStyle/>
-          <a:p>
-            <a:pPr lvl="0"/>
-            <a:r>
-              <a:rPr lang="ko-KR" altLang="en-US" dirty="0"/>
-              <a:t>마스터 텍스트 스타일을 편집합니다</a:t>
-            </a:r>
-          </a:p>
-          <a:p>
-            <a:pPr lvl="1"/>
-            <a:r>
-              <a:rPr lang="ko-KR" altLang="en-US" dirty="0"/>
-              <a:t>둘째 수준</a:t>
-            </a:r>
-          </a:p>
-          <a:p>
-            <a:pPr lvl="2"/>
-            <a:r>
-              <a:rPr lang="ko-KR" altLang="en-US" dirty="0"/>
-              <a:t>셋째 수준</a:t>
-            </a:r>
-          </a:p>
-          <a:p>
-            <a:pPr lvl="3"/>
-            <a:r>
-              <a:rPr lang="ko-KR" altLang="en-US" dirty="0"/>
-              <a:t>넷째 수준</a:t>
-            </a:r>
-          </a:p>
-          <a:p>
-            <a:pPr lvl="4"/>
-            <a:r>
-              <a:rPr lang="ko-KR" altLang="en-US" dirty="0"/>
-              <a:t>다섯째 수준</a:t>
-            </a:r>
-          </a:p>
-        </p:txBody>
-      </p:sp>
-      <p:sp>
-        <p:nvSpPr>
-          <p:cNvPr id="3" name="Rectangle 4"/>
-          <p:cNvSpPr>
-            <a:spLocks noGrp="1" noChangeArrowheads="1"/>
-          </p:cNvSpPr>
-          <p:nvPr>
-            <p:ph type="dt" sz="half" idx="2"/>
-          </p:nvPr>
-        </p:nvSpPr>
-        <p:spPr bwMode="auto">
-          <a:xfrm>
-            <a:off x="214313" y="6562725"/>
-            <a:ext cx="1285875" cy="220663"/>
-          </a:xfrm>
-          <a:prstGeom prst="rect">
-            <a:avLst/>
-          </a:prstGeom>
-          <a:noFill/>
-          <a:ln w="9525">
-            <a:noFill/>
-            <a:miter lim="800000"/>
-            <a:headEnd/>
-            <a:tailEnd/>
-          </a:ln>
-          <a:effectLst/>
-        </p:spPr>
-        <p:txBody>
-          <a:bodyPr vert="horz" wrap="square" lIns="91440" tIns="45720" rIns="91440" bIns="45720" numCol="1" anchor="ctr" anchorCtr="0" compatLnSpc="1">
-            <a:prstTxWarp prst="textNoShape">
-              <a:avLst/>
-            </a:prstTxWarp>
-          </a:bodyPr>
-          <a:lstStyle>
-            <a:lvl1pPr>
-              <a:defRPr sz="1000">
-                <a:solidFill>
-                  <a:schemeClr val="tx2">
-                    <a:lumMod val="50000"/>
-                  </a:schemeClr>
-                </a:solidFill>
-                <a:latin typeface="굴림" pitchFamily="50" charset="-127"/>
-                <a:ea typeface="굴림" pitchFamily="50" charset="-127"/>
-              </a:defRPr>
-            </a:lvl1pPr>
-          </a:lstStyle>
-          <a:p>
-            <a:r>
-              <a:rPr lang="en-HK"/>
-              <a:t>1/14/13</a:t>
-            </a:r>
-            <a:endParaRPr lang="en-US"/>
-          </a:p>
-        </p:txBody>
-      </p:sp>
-      <p:sp>
-        <p:nvSpPr>
-          <p:cNvPr id="1030" name="Rectangle 6"/>
-          <p:cNvSpPr>
-            <a:spLocks noGrp="1" noChangeArrowheads="1"/>
-          </p:cNvSpPr>
-          <p:nvPr>
-            <p:ph type="sldNum" sz="quarter" idx="4"/>
-          </p:nvPr>
-        </p:nvSpPr>
-        <p:spPr bwMode="auto">
-          <a:xfrm>
-            <a:off x="7500938" y="6562725"/>
-            <a:ext cx="1071562" cy="220663"/>
-          </a:xfrm>
-          <a:prstGeom prst="rect">
-            <a:avLst/>
-          </a:prstGeom>
-          <a:noFill/>
-          <a:ln w="9525">
-            <a:noFill/>
-            <a:miter lim="800000"/>
-            <a:headEnd/>
-            <a:tailEnd/>
-          </a:ln>
-          <a:effectLst/>
-        </p:spPr>
-        <p:txBody>
-          <a:bodyPr vert="horz" wrap="square" lIns="91440" tIns="45720" rIns="91440" bIns="45720" numCol="1" anchor="ctr" anchorCtr="0" compatLnSpc="1">
-            <a:prstTxWarp prst="textNoShape">
-              <a:avLst/>
-            </a:prstTxWarp>
-          </a:bodyPr>
-          <a:lstStyle>
-            <a:lvl1pPr algn="r">
-              <a:defRPr sz="1000">
-                <a:solidFill>
-                  <a:schemeClr val="tx2">
-                    <a:lumMod val="50000"/>
-                  </a:schemeClr>
-                </a:solidFill>
-                <a:latin typeface="굴림" pitchFamily="50" charset="-127"/>
-                <a:ea typeface="굴림" pitchFamily="50" charset="-127"/>
-              </a:defRPr>
-            </a:lvl1pPr>
-          </a:lstStyle>
-          <a:p>
-            <a:fld id="{5BCC3F0E-9362-6D47-9781-DB401EE9B6B9}" type="slidenum">
-              <a:rPr lang="en-US" smtClean="0"/>
-              <a:pPr/>
-              <a:t>‹#›</a:t>
-            </a:fld>
-            <a:endParaRPr lang="en-US"/>
-          </a:p>
-        </p:txBody>
-      </p:sp>
-      <p:sp>
-        <p:nvSpPr>
-          <p:cNvPr id="8" name="Rectangle 5"/>
-          <p:cNvSpPr>
-            <a:spLocks noGrp="1" noChangeArrowheads="1"/>
-          </p:cNvSpPr>
-          <p:nvPr>
-            <p:ph type="ftr" sz="quarter" idx="3"/>
-          </p:nvPr>
-        </p:nvSpPr>
-        <p:spPr>
-          <a:xfrm>
-            <a:off x="3033713" y="6559550"/>
-            <a:ext cx="3038475" cy="220663"/>
-          </a:xfrm>
-          <a:prstGeom prst="rect">
-            <a:avLst/>
-          </a:prstGeom>
-        </p:spPr>
-        <p:txBody>
-          <a:bodyPr/>
-          <a:lstStyle>
-            <a:lvl1pPr algn="ctr">
-              <a:defRPr sz="1100" b="1">
-                <a:latin typeface="맑은 고딕" pitchFamily="50" charset="-127"/>
-                <a:ea typeface="맑은 고딕" pitchFamily="50" charset="-127"/>
-              </a:defRPr>
-            </a:lvl1pPr>
-          </a:lstStyle>
-          <a:p>
-            <a:r>
-              <a:rPr lang="en-US"/>
-              <a:t>CSCI3150 Intro to Operating Systems</a:t>
-            </a:r>
-          </a:p>
-        </p:txBody>
-      </p:sp>
-      <p:sp>
-        <p:nvSpPr>
-          <p:cNvPr id="10" name="직사각형 9"/>
-          <p:cNvSpPr/>
-          <p:nvPr/>
-        </p:nvSpPr>
-        <p:spPr>
-          <a:xfrm>
-            <a:off x="0" y="706008"/>
-            <a:ext cx="9144000" cy="45719"/>
-          </a:xfrm>
-          <a:prstGeom prst="rect">
-            <a:avLst/>
-          </a:prstGeom>
-          <a:solidFill>
-            <a:schemeClr val="accent1">
-              <a:lumMod val="75000"/>
-            </a:schemeClr>
-          </a:solidFill>
-          <a:ln w="9525">
-            <a:noFill/>
-          </a:ln>
-        </p:spPr>
-        <p:style>
-          <a:lnRef idx="3">
-            <a:schemeClr val="lt1"/>
-          </a:lnRef>
-          <a:fillRef idx="1">
-            <a:schemeClr val="accent1"/>
-          </a:fillRef>
-          <a:effectRef idx="1">
-            <a:schemeClr val="accent1"/>
-          </a:effectRef>
-          <a:fontRef idx="minor">
-            <a:schemeClr val="lt1"/>
-          </a:fontRef>
-        </p:style>
-        <p:txBody>
-          <a:bodyPr lIns="252000" rtlCol="0" anchor="ctr"/>
-          <a:lstStyle/>
-          <a:p>
-            <a:pPr algn="ctr"/>
-            <a:endParaRPr lang="ko-KR" altLang="en-US" sz="1600" dirty="0">
-              <a:solidFill>
-                <a:srgbClr val="00B050"/>
-              </a:solidFill>
-              <a:latin typeface="Courier New" pitchFamily="49" charset="0"/>
-              <a:ea typeface="맑은 고딕" pitchFamily="50" charset="-127"/>
-              <a:cs typeface="Courier New" pitchFamily="49" charset="0"/>
-            </a:endParaRPr>
-          </a:p>
-        </p:txBody>
-      </p:sp>
-    </p:spTree>
-    <p:extLst>
-      <p:ext uri="{BB962C8B-B14F-4D97-AF65-F5344CB8AC3E}">
-        <p14:creationId xmlns:p14="http://schemas.microsoft.com/office/powerpoint/2010/main" val="3586656904"/>
-      </p:ext>
-    </p:extLst>
-  </p:cSld>
-  <p:clrMap bg1="lt1" tx1="dk1" bg2="lt2" tx2="dk2" accent1="accent1" accent2="accent2" accent3="accent3" accent4="accent4" accent5="accent5" accent6="accent6" hlink="hlink" folHlink="folHlink"/>
-  <p:sldLayoutIdLst>
-    <p:sldLayoutId id="2147483773" r:id="rId1"/>
-    <p:sldLayoutId id="2147483774" r:id="rId2"/>
-    <p:sldLayoutId id="2147483775" r:id="rId3"/>
-    <p:sldLayoutId id="2147483776" r:id="rId4"/>
-  </p:sldLayoutIdLst>
-  <p:hf hdr="0" dt="0"/>
-  <p:txStyles>
-    <p:titleStyle>
-      <a:lvl1pPr algn="l" rtl="0" eaLnBrk="1" fontAlgn="base" latinLnBrk="1" hangingPunct="1">
-        <a:spcBef>
-          <a:spcPct val="0"/>
-        </a:spcBef>
-        <a:spcAft>
-          <a:spcPct val="0"/>
-        </a:spcAft>
-        <a:defRPr kumimoji="1" sz="2400">
-          <a:solidFill>
-            <a:schemeClr val="bg1"/>
-          </a:solidFill>
-          <a:latin typeface="+mj-lt"/>
-          <a:ea typeface="+mj-ea"/>
-          <a:cs typeface="+mj-cs"/>
-        </a:defRPr>
-      </a:lvl1pPr>
-      <a:lvl2pPr algn="l" rtl="0" eaLnBrk="1" fontAlgn="base" latinLnBrk="1" hangingPunct="1">
-        <a:spcBef>
-          <a:spcPct val="0"/>
-        </a:spcBef>
-        <a:spcAft>
-          <a:spcPct val="0"/>
-        </a:spcAft>
-        <a:defRPr kumimoji="1" sz="2400">
-          <a:solidFill>
-            <a:srgbClr val="FFFF00"/>
-          </a:solidFill>
-          <a:latin typeface="HY견고딕" pitchFamily="18" charset="-127"/>
-          <a:ea typeface="HY견고딕" pitchFamily="18" charset="-127"/>
-        </a:defRPr>
-      </a:lvl2pPr>
-      <a:lvl3pPr algn="l" rtl="0" eaLnBrk="1" fontAlgn="base" latinLnBrk="1" hangingPunct="1">
-        <a:spcBef>
-          <a:spcPct val="0"/>
-        </a:spcBef>
-        <a:spcAft>
-          <a:spcPct val="0"/>
-        </a:spcAft>
-        <a:defRPr kumimoji="1" sz="2400">
-          <a:solidFill>
-            <a:srgbClr val="FFFF00"/>
-          </a:solidFill>
-          <a:latin typeface="HY견고딕" pitchFamily="18" charset="-127"/>
-          <a:ea typeface="HY견고딕" pitchFamily="18" charset="-127"/>
-        </a:defRPr>
-      </a:lvl3pPr>
-      <a:lvl4pPr algn="l" rtl="0" eaLnBrk="1" fontAlgn="base" latinLnBrk="1" hangingPunct="1">
-        <a:spcBef>
-          <a:spcPct val="0"/>
-        </a:spcBef>
-        <a:spcAft>
-          <a:spcPct val="0"/>
-        </a:spcAft>
-        <a:defRPr kumimoji="1" sz="2400">
-          <a:solidFill>
-            <a:srgbClr val="FFFF00"/>
-          </a:solidFill>
-          <a:latin typeface="HY견고딕" pitchFamily="18" charset="-127"/>
-          <a:ea typeface="HY견고딕" pitchFamily="18" charset="-127"/>
-        </a:defRPr>
-      </a:lvl4pPr>
-      <a:lvl5pPr algn="l" rtl="0" eaLnBrk="1" fontAlgn="base" latinLnBrk="1" hangingPunct="1">
-        <a:spcBef>
-          <a:spcPct val="0"/>
-        </a:spcBef>
-        <a:spcAft>
-          <a:spcPct val="0"/>
-        </a:spcAft>
-        <a:defRPr kumimoji="1" sz="2400">
-          <a:solidFill>
-            <a:srgbClr val="FFFF00"/>
-          </a:solidFill>
-          <a:latin typeface="HY견고딕" pitchFamily="18" charset="-127"/>
-          <a:ea typeface="HY견고딕" pitchFamily="18" charset="-127"/>
-        </a:defRPr>
-      </a:lvl5pPr>
-      <a:lvl6pPr marL="457200" algn="l" rtl="0" eaLnBrk="1" fontAlgn="base" latinLnBrk="1" hangingPunct="1">
-        <a:spcBef>
-          <a:spcPct val="0"/>
-        </a:spcBef>
-        <a:spcAft>
-          <a:spcPct val="0"/>
-        </a:spcAft>
-        <a:defRPr kumimoji="1" sz="3000">
-          <a:solidFill>
-            <a:schemeClr val="bg1"/>
-          </a:solidFill>
-          <a:latin typeface="HY견고딕" pitchFamily="18" charset="-127"/>
-          <a:ea typeface="HY견고딕" pitchFamily="18" charset="-127"/>
-        </a:defRPr>
-      </a:lvl6pPr>
-      <a:lvl7pPr marL="914400" algn="l" rtl="0" eaLnBrk="1" fontAlgn="base" latinLnBrk="1" hangingPunct="1">
-        <a:spcBef>
-          <a:spcPct val="0"/>
-        </a:spcBef>
-        <a:spcAft>
-          <a:spcPct val="0"/>
-        </a:spcAft>
-        <a:defRPr kumimoji="1" sz="3000">
-          <a:solidFill>
-            <a:schemeClr val="bg1"/>
-          </a:solidFill>
-          <a:latin typeface="HY견고딕" pitchFamily="18" charset="-127"/>
-          <a:ea typeface="HY견고딕" pitchFamily="18" charset="-127"/>
-        </a:defRPr>
-      </a:lvl7pPr>
-      <a:lvl8pPr marL="1371600" algn="l" rtl="0" eaLnBrk="1" fontAlgn="base" latinLnBrk="1" hangingPunct="1">
-        <a:spcBef>
-          <a:spcPct val="0"/>
-        </a:spcBef>
-        <a:spcAft>
-          <a:spcPct val="0"/>
-        </a:spcAft>
-        <a:defRPr kumimoji="1" sz="3000">
-          <a:solidFill>
-            <a:schemeClr val="bg1"/>
-          </a:solidFill>
-          <a:latin typeface="HY견고딕" pitchFamily="18" charset="-127"/>
-          <a:ea typeface="HY견고딕" pitchFamily="18" charset="-127"/>
-        </a:defRPr>
-      </a:lvl8pPr>
-      <a:lvl9pPr marL="1828800" algn="l" rtl="0" eaLnBrk="1" fontAlgn="base" latinLnBrk="1" hangingPunct="1">
-        <a:spcBef>
-          <a:spcPct val="0"/>
-        </a:spcBef>
-        <a:spcAft>
-          <a:spcPct val="0"/>
-        </a:spcAft>
-        <a:defRPr kumimoji="1" sz="3000">
-          <a:solidFill>
-            <a:schemeClr val="bg1"/>
-          </a:solidFill>
-          <a:latin typeface="HY견고딕" pitchFamily="18" charset="-127"/>
-          <a:ea typeface="HY견고딕" pitchFamily="18" charset="-127"/>
-        </a:defRPr>
-      </a:lvl9pPr>
-    </p:titleStyle>
-    <p:bodyStyle>
-      <a:lvl1pPr marL="342900" indent="-342900" algn="l" rtl="0" eaLnBrk="1" fontAlgn="base" latinLnBrk="1" hangingPunct="1">
-        <a:spcBef>
-          <a:spcPct val="20000"/>
-        </a:spcBef>
-        <a:spcAft>
-          <a:spcPct val="0"/>
-        </a:spcAft>
-        <a:buClr>
-          <a:srgbClr val="002060"/>
-        </a:buClr>
-        <a:buSzPct val="65000"/>
-        <a:buFont typeface="Wingdings" pitchFamily="2" charset="2"/>
-        <a:buChar char=""/>
-        <a:defRPr kumimoji="1" sz="2000">
-          <a:solidFill>
-            <a:srgbClr val="10253F"/>
-          </a:solidFill>
-          <a:latin typeface="맑은 고딕" pitchFamily="50" charset="-127"/>
-          <a:ea typeface="맑은 고딕" pitchFamily="50" charset="-127"/>
-          <a:cs typeface="+mn-cs"/>
-        </a:defRPr>
-      </a:lvl1pPr>
-      <a:lvl2pPr marL="742950" indent="-285750" algn="l" rtl="0" eaLnBrk="1" fontAlgn="base" latinLnBrk="1" hangingPunct="1">
-        <a:spcBef>
-          <a:spcPct val="20000"/>
-        </a:spcBef>
-        <a:spcAft>
-          <a:spcPct val="0"/>
-        </a:spcAft>
-        <a:buClr>
-          <a:srgbClr val="007E3C"/>
-        </a:buClr>
-        <a:buSzPct val="100000"/>
-        <a:buFont typeface="Wingdings" pitchFamily="2" charset="2"/>
-        <a:buChar char=""/>
-        <a:defRPr kumimoji="1">
-          <a:solidFill>
-            <a:srgbClr val="10253F"/>
-          </a:solidFill>
-          <a:latin typeface="맑은 고딕" pitchFamily="50" charset="-127"/>
-          <a:ea typeface="맑은 고딕" pitchFamily="50" charset="-127"/>
-        </a:defRPr>
-      </a:lvl2pPr>
-      <a:lvl3pPr marL="1143000" indent="-228600" algn="l" rtl="0" eaLnBrk="1" fontAlgn="base" latinLnBrk="1" hangingPunct="1">
-        <a:spcBef>
-          <a:spcPct val="20000"/>
-        </a:spcBef>
-        <a:spcAft>
-          <a:spcPct val="0"/>
-        </a:spcAft>
-        <a:buClr>
-          <a:srgbClr val="002060"/>
-        </a:buClr>
-        <a:buSzPct val="65000"/>
-        <a:buFont typeface="Wingdings" pitchFamily="2" charset="2"/>
-        <a:buChar char=""/>
-        <a:defRPr kumimoji="1" sz="1600">
-          <a:solidFill>
-            <a:srgbClr val="10253F"/>
-          </a:solidFill>
-          <a:latin typeface="맑은 고딕" pitchFamily="50" charset="-127"/>
-          <a:ea typeface="맑은 고딕" pitchFamily="50" charset="-127"/>
-        </a:defRPr>
-      </a:lvl3pPr>
-      <a:lvl4pPr marL="1600200" indent="-228600" algn="l" rtl="0" eaLnBrk="1" fontAlgn="base" latinLnBrk="1" hangingPunct="1">
-        <a:spcBef>
-          <a:spcPct val="20000"/>
-        </a:spcBef>
-        <a:spcAft>
-          <a:spcPct val="0"/>
-        </a:spcAft>
-        <a:buClr>
-          <a:srgbClr val="00B03C"/>
-        </a:buClr>
-        <a:buSzPct val="65000"/>
-        <a:buFont typeface="Wingdings" pitchFamily="2" charset="2"/>
-        <a:buChar char=""/>
-        <a:defRPr kumimoji="1" sz="1400">
-          <a:solidFill>
-            <a:srgbClr val="10253F"/>
-          </a:solidFill>
-          <a:latin typeface="맑은 고딕" pitchFamily="50" charset="-127"/>
-          <a:ea typeface="맑은 고딕" pitchFamily="50" charset="-127"/>
-        </a:defRPr>
-      </a:lvl4pPr>
-      <a:lvl5pPr marL="2057400" indent="-228600" algn="l" rtl="0" eaLnBrk="1" fontAlgn="base" latinLnBrk="1" hangingPunct="1">
-        <a:spcBef>
-          <a:spcPct val="20000"/>
-        </a:spcBef>
-        <a:spcAft>
-          <a:spcPct val="0"/>
-        </a:spcAft>
-        <a:buClr>
-          <a:srgbClr val="002060"/>
-        </a:buClr>
-        <a:buFont typeface="Wingdings" pitchFamily="2" charset="2"/>
-        <a:buChar char=""/>
-        <a:defRPr kumimoji="1" sz="1400">
-          <a:solidFill>
-            <a:srgbClr val="10253F"/>
-          </a:solidFill>
-          <a:latin typeface="맑은 고딕" pitchFamily="50" charset="-127"/>
-          <a:ea typeface="맑은 고딕" pitchFamily="50" charset="-127"/>
-        </a:defRPr>
-      </a:lvl5pPr>
-      <a:lvl6pPr marL="2514600" indent="-228600" algn="l" rtl="0" eaLnBrk="1" fontAlgn="base" latinLnBrk="1" hangingPunct="1">
-        <a:spcBef>
-          <a:spcPct val="20000"/>
-        </a:spcBef>
-        <a:spcAft>
-          <a:spcPct val="0"/>
-        </a:spcAft>
-        <a:buChar char="»"/>
-        <a:defRPr kumimoji="1" sz="2000">
-          <a:solidFill>
-            <a:schemeClr val="tx1"/>
-          </a:solidFill>
-          <a:latin typeface="+mn-lt"/>
-          <a:ea typeface="+mn-ea"/>
-        </a:defRPr>
-      </a:lvl6pPr>
-      <a:lvl7pPr marL="2971800" indent="-228600" algn="l" rtl="0" eaLnBrk="1" fontAlgn="base" latinLnBrk="1" hangingPunct="1">
-        <a:spcBef>
-          <a:spcPct val="20000"/>
-        </a:spcBef>
-        <a:spcAft>
-          <a:spcPct val="0"/>
-        </a:spcAft>
-        <a:buChar char="»"/>
-        <a:defRPr kumimoji="1" sz="2000">
-          <a:solidFill>
-            <a:schemeClr val="tx1"/>
-          </a:solidFill>
-          <a:latin typeface="+mn-lt"/>
-          <a:ea typeface="+mn-ea"/>
-        </a:defRPr>
-      </a:lvl7pPr>
-      <a:lvl8pPr marL="3429000" indent="-228600" algn="l" rtl="0" eaLnBrk="1" fontAlgn="base" latinLnBrk="1" hangingPunct="1">
-        <a:spcBef>
-          <a:spcPct val="20000"/>
-        </a:spcBef>
-        <a:spcAft>
-          <a:spcPct val="0"/>
-        </a:spcAft>
-        <a:buChar char="»"/>
-        <a:defRPr kumimoji="1" sz="2000">
-          <a:solidFill>
-            <a:schemeClr val="tx1"/>
-          </a:solidFill>
-          <a:latin typeface="+mn-lt"/>
-          <a:ea typeface="+mn-ea"/>
-        </a:defRPr>
-      </a:lvl8pPr>
-      <a:lvl9pPr marL="3886200" indent="-228600" algn="l" rtl="0" eaLnBrk="1" fontAlgn="base" latinLnBrk="1" hangingPunct="1">
-        <a:spcBef>
-          <a:spcPct val="20000"/>
-        </a:spcBef>
-        <a:spcAft>
-          <a:spcPct val="0"/>
-        </a:spcAft>
-        <a:buChar char="»"/>
-        <a:defRPr kumimoji="1" sz="2000">
-          <a:solidFill>
-            <a:schemeClr val="tx1"/>
-          </a:solidFill>
-          <a:latin typeface="+mn-lt"/>
-          <a:ea typeface="+mn-ea"/>
-        </a:defRPr>
-      </a:lvl9pPr>
-    </p:bodyStyle>
-    <p:otherStyle>
-      <a:defPPr>
-        <a:defRPr lang="ko-KR"/>
-      </a:defPPr>
-      <a:lvl1pPr marL="0" algn="l" defTabSz="914400" rtl="0" eaLnBrk="1" latinLnBrk="1" hangingPunct="1">
-        <a:defRPr sz="1800" kern="1200">
-          <a:solidFill>
-            <a:schemeClr val="tx1"/>
-          </a:solidFill>
-          <a:latin typeface="+mn-lt"/>
-          <a:ea typeface="+mn-ea"/>
-          <a:cs typeface="+mn-cs"/>
-        </a:defRPr>
-      </a:lvl1pPr>
-      <a:lvl2pPr marL="457200" algn="l" defTabSz="914400" rtl="0" eaLnBrk="1" latinLnBrk="1" hangingPunct="1">
-        <a:defRPr sz="1800" kern="1200">
-          <a:solidFill>
-            <a:schemeClr val="tx1"/>
-          </a:solidFill>
-          <a:latin typeface="+mn-lt"/>
-          <a:ea typeface="+mn-ea"/>
-          <a:cs typeface="+mn-cs"/>
-        </a:defRPr>
-      </a:lvl2pPr>
-      <a:lvl3pPr marL="914400" algn="l" defTabSz="914400" rtl="0" eaLnBrk="1" latinLnBrk="1" hangingPunct="1">
-        <a:defRPr sz="1800" kern="1200">
-          <a:solidFill>
-            <a:schemeClr val="tx1"/>
-          </a:solidFill>
-          <a:latin typeface="+mn-lt"/>
-          <a:ea typeface="+mn-ea"/>
-          <a:cs typeface="+mn-cs"/>
-        </a:defRPr>
-      </a:lvl3pPr>
-      <a:lvl4pPr marL="1371600" algn="l" defTabSz="914400" rtl="0" eaLnBrk="1" latinLnBrk="1" hangingPunct="1">
-        <a:defRPr sz="1800" kern="1200">
-          <a:solidFill>
-            <a:schemeClr val="tx1"/>
-          </a:solidFill>
-          <a:latin typeface="+mn-lt"/>
-          <a:ea typeface="+mn-ea"/>
-          <a:cs typeface="+mn-cs"/>
-        </a:defRPr>
-      </a:lvl4pPr>
-      <a:lvl5pPr marL="1828800" algn="l" defTabSz="914400" rtl="0" eaLnBrk="1" latinLnBrk="1" hangingPunct="1">
-        <a:defRPr sz="1800" kern="1200">
-          <a:solidFill>
-            <a:schemeClr val="tx1"/>
-          </a:solidFill>
-          <a:latin typeface="+mn-lt"/>
-          <a:ea typeface="+mn-ea"/>
-          <a:cs typeface="+mn-cs"/>
-        </a:defRPr>
-      </a:lvl5pPr>
-      <a:lvl6pPr marL="2286000" algn="l" defTabSz="914400" rtl="0" eaLnBrk="1" latinLnBrk="1" hangingPunct="1">
-        <a:defRPr sz="1800" kern="1200">
-          <a:solidFill>
-            <a:schemeClr val="tx1"/>
-          </a:solidFill>
-          <a:latin typeface="+mn-lt"/>
-          <a:ea typeface="+mn-ea"/>
-          <a:cs typeface="+mn-cs"/>
-        </a:defRPr>
-      </a:lvl6pPr>
-      <a:lvl7pPr marL="2743200" algn="l" defTabSz="914400" rtl="0" eaLnBrk="1" latinLnBrk="1" hangingPunct="1">
-        <a:defRPr sz="1800" kern="1200">
-          <a:solidFill>
-            <a:schemeClr val="tx1"/>
-          </a:solidFill>
-          <a:latin typeface="+mn-lt"/>
-          <a:ea typeface="+mn-ea"/>
-          <a:cs typeface="+mn-cs"/>
-        </a:defRPr>
-      </a:lvl7pPr>
-      <a:lvl8pPr marL="3200400" algn="l" defTabSz="914400" rtl="0" eaLnBrk="1" latinLnBrk="1" hangingPunct="1">
-        <a:defRPr sz="1800" kern="1200">
-          <a:solidFill>
-            <a:schemeClr val="tx1"/>
-          </a:solidFill>
-          <a:latin typeface="+mn-lt"/>
-          <a:ea typeface="+mn-ea"/>
-          <a:cs typeface="+mn-cs"/>
-        </a:defRPr>
-      </a:lvl8pPr>
-      <a:lvl9pPr marL="3657600" algn="l" defTabSz="914400" rtl="0" eaLnBrk="1" latinLnBrk="1" hangingPunct="1">
-        <a:defRPr sz="1800" kern="1200">
-          <a:solidFill>
-            <a:schemeClr val="tx1"/>
-          </a:solidFill>
-          <a:latin typeface="+mn-lt"/>
-          <a:ea typeface="+mn-ea"/>
-          <a:cs typeface="+mn-cs"/>
-        </a:defRPr>
-      </a:lvl9pPr>
-    </p:otherStyle>
-  </p:txStyles>
-</p:sldMaster>
-</file>
-
-<file path=ppt/slideMasters/slideMaster2.xml><?xml version="1.0" encoding="utf-8"?>
 <p:sldMaster xmlns:a="http://schemas.openxmlformats.org/drawingml/2006/main" xmlns:r="http://schemas.openxmlformats.org/officeDocument/2006/relationships" xmlns:p="http://schemas.openxmlformats.org/presentationml/2006/main" preserve="1">
   <p:cSld>
     <p:bg>
@@ -7028,1637 +2862,6 @@
     </p:titleStyle>
     <p:bodyStyle>
       <a:lvl1pPr marL="342900" indent="-342900" algn="l" rtl="0" eaLnBrk="1" fontAlgn="base" latinLnBrk="0" hangingPunct="1">
-        <a:spcBef>
-          <a:spcPct val="20000"/>
-        </a:spcBef>
-        <a:spcAft>
-          <a:spcPct val="0"/>
-        </a:spcAft>
-        <a:buClr>
-          <a:srgbClr val="002060"/>
-        </a:buClr>
-        <a:buSzPct val="65000"/>
-        <a:buFont typeface="Wingdings" pitchFamily="2" charset="2"/>
-        <a:buChar char=""/>
-        <a:defRPr kumimoji="1" sz="2000">
-          <a:solidFill>
-            <a:srgbClr val="10253F"/>
-          </a:solidFill>
-          <a:latin typeface="맑은 고딕" pitchFamily="50" charset="-127"/>
-          <a:ea typeface="맑은 고딕" pitchFamily="50" charset="-127"/>
-          <a:cs typeface="+mn-cs"/>
-        </a:defRPr>
-      </a:lvl1pPr>
-      <a:lvl2pPr marL="742950" indent="-285750" algn="l" rtl="0" eaLnBrk="1" fontAlgn="base" latinLnBrk="1" hangingPunct="1">
-        <a:spcBef>
-          <a:spcPct val="20000"/>
-        </a:spcBef>
-        <a:spcAft>
-          <a:spcPct val="0"/>
-        </a:spcAft>
-        <a:buClr>
-          <a:srgbClr val="007E3C"/>
-        </a:buClr>
-        <a:buSzPct val="100000"/>
-        <a:buFont typeface="Wingdings" pitchFamily="2" charset="2"/>
-        <a:buChar char=""/>
-        <a:defRPr kumimoji="1">
-          <a:solidFill>
-            <a:srgbClr val="10253F"/>
-          </a:solidFill>
-          <a:latin typeface="맑은 고딕" pitchFamily="50" charset="-127"/>
-          <a:ea typeface="맑은 고딕" pitchFamily="50" charset="-127"/>
-        </a:defRPr>
-      </a:lvl2pPr>
-      <a:lvl3pPr marL="1143000" indent="-228600" algn="l" rtl="0" eaLnBrk="1" fontAlgn="base" latinLnBrk="1" hangingPunct="1">
-        <a:spcBef>
-          <a:spcPct val="20000"/>
-        </a:spcBef>
-        <a:spcAft>
-          <a:spcPct val="0"/>
-        </a:spcAft>
-        <a:buClr>
-          <a:srgbClr val="002060"/>
-        </a:buClr>
-        <a:buSzPct val="65000"/>
-        <a:buFont typeface="Wingdings" pitchFamily="2" charset="2"/>
-        <a:buChar char=""/>
-        <a:defRPr kumimoji="1" sz="1600">
-          <a:solidFill>
-            <a:srgbClr val="10253F"/>
-          </a:solidFill>
-          <a:latin typeface="맑은 고딕" pitchFamily="50" charset="-127"/>
-          <a:ea typeface="맑은 고딕" pitchFamily="50" charset="-127"/>
-        </a:defRPr>
-      </a:lvl3pPr>
-      <a:lvl4pPr marL="1600200" indent="-228600" algn="l" rtl="0" eaLnBrk="1" fontAlgn="base" latinLnBrk="1" hangingPunct="1">
-        <a:spcBef>
-          <a:spcPct val="20000"/>
-        </a:spcBef>
-        <a:spcAft>
-          <a:spcPct val="0"/>
-        </a:spcAft>
-        <a:buClr>
-          <a:srgbClr val="00B03C"/>
-        </a:buClr>
-        <a:buSzPct val="65000"/>
-        <a:buFont typeface="Wingdings" pitchFamily="2" charset="2"/>
-        <a:buChar char=""/>
-        <a:defRPr kumimoji="1" sz="1400">
-          <a:solidFill>
-            <a:srgbClr val="10253F"/>
-          </a:solidFill>
-          <a:latin typeface="맑은 고딕" pitchFamily="50" charset="-127"/>
-          <a:ea typeface="맑은 고딕" pitchFamily="50" charset="-127"/>
-        </a:defRPr>
-      </a:lvl4pPr>
-      <a:lvl5pPr marL="2057400" indent="-228600" algn="l" rtl="0" eaLnBrk="1" fontAlgn="base" latinLnBrk="1" hangingPunct="1">
-        <a:spcBef>
-          <a:spcPct val="20000"/>
-        </a:spcBef>
-        <a:spcAft>
-          <a:spcPct val="0"/>
-        </a:spcAft>
-        <a:buClr>
-          <a:srgbClr val="002060"/>
-        </a:buClr>
-        <a:buFont typeface="Wingdings" pitchFamily="2" charset="2"/>
-        <a:buChar char=""/>
-        <a:defRPr kumimoji="1" sz="1400">
-          <a:solidFill>
-            <a:srgbClr val="10253F"/>
-          </a:solidFill>
-          <a:latin typeface="맑은 고딕" pitchFamily="50" charset="-127"/>
-          <a:ea typeface="맑은 고딕" pitchFamily="50" charset="-127"/>
-        </a:defRPr>
-      </a:lvl5pPr>
-      <a:lvl6pPr marL="2514600" indent="-228600" algn="l" rtl="0" eaLnBrk="1" fontAlgn="base" latinLnBrk="1" hangingPunct="1">
-        <a:spcBef>
-          <a:spcPct val="20000"/>
-        </a:spcBef>
-        <a:spcAft>
-          <a:spcPct val="0"/>
-        </a:spcAft>
-        <a:buChar char="»"/>
-        <a:defRPr kumimoji="1" sz="2000">
-          <a:solidFill>
-            <a:schemeClr val="tx1"/>
-          </a:solidFill>
-          <a:latin typeface="+mn-lt"/>
-          <a:ea typeface="+mn-ea"/>
-        </a:defRPr>
-      </a:lvl6pPr>
-      <a:lvl7pPr marL="2971800" indent="-228600" algn="l" rtl="0" eaLnBrk="1" fontAlgn="base" latinLnBrk="1" hangingPunct="1">
-        <a:spcBef>
-          <a:spcPct val="20000"/>
-        </a:spcBef>
-        <a:spcAft>
-          <a:spcPct val="0"/>
-        </a:spcAft>
-        <a:buChar char="»"/>
-        <a:defRPr kumimoji="1" sz="2000">
-          <a:solidFill>
-            <a:schemeClr val="tx1"/>
-          </a:solidFill>
-          <a:latin typeface="+mn-lt"/>
-          <a:ea typeface="+mn-ea"/>
-        </a:defRPr>
-      </a:lvl7pPr>
-      <a:lvl8pPr marL="3429000" indent="-228600" algn="l" rtl="0" eaLnBrk="1" fontAlgn="base" latinLnBrk="1" hangingPunct="1">
-        <a:spcBef>
-          <a:spcPct val="20000"/>
-        </a:spcBef>
-        <a:spcAft>
-          <a:spcPct val="0"/>
-        </a:spcAft>
-        <a:buChar char="»"/>
-        <a:defRPr kumimoji="1" sz="2000">
-          <a:solidFill>
-            <a:schemeClr val="tx1"/>
-          </a:solidFill>
-          <a:latin typeface="+mn-lt"/>
-          <a:ea typeface="+mn-ea"/>
-        </a:defRPr>
-      </a:lvl8pPr>
-      <a:lvl9pPr marL="3886200" indent="-228600" algn="l" rtl="0" eaLnBrk="1" fontAlgn="base" latinLnBrk="1" hangingPunct="1">
-        <a:spcBef>
-          <a:spcPct val="20000"/>
-        </a:spcBef>
-        <a:spcAft>
-          <a:spcPct val="0"/>
-        </a:spcAft>
-        <a:buChar char="»"/>
-        <a:defRPr kumimoji="1" sz="2000">
-          <a:solidFill>
-            <a:schemeClr val="tx1"/>
-          </a:solidFill>
-          <a:latin typeface="+mn-lt"/>
-          <a:ea typeface="+mn-ea"/>
-        </a:defRPr>
-      </a:lvl9pPr>
-    </p:bodyStyle>
-    <p:otherStyle>
-      <a:defPPr>
-        <a:defRPr lang="ko-KR"/>
-      </a:defPPr>
-      <a:lvl1pPr marL="0" algn="l" defTabSz="914400" rtl="0" eaLnBrk="1" latinLnBrk="1" hangingPunct="1">
-        <a:defRPr sz="1800" kern="1200">
-          <a:solidFill>
-            <a:schemeClr val="tx1"/>
-          </a:solidFill>
-          <a:latin typeface="+mn-lt"/>
-          <a:ea typeface="+mn-ea"/>
-          <a:cs typeface="+mn-cs"/>
-        </a:defRPr>
-      </a:lvl1pPr>
-      <a:lvl2pPr marL="457200" algn="l" defTabSz="914400" rtl="0" eaLnBrk="1" latinLnBrk="1" hangingPunct="1">
-        <a:defRPr sz="1800" kern="1200">
-          <a:solidFill>
-            <a:schemeClr val="tx1"/>
-          </a:solidFill>
-          <a:latin typeface="+mn-lt"/>
-          <a:ea typeface="+mn-ea"/>
-          <a:cs typeface="+mn-cs"/>
-        </a:defRPr>
-      </a:lvl2pPr>
-      <a:lvl3pPr marL="914400" algn="l" defTabSz="914400" rtl="0" eaLnBrk="1" latinLnBrk="1" hangingPunct="1">
-        <a:defRPr sz="1800" kern="1200">
-          <a:solidFill>
-            <a:schemeClr val="tx1"/>
-          </a:solidFill>
-          <a:latin typeface="+mn-lt"/>
-          <a:ea typeface="+mn-ea"/>
-          <a:cs typeface="+mn-cs"/>
-        </a:defRPr>
-      </a:lvl3pPr>
-      <a:lvl4pPr marL="1371600" algn="l" defTabSz="914400" rtl="0" eaLnBrk="1" latinLnBrk="1" hangingPunct="1">
-        <a:defRPr sz="1800" kern="1200">
-          <a:solidFill>
-            <a:schemeClr val="tx1"/>
-          </a:solidFill>
-          <a:latin typeface="+mn-lt"/>
-          <a:ea typeface="+mn-ea"/>
-          <a:cs typeface="+mn-cs"/>
-        </a:defRPr>
-      </a:lvl4pPr>
-      <a:lvl5pPr marL="1828800" algn="l" defTabSz="914400" rtl="0" eaLnBrk="1" latinLnBrk="1" hangingPunct="1">
-        <a:defRPr sz="1800" kern="1200">
-          <a:solidFill>
-            <a:schemeClr val="tx1"/>
-          </a:solidFill>
-          <a:latin typeface="+mn-lt"/>
-          <a:ea typeface="+mn-ea"/>
-          <a:cs typeface="+mn-cs"/>
-        </a:defRPr>
-      </a:lvl5pPr>
-      <a:lvl6pPr marL="2286000" algn="l" defTabSz="914400" rtl="0" eaLnBrk="1" latinLnBrk="1" hangingPunct="1">
-        <a:defRPr sz="1800" kern="1200">
-          <a:solidFill>
-            <a:schemeClr val="tx1"/>
-          </a:solidFill>
-          <a:latin typeface="+mn-lt"/>
-          <a:ea typeface="+mn-ea"/>
-          <a:cs typeface="+mn-cs"/>
-        </a:defRPr>
-      </a:lvl6pPr>
-      <a:lvl7pPr marL="2743200" algn="l" defTabSz="914400" rtl="0" eaLnBrk="1" latinLnBrk="1" hangingPunct="1">
-        <a:defRPr sz="1800" kern="1200">
-          <a:solidFill>
-            <a:schemeClr val="tx1"/>
-          </a:solidFill>
-          <a:latin typeface="+mn-lt"/>
-          <a:ea typeface="+mn-ea"/>
-          <a:cs typeface="+mn-cs"/>
-        </a:defRPr>
-      </a:lvl7pPr>
-      <a:lvl8pPr marL="3200400" algn="l" defTabSz="914400" rtl="0" eaLnBrk="1" latinLnBrk="1" hangingPunct="1">
-        <a:defRPr sz="1800" kern="1200">
-          <a:solidFill>
-            <a:schemeClr val="tx1"/>
-          </a:solidFill>
-          <a:latin typeface="+mn-lt"/>
-          <a:ea typeface="+mn-ea"/>
-          <a:cs typeface="+mn-cs"/>
-        </a:defRPr>
-      </a:lvl8pPr>
-      <a:lvl9pPr marL="3657600" algn="l" defTabSz="914400" rtl="0" eaLnBrk="1" latinLnBrk="1" hangingPunct="1">
-        <a:defRPr sz="1800" kern="1200">
-          <a:solidFill>
-            <a:schemeClr val="tx1"/>
-          </a:solidFill>
-          <a:latin typeface="+mn-lt"/>
-          <a:ea typeface="+mn-ea"/>
-          <a:cs typeface="+mn-cs"/>
-        </a:defRPr>
-      </a:lvl9pPr>
-    </p:otherStyle>
-  </p:txStyles>
-</p:sldMaster>
-</file>
-
-<file path=ppt/slideMasters/slideMaster3.xml><?xml version="1.0" encoding="utf-8"?>
-<p:sldMaster xmlns:a="http://schemas.openxmlformats.org/drawingml/2006/main" xmlns:r="http://schemas.openxmlformats.org/officeDocument/2006/relationships" xmlns:p="http://schemas.openxmlformats.org/presentationml/2006/main" preserve="1">
-  <p:cSld>
-    <p:bg>
-      <p:bgPr>
-        <a:solidFill>
-          <a:schemeClr val="bg1"/>
-        </a:solidFill>
-        <a:effectLst/>
-      </p:bgPr>
-    </p:bg>
-    <p:spTree>
-      <p:nvGrpSpPr>
-        <p:cNvPr id="1" name=""/>
-        <p:cNvGrpSpPr/>
-        <p:nvPr/>
-      </p:nvGrpSpPr>
-      <p:grpSpPr>
-        <a:xfrm>
-          <a:off x="0" y="0"/>
-          <a:ext cx="0" cy="0"/>
-          <a:chOff x="0" y="0"/>
-          <a:chExt cx="0" cy="0"/>
-        </a:xfrm>
-      </p:grpSpPr>
-      <p:sp>
-        <p:nvSpPr>
-          <p:cNvPr id="5" name="직사각형 4"/>
-          <p:cNvSpPr/>
-          <p:nvPr/>
-        </p:nvSpPr>
-        <p:spPr>
-          <a:xfrm>
-            <a:off x="0" y="-611"/>
-            <a:ext cx="9144000" cy="706619"/>
-          </a:xfrm>
-          <a:prstGeom prst="rect">
-            <a:avLst/>
-          </a:prstGeom>
-          <a:solidFill>
-            <a:schemeClr val="tx2">
-              <a:lumMod val="75000"/>
-            </a:schemeClr>
-          </a:solidFill>
-          <a:ln w="9525">
-            <a:noFill/>
-          </a:ln>
-        </p:spPr>
-        <p:style>
-          <a:lnRef idx="3">
-            <a:schemeClr val="lt1"/>
-          </a:lnRef>
-          <a:fillRef idx="1">
-            <a:schemeClr val="accent1"/>
-          </a:fillRef>
-          <a:effectRef idx="1">
-            <a:schemeClr val="accent1"/>
-          </a:effectRef>
-          <a:fontRef idx="minor">
-            <a:schemeClr val="lt1"/>
-          </a:fontRef>
-        </p:style>
-        <p:txBody>
-          <a:bodyPr lIns="252000" rtlCol="0" anchor="ctr"/>
-          <a:lstStyle/>
-          <a:p>
-            <a:pPr algn="ctr"/>
-            <a:endParaRPr lang="ko-KR" altLang="en-US" sz="1600" dirty="0">
-              <a:solidFill>
-                <a:srgbClr val="00B050"/>
-              </a:solidFill>
-              <a:latin typeface="Courier New" pitchFamily="49" charset="0"/>
-              <a:ea typeface="맑은 고딕" pitchFamily="50" charset="-127"/>
-              <a:cs typeface="Courier New" pitchFamily="49" charset="0"/>
-            </a:endParaRPr>
-          </a:p>
-        </p:txBody>
-      </p:sp>
-      <p:sp>
-        <p:nvSpPr>
-          <p:cNvPr id="2" name="Rectangle 2"/>
-          <p:cNvSpPr>
-            <a:spLocks noGrp="1" noChangeArrowheads="1"/>
-          </p:cNvSpPr>
-          <p:nvPr>
-            <p:ph type="title"/>
-          </p:nvPr>
-        </p:nvSpPr>
-        <p:spPr bwMode="auto">
-          <a:xfrm>
-            <a:off x="214313" y="55563"/>
-            <a:ext cx="8786812" cy="585787"/>
-          </a:xfrm>
-          <a:prstGeom prst="rect">
-            <a:avLst/>
-          </a:prstGeom>
-          <a:noFill/>
-          <a:ln w="9525">
-            <a:noFill/>
-            <a:miter lim="800000"/>
-            <a:headEnd/>
-            <a:tailEnd/>
-          </a:ln>
-          <a:effectLst>
-            <a:outerShdw dist="17961" dir="2700000" algn="ctr" rotWithShape="0">
-              <a:schemeClr val="tx1"/>
-            </a:outerShdw>
-          </a:effectLst>
-        </p:spPr>
-        <p:txBody>
-          <a:bodyPr vert="horz" wrap="square" lIns="91440" tIns="45720" rIns="91440" bIns="45720" numCol="1" anchor="ctr" anchorCtr="0" compatLnSpc="1">
-            <a:prstTxWarp prst="textNoShape">
-              <a:avLst/>
-            </a:prstTxWarp>
-          </a:bodyPr>
-          <a:lstStyle/>
-          <a:p>
-            <a:pPr lvl="0"/>
-            <a:r>
-              <a:rPr lang="ko-KR" altLang="en-US" dirty="0"/>
-              <a:t>마스터 제목 스타일 편집</a:t>
-            </a:r>
-          </a:p>
-        </p:txBody>
-      </p:sp>
-      <p:sp>
-        <p:nvSpPr>
-          <p:cNvPr id="1028" name="Rectangle 3"/>
-          <p:cNvSpPr>
-            <a:spLocks noGrp="1" noChangeArrowheads="1"/>
-          </p:cNvSpPr>
-          <p:nvPr>
-            <p:ph type="body" idx="1"/>
-          </p:nvPr>
-        </p:nvSpPr>
-        <p:spPr bwMode="auto">
-          <a:xfrm>
-            <a:off x="214313" y="1000125"/>
-            <a:ext cx="8786812" cy="5429250"/>
-          </a:xfrm>
-          <a:prstGeom prst="rect">
-            <a:avLst/>
-          </a:prstGeom>
-          <a:noFill/>
-          <a:ln w="9525">
-            <a:noFill/>
-            <a:miter lim="800000"/>
-            <a:headEnd/>
-            <a:tailEnd/>
-          </a:ln>
-        </p:spPr>
-        <p:txBody>
-          <a:bodyPr vert="horz" wrap="square" lIns="91440" tIns="45720" rIns="91440" bIns="45720" numCol="1" anchor="t" anchorCtr="0" compatLnSpc="1">
-            <a:prstTxWarp prst="textNoShape">
-              <a:avLst/>
-            </a:prstTxWarp>
-          </a:bodyPr>
-          <a:lstStyle/>
-          <a:p>
-            <a:pPr lvl="0"/>
-            <a:r>
-              <a:rPr lang="ko-KR" altLang="en-US" dirty="0"/>
-              <a:t>마스터 텍스트 스타일을 편집합니다</a:t>
-            </a:r>
-          </a:p>
-          <a:p>
-            <a:pPr lvl="1"/>
-            <a:r>
-              <a:rPr lang="ko-KR" altLang="en-US" dirty="0"/>
-              <a:t>둘째 수준</a:t>
-            </a:r>
-          </a:p>
-          <a:p>
-            <a:pPr lvl="2"/>
-            <a:r>
-              <a:rPr lang="ko-KR" altLang="en-US" dirty="0"/>
-              <a:t>셋째 수준</a:t>
-            </a:r>
-          </a:p>
-          <a:p>
-            <a:pPr lvl="3"/>
-            <a:r>
-              <a:rPr lang="ko-KR" altLang="en-US" dirty="0"/>
-              <a:t>넷째 수준</a:t>
-            </a:r>
-          </a:p>
-          <a:p>
-            <a:pPr lvl="4"/>
-            <a:r>
-              <a:rPr lang="ko-KR" altLang="en-US" dirty="0"/>
-              <a:t>다섯째 수준</a:t>
-            </a:r>
-          </a:p>
-        </p:txBody>
-      </p:sp>
-      <p:sp>
-        <p:nvSpPr>
-          <p:cNvPr id="3" name="Rectangle 4"/>
-          <p:cNvSpPr>
-            <a:spLocks noGrp="1" noChangeArrowheads="1"/>
-          </p:cNvSpPr>
-          <p:nvPr>
-            <p:ph type="dt" sz="half" idx="2"/>
-          </p:nvPr>
-        </p:nvSpPr>
-        <p:spPr bwMode="auto">
-          <a:xfrm>
-            <a:off x="214313" y="6562725"/>
-            <a:ext cx="1285875" cy="220663"/>
-          </a:xfrm>
-          <a:prstGeom prst="rect">
-            <a:avLst/>
-          </a:prstGeom>
-          <a:noFill/>
-          <a:ln w="9525">
-            <a:noFill/>
-            <a:miter lim="800000"/>
-            <a:headEnd/>
-            <a:tailEnd/>
-          </a:ln>
-          <a:effectLst/>
-        </p:spPr>
-        <p:txBody>
-          <a:bodyPr vert="horz" wrap="square" lIns="91440" tIns="45720" rIns="91440" bIns="45720" numCol="1" anchor="ctr" anchorCtr="0" compatLnSpc="1">
-            <a:prstTxWarp prst="textNoShape">
-              <a:avLst/>
-            </a:prstTxWarp>
-          </a:bodyPr>
-          <a:lstStyle>
-            <a:lvl1pPr>
-              <a:defRPr sz="1000">
-                <a:solidFill>
-                  <a:schemeClr val="tx2">
-                    <a:lumMod val="50000"/>
-                  </a:schemeClr>
-                </a:solidFill>
-                <a:latin typeface="굴림" pitchFamily="50" charset="-127"/>
-                <a:ea typeface="굴림" pitchFamily="50" charset="-127"/>
-              </a:defRPr>
-            </a:lvl1pPr>
-          </a:lstStyle>
-          <a:p>
-            <a:r>
-              <a:rPr lang="en-HK"/>
-              <a:t>1/14/13</a:t>
-            </a:r>
-            <a:endParaRPr lang="en-US"/>
-          </a:p>
-        </p:txBody>
-      </p:sp>
-      <p:sp>
-        <p:nvSpPr>
-          <p:cNvPr id="1030" name="Rectangle 6"/>
-          <p:cNvSpPr>
-            <a:spLocks noGrp="1" noChangeArrowheads="1"/>
-          </p:cNvSpPr>
-          <p:nvPr>
-            <p:ph type="sldNum" sz="quarter" idx="4"/>
-          </p:nvPr>
-        </p:nvSpPr>
-        <p:spPr bwMode="auto">
-          <a:xfrm>
-            <a:off x="7500938" y="6562725"/>
-            <a:ext cx="1071562" cy="220663"/>
-          </a:xfrm>
-          <a:prstGeom prst="rect">
-            <a:avLst/>
-          </a:prstGeom>
-          <a:noFill/>
-          <a:ln w="9525">
-            <a:noFill/>
-            <a:miter lim="800000"/>
-            <a:headEnd/>
-            <a:tailEnd/>
-          </a:ln>
-          <a:effectLst/>
-        </p:spPr>
-        <p:txBody>
-          <a:bodyPr vert="horz" wrap="square" lIns="91440" tIns="45720" rIns="91440" bIns="45720" numCol="1" anchor="ctr" anchorCtr="0" compatLnSpc="1">
-            <a:prstTxWarp prst="textNoShape">
-              <a:avLst/>
-            </a:prstTxWarp>
-          </a:bodyPr>
-          <a:lstStyle>
-            <a:lvl1pPr algn="r">
-              <a:defRPr sz="1000">
-                <a:solidFill>
-                  <a:schemeClr val="tx2">
-                    <a:lumMod val="50000"/>
-                  </a:schemeClr>
-                </a:solidFill>
-                <a:latin typeface="굴림" pitchFamily="50" charset="-127"/>
-                <a:ea typeface="굴림" pitchFamily="50" charset="-127"/>
-              </a:defRPr>
-            </a:lvl1pPr>
-          </a:lstStyle>
-          <a:p>
-            <a:fld id="{5BCC3F0E-9362-6D47-9781-DB401EE9B6B9}" type="slidenum">
-              <a:rPr lang="en-US" smtClean="0"/>
-              <a:pPr/>
-              <a:t>‹#›</a:t>
-            </a:fld>
-            <a:endParaRPr lang="en-US"/>
-          </a:p>
-        </p:txBody>
-      </p:sp>
-      <p:sp>
-        <p:nvSpPr>
-          <p:cNvPr id="8" name="Rectangle 5"/>
-          <p:cNvSpPr>
-            <a:spLocks noGrp="1" noChangeArrowheads="1"/>
-          </p:cNvSpPr>
-          <p:nvPr>
-            <p:ph type="ftr" sz="quarter" idx="3"/>
-          </p:nvPr>
-        </p:nvSpPr>
-        <p:spPr>
-          <a:xfrm>
-            <a:off x="3033713" y="6559550"/>
-            <a:ext cx="3038475" cy="220663"/>
-          </a:xfrm>
-          <a:prstGeom prst="rect">
-            <a:avLst/>
-          </a:prstGeom>
-        </p:spPr>
-        <p:txBody>
-          <a:bodyPr/>
-          <a:lstStyle>
-            <a:lvl1pPr algn="ctr">
-              <a:defRPr sz="1100" b="1">
-                <a:latin typeface="맑은 고딕" pitchFamily="50" charset="-127"/>
-                <a:ea typeface="맑은 고딕" pitchFamily="50" charset="-127"/>
-              </a:defRPr>
-            </a:lvl1pPr>
-          </a:lstStyle>
-          <a:p>
-            <a:r>
-              <a:rPr lang="en-US"/>
-              <a:t>CSCI3150 Intro to Operating Systems</a:t>
-            </a:r>
-          </a:p>
-        </p:txBody>
-      </p:sp>
-      <p:sp>
-        <p:nvSpPr>
-          <p:cNvPr id="10" name="직사각형 9"/>
-          <p:cNvSpPr/>
-          <p:nvPr/>
-        </p:nvSpPr>
-        <p:spPr>
-          <a:xfrm>
-            <a:off x="0" y="706008"/>
-            <a:ext cx="9144000" cy="45719"/>
-          </a:xfrm>
-          <a:prstGeom prst="rect">
-            <a:avLst/>
-          </a:prstGeom>
-          <a:solidFill>
-            <a:schemeClr val="accent1">
-              <a:lumMod val="75000"/>
-            </a:schemeClr>
-          </a:solidFill>
-          <a:ln w="9525">
-            <a:noFill/>
-          </a:ln>
-        </p:spPr>
-        <p:style>
-          <a:lnRef idx="3">
-            <a:schemeClr val="lt1"/>
-          </a:lnRef>
-          <a:fillRef idx="1">
-            <a:schemeClr val="accent1"/>
-          </a:fillRef>
-          <a:effectRef idx="1">
-            <a:schemeClr val="accent1"/>
-          </a:effectRef>
-          <a:fontRef idx="minor">
-            <a:schemeClr val="lt1"/>
-          </a:fontRef>
-        </p:style>
-        <p:txBody>
-          <a:bodyPr lIns="252000" rtlCol="0" anchor="ctr"/>
-          <a:lstStyle/>
-          <a:p>
-            <a:pPr algn="ctr"/>
-            <a:endParaRPr lang="ko-KR" altLang="en-US" sz="1600" dirty="0">
-              <a:solidFill>
-                <a:srgbClr val="00B050"/>
-              </a:solidFill>
-              <a:latin typeface="Courier New" pitchFamily="49" charset="0"/>
-              <a:ea typeface="맑은 고딕" pitchFamily="50" charset="-127"/>
-              <a:cs typeface="Courier New" pitchFamily="49" charset="0"/>
-            </a:endParaRPr>
-          </a:p>
-        </p:txBody>
-      </p:sp>
-    </p:spTree>
-    <p:extLst>
-      <p:ext uri="{BB962C8B-B14F-4D97-AF65-F5344CB8AC3E}">
-        <p14:creationId xmlns:p14="http://schemas.microsoft.com/office/powerpoint/2010/main" val="98490714"/>
-      </p:ext>
-    </p:extLst>
-  </p:cSld>
-  <p:clrMap bg1="lt1" tx1="dk1" bg2="lt2" tx2="dk2" accent1="accent1" accent2="accent2" accent3="accent3" accent4="accent4" accent5="accent5" accent6="accent6" hlink="hlink" folHlink="folHlink"/>
-  <p:sldLayoutIdLst>
-    <p:sldLayoutId id="2147483782" r:id="rId1"/>
-    <p:sldLayoutId id="2147483783" r:id="rId2"/>
-    <p:sldLayoutId id="2147483784" r:id="rId3"/>
-    <p:sldLayoutId id="2147483785" r:id="rId4"/>
-  </p:sldLayoutIdLst>
-  <p:hf hdr="0" dt="0"/>
-  <p:txStyles>
-    <p:titleStyle>
-      <a:lvl1pPr algn="l" rtl="0" eaLnBrk="1" fontAlgn="base" latinLnBrk="1" hangingPunct="1">
-        <a:spcBef>
-          <a:spcPct val="0"/>
-        </a:spcBef>
-        <a:spcAft>
-          <a:spcPct val="0"/>
-        </a:spcAft>
-        <a:defRPr kumimoji="1" sz="2400">
-          <a:solidFill>
-            <a:schemeClr val="bg1"/>
-          </a:solidFill>
-          <a:latin typeface="+mj-lt"/>
-          <a:ea typeface="+mj-ea"/>
-          <a:cs typeface="+mj-cs"/>
-        </a:defRPr>
-      </a:lvl1pPr>
-      <a:lvl2pPr algn="l" rtl="0" eaLnBrk="1" fontAlgn="base" latinLnBrk="1" hangingPunct="1">
-        <a:spcBef>
-          <a:spcPct val="0"/>
-        </a:spcBef>
-        <a:spcAft>
-          <a:spcPct val="0"/>
-        </a:spcAft>
-        <a:defRPr kumimoji="1" sz="2400">
-          <a:solidFill>
-            <a:srgbClr val="FFFF00"/>
-          </a:solidFill>
-          <a:latin typeface="HY견고딕" pitchFamily="18" charset="-127"/>
-          <a:ea typeface="HY견고딕" pitchFamily="18" charset="-127"/>
-        </a:defRPr>
-      </a:lvl2pPr>
-      <a:lvl3pPr algn="l" rtl="0" eaLnBrk="1" fontAlgn="base" latinLnBrk="1" hangingPunct="1">
-        <a:spcBef>
-          <a:spcPct val="0"/>
-        </a:spcBef>
-        <a:spcAft>
-          <a:spcPct val="0"/>
-        </a:spcAft>
-        <a:defRPr kumimoji="1" sz="2400">
-          <a:solidFill>
-            <a:srgbClr val="FFFF00"/>
-          </a:solidFill>
-          <a:latin typeface="HY견고딕" pitchFamily="18" charset="-127"/>
-          <a:ea typeface="HY견고딕" pitchFamily="18" charset="-127"/>
-        </a:defRPr>
-      </a:lvl3pPr>
-      <a:lvl4pPr algn="l" rtl="0" eaLnBrk="1" fontAlgn="base" latinLnBrk="1" hangingPunct="1">
-        <a:spcBef>
-          <a:spcPct val="0"/>
-        </a:spcBef>
-        <a:spcAft>
-          <a:spcPct val="0"/>
-        </a:spcAft>
-        <a:defRPr kumimoji="1" sz="2400">
-          <a:solidFill>
-            <a:srgbClr val="FFFF00"/>
-          </a:solidFill>
-          <a:latin typeface="HY견고딕" pitchFamily="18" charset="-127"/>
-          <a:ea typeface="HY견고딕" pitchFamily="18" charset="-127"/>
-        </a:defRPr>
-      </a:lvl4pPr>
-      <a:lvl5pPr algn="l" rtl="0" eaLnBrk="1" fontAlgn="base" latinLnBrk="1" hangingPunct="1">
-        <a:spcBef>
-          <a:spcPct val="0"/>
-        </a:spcBef>
-        <a:spcAft>
-          <a:spcPct val="0"/>
-        </a:spcAft>
-        <a:defRPr kumimoji="1" sz="2400">
-          <a:solidFill>
-            <a:srgbClr val="FFFF00"/>
-          </a:solidFill>
-          <a:latin typeface="HY견고딕" pitchFamily="18" charset="-127"/>
-          <a:ea typeface="HY견고딕" pitchFamily="18" charset="-127"/>
-        </a:defRPr>
-      </a:lvl5pPr>
-      <a:lvl6pPr marL="457200" algn="l" rtl="0" eaLnBrk="1" fontAlgn="base" latinLnBrk="1" hangingPunct="1">
-        <a:spcBef>
-          <a:spcPct val="0"/>
-        </a:spcBef>
-        <a:spcAft>
-          <a:spcPct val="0"/>
-        </a:spcAft>
-        <a:defRPr kumimoji="1" sz="3000">
-          <a:solidFill>
-            <a:schemeClr val="bg1"/>
-          </a:solidFill>
-          <a:latin typeface="HY견고딕" pitchFamily="18" charset="-127"/>
-          <a:ea typeface="HY견고딕" pitchFamily="18" charset="-127"/>
-        </a:defRPr>
-      </a:lvl6pPr>
-      <a:lvl7pPr marL="914400" algn="l" rtl="0" eaLnBrk="1" fontAlgn="base" latinLnBrk="1" hangingPunct="1">
-        <a:spcBef>
-          <a:spcPct val="0"/>
-        </a:spcBef>
-        <a:spcAft>
-          <a:spcPct val="0"/>
-        </a:spcAft>
-        <a:defRPr kumimoji="1" sz="3000">
-          <a:solidFill>
-            <a:schemeClr val="bg1"/>
-          </a:solidFill>
-          <a:latin typeface="HY견고딕" pitchFamily="18" charset="-127"/>
-          <a:ea typeface="HY견고딕" pitchFamily="18" charset="-127"/>
-        </a:defRPr>
-      </a:lvl7pPr>
-      <a:lvl8pPr marL="1371600" algn="l" rtl="0" eaLnBrk="1" fontAlgn="base" latinLnBrk="1" hangingPunct="1">
-        <a:spcBef>
-          <a:spcPct val="0"/>
-        </a:spcBef>
-        <a:spcAft>
-          <a:spcPct val="0"/>
-        </a:spcAft>
-        <a:defRPr kumimoji="1" sz="3000">
-          <a:solidFill>
-            <a:schemeClr val="bg1"/>
-          </a:solidFill>
-          <a:latin typeface="HY견고딕" pitchFamily="18" charset="-127"/>
-          <a:ea typeface="HY견고딕" pitchFamily="18" charset="-127"/>
-        </a:defRPr>
-      </a:lvl8pPr>
-      <a:lvl9pPr marL="1828800" algn="l" rtl="0" eaLnBrk="1" fontAlgn="base" latinLnBrk="1" hangingPunct="1">
-        <a:spcBef>
-          <a:spcPct val="0"/>
-        </a:spcBef>
-        <a:spcAft>
-          <a:spcPct val="0"/>
-        </a:spcAft>
-        <a:defRPr kumimoji="1" sz="3000">
-          <a:solidFill>
-            <a:schemeClr val="bg1"/>
-          </a:solidFill>
-          <a:latin typeface="HY견고딕" pitchFamily="18" charset="-127"/>
-          <a:ea typeface="HY견고딕" pitchFamily="18" charset="-127"/>
-        </a:defRPr>
-      </a:lvl9pPr>
-    </p:titleStyle>
-    <p:bodyStyle>
-      <a:lvl1pPr marL="342900" indent="-342900" algn="l" rtl="0" eaLnBrk="1" fontAlgn="base" latinLnBrk="1" hangingPunct="1">
-        <a:spcBef>
-          <a:spcPct val="20000"/>
-        </a:spcBef>
-        <a:spcAft>
-          <a:spcPct val="0"/>
-        </a:spcAft>
-        <a:buClr>
-          <a:srgbClr val="002060"/>
-        </a:buClr>
-        <a:buSzPct val="65000"/>
-        <a:buFont typeface="Wingdings" pitchFamily="2" charset="2"/>
-        <a:buChar char=""/>
-        <a:defRPr kumimoji="1" sz="2000">
-          <a:solidFill>
-            <a:srgbClr val="10253F"/>
-          </a:solidFill>
-          <a:latin typeface="맑은 고딕" pitchFamily="50" charset="-127"/>
-          <a:ea typeface="맑은 고딕" pitchFamily="50" charset="-127"/>
-          <a:cs typeface="+mn-cs"/>
-        </a:defRPr>
-      </a:lvl1pPr>
-      <a:lvl2pPr marL="742950" indent="-285750" algn="l" rtl="0" eaLnBrk="1" fontAlgn="base" latinLnBrk="1" hangingPunct="1">
-        <a:spcBef>
-          <a:spcPct val="20000"/>
-        </a:spcBef>
-        <a:spcAft>
-          <a:spcPct val="0"/>
-        </a:spcAft>
-        <a:buClr>
-          <a:srgbClr val="007E3C"/>
-        </a:buClr>
-        <a:buSzPct val="100000"/>
-        <a:buFont typeface="Wingdings" pitchFamily="2" charset="2"/>
-        <a:buChar char=""/>
-        <a:defRPr kumimoji="1">
-          <a:solidFill>
-            <a:srgbClr val="10253F"/>
-          </a:solidFill>
-          <a:latin typeface="맑은 고딕" pitchFamily="50" charset="-127"/>
-          <a:ea typeface="맑은 고딕" pitchFamily="50" charset="-127"/>
-        </a:defRPr>
-      </a:lvl2pPr>
-      <a:lvl3pPr marL="1143000" indent="-228600" algn="l" rtl="0" eaLnBrk="1" fontAlgn="base" latinLnBrk="1" hangingPunct="1">
-        <a:spcBef>
-          <a:spcPct val="20000"/>
-        </a:spcBef>
-        <a:spcAft>
-          <a:spcPct val="0"/>
-        </a:spcAft>
-        <a:buClr>
-          <a:srgbClr val="002060"/>
-        </a:buClr>
-        <a:buSzPct val="65000"/>
-        <a:buFont typeface="Wingdings" pitchFamily="2" charset="2"/>
-        <a:buChar char=""/>
-        <a:defRPr kumimoji="1" sz="1600">
-          <a:solidFill>
-            <a:srgbClr val="10253F"/>
-          </a:solidFill>
-          <a:latin typeface="맑은 고딕" pitchFamily="50" charset="-127"/>
-          <a:ea typeface="맑은 고딕" pitchFamily="50" charset="-127"/>
-        </a:defRPr>
-      </a:lvl3pPr>
-      <a:lvl4pPr marL="1600200" indent="-228600" algn="l" rtl="0" eaLnBrk="1" fontAlgn="base" latinLnBrk="1" hangingPunct="1">
-        <a:spcBef>
-          <a:spcPct val="20000"/>
-        </a:spcBef>
-        <a:spcAft>
-          <a:spcPct val="0"/>
-        </a:spcAft>
-        <a:buClr>
-          <a:srgbClr val="00B03C"/>
-        </a:buClr>
-        <a:buSzPct val="65000"/>
-        <a:buFont typeface="Wingdings" pitchFamily="2" charset="2"/>
-        <a:buChar char=""/>
-        <a:defRPr kumimoji="1" sz="1400">
-          <a:solidFill>
-            <a:srgbClr val="10253F"/>
-          </a:solidFill>
-          <a:latin typeface="맑은 고딕" pitchFamily="50" charset="-127"/>
-          <a:ea typeface="맑은 고딕" pitchFamily="50" charset="-127"/>
-        </a:defRPr>
-      </a:lvl4pPr>
-      <a:lvl5pPr marL="2057400" indent="-228600" algn="l" rtl="0" eaLnBrk="1" fontAlgn="base" latinLnBrk="1" hangingPunct="1">
-        <a:spcBef>
-          <a:spcPct val="20000"/>
-        </a:spcBef>
-        <a:spcAft>
-          <a:spcPct val="0"/>
-        </a:spcAft>
-        <a:buClr>
-          <a:srgbClr val="002060"/>
-        </a:buClr>
-        <a:buFont typeface="Wingdings" pitchFamily="2" charset="2"/>
-        <a:buChar char=""/>
-        <a:defRPr kumimoji="1" sz="1400">
-          <a:solidFill>
-            <a:srgbClr val="10253F"/>
-          </a:solidFill>
-          <a:latin typeface="맑은 고딕" pitchFamily="50" charset="-127"/>
-          <a:ea typeface="맑은 고딕" pitchFamily="50" charset="-127"/>
-        </a:defRPr>
-      </a:lvl5pPr>
-      <a:lvl6pPr marL="2514600" indent="-228600" algn="l" rtl="0" eaLnBrk="1" fontAlgn="base" latinLnBrk="1" hangingPunct="1">
-        <a:spcBef>
-          <a:spcPct val="20000"/>
-        </a:spcBef>
-        <a:spcAft>
-          <a:spcPct val="0"/>
-        </a:spcAft>
-        <a:buChar char="»"/>
-        <a:defRPr kumimoji="1" sz="2000">
-          <a:solidFill>
-            <a:schemeClr val="tx1"/>
-          </a:solidFill>
-          <a:latin typeface="+mn-lt"/>
-          <a:ea typeface="+mn-ea"/>
-        </a:defRPr>
-      </a:lvl6pPr>
-      <a:lvl7pPr marL="2971800" indent="-228600" algn="l" rtl="0" eaLnBrk="1" fontAlgn="base" latinLnBrk="1" hangingPunct="1">
-        <a:spcBef>
-          <a:spcPct val="20000"/>
-        </a:spcBef>
-        <a:spcAft>
-          <a:spcPct val="0"/>
-        </a:spcAft>
-        <a:buChar char="»"/>
-        <a:defRPr kumimoji="1" sz="2000">
-          <a:solidFill>
-            <a:schemeClr val="tx1"/>
-          </a:solidFill>
-          <a:latin typeface="+mn-lt"/>
-          <a:ea typeface="+mn-ea"/>
-        </a:defRPr>
-      </a:lvl7pPr>
-      <a:lvl8pPr marL="3429000" indent="-228600" algn="l" rtl="0" eaLnBrk="1" fontAlgn="base" latinLnBrk="1" hangingPunct="1">
-        <a:spcBef>
-          <a:spcPct val="20000"/>
-        </a:spcBef>
-        <a:spcAft>
-          <a:spcPct val="0"/>
-        </a:spcAft>
-        <a:buChar char="»"/>
-        <a:defRPr kumimoji="1" sz="2000">
-          <a:solidFill>
-            <a:schemeClr val="tx1"/>
-          </a:solidFill>
-          <a:latin typeface="+mn-lt"/>
-          <a:ea typeface="+mn-ea"/>
-        </a:defRPr>
-      </a:lvl8pPr>
-      <a:lvl9pPr marL="3886200" indent="-228600" algn="l" rtl="0" eaLnBrk="1" fontAlgn="base" latinLnBrk="1" hangingPunct="1">
-        <a:spcBef>
-          <a:spcPct val="20000"/>
-        </a:spcBef>
-        <a:spcAft>
-          <a:spcPct val="0"/>
-        </a:spcAft>
-        <a:buChar char="»"/>
-        <a:defRPr kumimoji="1" sz="2000">
-          <a:solidFill>
-            <a:schemeClr val="tx1"/>
-          </a:solidFill>
-          <a:latin typeface="+mn-lt"/>
-          <a:ea typeface="+mn-ea"/>
-        </a:defRPr>
-      </a:lvl9pPr>
-    </p:bodyStyle>
-    <p:otherStyle>
-      <a:defPPr>
-        <a:defRPr lang="ko-KR"/>
-      </a:defPPr>
-      <a:lvl1pPr marL="0" algn="l" defTabSz="914400" rtl="0" eaLnBrk="1" latinLnBrk="1" hangingPunct="1">
-        <a:defRPr sz="1800" kern="1200">
-          <a:solidFill>
-            <a:schemeClr val="tx1"/>
-          </a:solidFill>
-          <a:latin typeface="+mn-lt"/>
-          <a:ea typeface="+mn-ea"/>
-          <a:cs typeface="+mn-cs"/>
-        </a:defRPr>
-      </a:lvl1pPr>
-      <a:lvl2pPr marL="457200" algn="l" defTabSz="914400" rtl="0" eaLnBrk="1" latinLnBrk="1" hangingPunct="1">
-        <a:defRPr sz="1800" kern="1200">
-          <a:solidFill>
-            <a:schemeClr val="tx1"/>
-          </a:solidFill>
-          <a:latin typeface="+mn-lt"/>
-          <a:ea typeface="+mn-ea"/>
-          <a:cs typeface="+mn-cs"/>
-        </a:defRPr>
-      </a:lvl2pPr>
-      <a:lvl3pPr marL="914400" algn="l" defTabSz="914400" rtl="0" eaLnBrk="1" latinLnBrk="1" hangingPunct="1">
-        <a:defRPr sz="1800" kern="1200">
-          <a:solidFill>
-            <a:schemeClr val="tx1"/>
-          </a:solidFill>
-          <a:latin typeface="+mn-lt"/>
-          <a:ea typeface="+mn-ea"/>
-          <a:cs typeface="+mn-cs"/>
-        </a:defRPr>
-      </a:lvl3pPr>
-      <a:lvl4pPr marL="1371600" algn="l" defTabSz="914400" rtl="0" eaLnBrk="1" latinLnBrk="1" hangingPunct="1">
-        <a:defRPr sz="1800" kern="1200">
-          <a:solidFill>
-            <a:schemeClr val="tx1"/>
-          </a:solidFill>
-          <a:latin typeface="+mn-lt"/>
-          <a:ea typeface="+mn-ea"/>
-          <a:cs typeface="+mn-cs"/>
-        </a:defRPr>
-      </a:lvl4pPr>
-      <a:lvl5pPr marL="1828800" algn="l" defTabSz="914400" rtl="0" eaLnBrk="1" latinLnBrk="1" hangingPunct="1">
-        <a:defRPr sz="1800" kern="1200">
-          <a:solidFill>
-            <a:schemeClr val="tx1"/>
-          </a:solidFill>
-          <a:latin typeface="+mn-lt"/>
-          <a:ea typeface="+mn-ea"/>
-          <a:cs typeface="+mn-cs"/>
-        </a:defRPr>
-      </a:lvl5pPr>
-      <a:lvl6pPr marL="2286000" algn="l" defTabSz="914400" rtl="0" eaLnBrk="1" latinLnBrk="1" hangingPunct="1">
-        <a:defRPr sz="1800" kern="1200">
-          <a:solidFill>
-            <a:schemeClr val="tx1"/>
-          </a:solidFill>
-          <a:latin typeface="+mn-lt"/>
-          <a:ea typeface="+mn-ea"/>
-          <a:cs typeface="+mn-cs"/>
-        </a:defRPr>
-      </a:lvl6pPr>
-      <a:lvl7pPr marL="2743200" algn="l" defTabSz="914400" rtl="0" eaLnBrk="1" latinLnBrk="1" hangingPunct="1">
-        <a:defRPr sz="1800" kern="1200">
-          <a:solidFill>
-            <a:schemeClr val="tx1"/>
-          </a:solidFill>
-          <a:latin typeface="+mn-lt"/>
-          <a:ea typeface="+mn-ea"/>
-          <a:cs typeface="+mn-cs"/>
-        </a:defRPr>
-      </a:lvl7pPr>
-      <a:lvl8pPr marL="3200400" algn="l" defTabSz="914400" rtl="0" eaLnBrk="1" latinLnBrk="1" hangingPunct="1">
-        <a:defRPr sz="1800" kern="1200">
-          <a:solidFill>
-            <a:schemeClr val="tx1"/>
-          </a:solidFill>
-          <a:latin typeface="+mn-lt"/>
-          <a:ea typeface="+mn-ea"/>
-          <a:cs typeface="+mn-cs"/>
-        </a:defRPr>
-      </a:lvl8pPr>
-      <a:lvl9pPr marL="3657600" algn="l" defTabSz="914400" rtl="0" eaLnBrk="1" latinLnBrk="1" hangingPunct="1">
-        <a:defRPr sz="1800" kern="1200">
-          <a:solidFill>
-            <a:schemeClr val="tx1"/>
-          </a:solidFill>
-          <a:latin typeface="+mn-lt"/>
-          <a:ea typeface="+mn-ea"/>
-          <a:cs typeface="+mn-cs"/>
-        </a:defRPr>
-      </a:lvl9pPr>
-    </p:otherStyle>
-  </p:txStyles>
-</p:sldMaster>
-</file>
-
-<file path=ppt/slideMasters/slideMaster4.xml><?xml version="1.0" encoding="utf-8"?>
-<p:sldMaster xmlns:a="http://schemas.openxmlformats.org/drawingml/2006/main" xmlns:r="http://schemas.openxmlformats.org/officeDocument/2006/relationships" xmlns:p="http://schemas.openxmlformats.org/presentationml/2006/main" preserve="1">
-  <p:cSld>
-    <p:bg>
-      <p:bgPr>
-        <a:solidFill>
-          <a:schemeClr val="bg1"/>
-        </a:solidFill>
-        <a:effectLst/>
-      </p:bgPr>
-    </p:bg>
-    <p:spTree>
-      <p:nvGrpSpPr>
-        <p:cNvPr id="1" name=""/>
-        <p:cNvGrpSpPr/>
-        <p:nvPr/>
-      </p:nvGrpSpPr>
-      <p:grpSpPr>
-        <a:xfrm>
-          <a:off x="0" y="0"/>
-          <a:ext cx="0" cy="0"/>
-          <a:chOff x="0" y="0"/>
-          <a:chExt cx="0" cy="0"/>
-        </a:xfrm>
-      </p:grpSpPr>
-      <p:sp>
-        <p:nvSpPr>
-          <p:cNvPr id="5" name="직사각형 4"/>
-          <p:cNvSpPr/>
-          <p:nvPr/>
-        </p:nvSpPr>
-        <p:spPr>
-          <a:xfrm>
-            <a:off x="0" y="-611"/>
-            <a:ext cx="9144000" cy="706619"/>
-          </a:xfrm>
-          <a:prstGeom prst="rect">
-            <a:avLst/>
-          </a:prstGeom>
-          <a:solidFill>
-            <a:schemeClr val="tx2">
-              <a:lumMod val="75000"/>
-            </a:schemeClr>
-          </a:solidFill>
-          <a:ln w="9525">
-            <a:noFill/>
-          </a:ln>
-        </p:spPr>
-        <p:style>
-          <a:lnRef idx="3">
-            <a:schemeClr val="lt1"/>
-          </a:lnRef>
-          <a:fillRef idx="1">
-            <a:schemeClr val="accent1"/>
-          </a:fillRef>
-          <a:effectRef idx="1">
-            <a:schemeClr val="accent1"/>
-          </a:effectRef>
-          <a:fontRef idx="minor">
-            <a:schemeClr val="lt1"/>
-          </a:fontRef>
-        </p:style>
-        <p:txBody>
-          <a:bodyPr lIns="252000" rtlCol="0" anchor="ctr"/>
-          <a:lstStyle/>
-          <a:p>
-            <a:pPr algn="ctr"/>
-            <a:endParaRPr lang="ko-KR" altLang="en-US" sz="1600" dirty="0">
-              <a:solidFill>
-                <a:srgbClr val="00B050"/>
-              </a:solidFill>
-              <a:latin typeface="Courier New" pitchFamily="49" charset="0"/>
-              <a:ea typeface="맑은 고딕" pitchFamily="50" charset="-127"/>
-              <a:cs typeface="Courier New" pitchFamily="49" charset="0"/>
-            </a:endParaRPr>
-          </a:p>
-        </p:txBody>
-      </p:sp>
-      <p:sp>
-        <p:nvSpPr>
-          <p:cNvPr id="2" name="Rectangle 2"/>
-          <p:cNvSpPr>
-            <a:spLocks noGrp="1" noChangeArrowheads="1"/>
-          </p:cNvSpPr>
-          <p:nvPr>
-            <p:ph type="title"/>
-          </p:nvPr>
-        </p:nvSpPr>
-        <p:spPr bwMode="auto">
-          <a:xfrm>
-            <a:off x="214313" y="55563"/>
-            <a:ext cx="8786812" cy="585787"/>
-          </a:xfrm>
-          <a:prstGeom prst="rect">
-            <a:avLst/>
-          </a:prstGeom>
-          <a:noFill/>
-          <a:ln w="9525">
-            <a:noFill/>
-            <a:miter lim="800000"/>
-            <a:headEnd/>
-            <a:tailEnd/>
-          </a:ln>
-          <a:effectLst>
-            <a:outerShdw dist="17961" dir="2700000" algn="ctr" rotWithShape="0">
-              <a:schemeClr val="tx1"/>
-            </a:outerShdw>
-          </a:effectLst>
-        </p:spPr>
-        <p:txBody>
-          <a:bodyPr vert="horz" wrap="square" lIns="91440" tIns="45720" rIns="91440" bIns="45720" numCol="1" anchor="ctr" anchorCtr="0" compatLnSpc="1">
-            <a:prstTxWarp prst="textNoShape">
-              <a:avLst/>
-            </a:prstTxWarp>
-          </a:bodyPr>
-          <a:lstStyle/>
-          <a:p>
-            <a:pPr lvl="0"/>
-            <a:r>
-              <a:rPr lang="ko-KR" altLang="en-US" dirty="0"/>
-              <a:t>마스터 제목 스타일 편집</a:t>
-            </a:r>
-          </a:p>
-        </p:txBody>
-      </p:sp>
-      <p:sp>
-        <p:nvSpPr>
-          <p:cNvPr id="1028" name="Rectangle 3"/>
-          <p:cNvSpPr>
-            <a:spLocks noGrp="1" noChangeArrowheads="1"/>
-          </p:cNvSpPr>
-          <p:nvPr>
-            <p:ph type="body" idx="1"/>
-          </p:nvPr>
-        </p:nvSpPr>
-        <p:spPr bwMode="auto">
-          <a:xfrm>
-            <a:off x="214313" y="1000125"/>
-            <a:ext cx="8786812" cy="5429250"/>
-          </a:xfrm>
-          <a:prstGeom prst="rect">
-            <a:avLst/>
-          </a:prstGeom>
-          <a:noFill/>
-          <a:ln w="9525">
-            <a:noFill/>
-            <a:miter lim="800000"/>
-            <a:headEnd/>
-            <a:tailEnd/>
-          </a:ln>
-        </p:spPr>
-        <p:txBody>
-          <a:bodyPr vert="horz" wrap="square" lIns="91440" tIns="45720" rIns="91440" bIns="45720" numCol="1" anchor="t" anchorCtr="0" compatLnSpc="1">
-            <a:prstTxWarp prst="textNoShape">
-              <a:avLst/>
-            </a:prstTxWarp>
-          </a:bodyPr>
-          <a:lstStyle/>
-          <a:p>
-            <a:pPr lvl="0"/>
-            <a:r>
-              <a:rPr lang="ko-KR" altLang="en-US" dirty="0"/>
-              <a:t>마스터 텍스트 스타일을 편집합니다</a:t>
-            </a:r>
-          </a:p>
-          <a:p>
-            <a:pPr lvl="1"/>
-            <a:r>
-              <a:rPr lang="ko-KR" altLang="en-US" dirty="0"/>
-              <a:t>둘째 수준</a:t>
-            </a:r>
-          </a:p>
-          <a:p>
-            <a:pPr lvl="2"/>
-            <a:r>
-              <a:rPr lang="ko-KR" altLang="en-US" dirty="0"/>
-              <a:t>셋째 수준</a:t>
-            </a:r>
-          </a:p>
-          <a:p>
-            <a:pPr lvl="3"/>
-            <a:r>
-              <a:rPr lang="ko-KR" altLang="en-US" dirty="0"/>
-              <a:t>넷째 수준</a:t>
-            </a:r>
-          </a:p>
-          <a:p>
-            <a:pPr lvl="4"/>
-            <a:r>
-              <a:rPr lang="ko-KR" altLang="en-US" dirty="0"/>
-              <a:t>다섯째 수준</a:t>
-            </a:r>
-          </a:p>
-        </p:txBody>
-      </p:sp>
-      <p:sp>
-        <p:nvSpPr>
-          <p:cNvPr id="1030" name="Rectangle 6"/>
-          <p:cNvSpPr>
-            <a:spLocks noGrp="1" noChangeArrowheads="1"/>
-          </p:cNvSpPr>
-          <p:nvPr>
-            <p:ph type="sldNum" sz="quarter" idx="4"/>
-          </p:nvPr>
-        </p:nvSpPr>
-        <p:spPr bwMode="auto">
-          <a:xfrm>
-            <a:off x="7500938" y="6562725"/>
-            <a:ext cx="1071562" cy="220663"/>
-          </a:xfrm>
-          <a:prstGeom prst="rect">
-            <a:avLst/>
-          </a:prstGeom>
-          <a:noFill/>
-          <a:ln w="9525">
-            <a:noFill/>
-            <a:miter lim="800000"/>
-            <a:headEnd/>
-            <a:tailEnd/>
-          </a:ln>
-          <a:effectLst/>
-        </p:spPr>
-        <p:txBody>
-          <a:bodyPr vert="horz" wrap="square" lIns="91440" tIns="45720" rIns="91440" bIns="45720" numCol="1" anchor="ctr" anchorCtr="0" compatLnSpc="1">
-            <a:prstTxWarp prst="textNoShape">
-              <a:avLst/>
-            </a:prstTxWarp>
-          </a:bodyPr>
-          <a:lstStyle>
-            <a:lvl1pPr algn="r">
-              <a:defRPr sz="1000">
-                <a:solidFill>
-                  <a:schemeClr val="tx2">
-                    <a:lumMod val="50000"/>
-                  </a:schemeClr>
-                </a:solidFill>
-                <a:latin typeface="굴림" pitchFamily="50" charset="-127"/>
-                <a:ea typeface="굴림" pitchFamily="50" charset="-127"/>
-              </a:defRPr>
-            </a:lvl1pPr>
-          </a:lstStyle>
-          <a:p>
-            <a:pPr fontAlgn="base">
-              <a:spcBef>
-                <a:spcPct val="0"/>
-              </a:spcBef>
-              <a:spcAft>
-                <a:spcPct val="0"/>
-              </a:spcAft>
-              <a:defRPr/>
-            </a:pPr>
-            <a:fld id="{85A0C360-F875-469D-A977-82806D0D3C5E}" type="slidenum">
-              <a:rPr kumimoji="1" lang="en-US" altLang="ko-KR">
-                <a:solidFill>
-                  <a:srgbClr val="1F497D">
-                    <a:lumMod val="50000"/>
-                  </a:srgbClr>
-                </a:solidFill>
-              </a:rPr>
-              <a:pPr fontAlgn="base">
-                <a:spcBef>
-                  <a:spcPct val="0"/>
-                </a:spcBef>
-                <a:spcAft>
-                  <a:spcPct val="0"/>
-                </a:spcAft>
-                <a:defRPr/>
-              </a:pPr>
-              <a:t>‹#›</a:t>
-            </a:fld>
-            <a:endParaRPr kumimoji="1" lang="en-US" altLang="ko-KR">
-              <a:solidFill>
-                <a:srgbClr val="1F497D">
-                  <a:lumMod val="50000"/>
-                </a:srgbClr>
-              </a:solidFill>
-            </a:endParaRPr>
-          </a:p>
-        </p:txBody>
-      </p:sp>
-      <p:sp>
-        <p:nvSpPr>
-          <p:cNvPr id="8" name="Rectangle 5"/>
-          <p:cNvSpPr>
-            <a:spLocks noGrp="1" noChangeArrowheads="1"/>
-          </p:cNvSpPr>
-          <p:nvPr>
-            <p:ph type="ftr" sz="quarter" idx="3"/>
-          </p:nvPr>
-        </p:nvSpPr>
-        <p:spPr>
-          <a:xfrm>
-            <a:off x="3033713" y="6559550"/>
-            <a:ext cx="3038475" cy="220663"/>
-          </a:xfrm>
-          <a:prstGeom prst="rect">
-            <a:avLst/>
-          </a:prstGeom>
-        </p:spPr>
-        <p:txBody>
-          <a:bodyPr/>
-          <a:lstStyle>
-            <a:lvl1pPr algn="ctr">
-              <a:defRPr sz="1100" b="1">
-                <a:latin typeface="맑은 고딕" pitchFamily="50" charset="-127"/>
-                <a:ea typeface="맑은 고딕" pitchFamily="50" charset="-127"/>
-              </a:defRPr>
-            </a:lvl1pPr>
-          </a:lstStyle>
-          <a:p>
-            <a:pPr fontAlgn="base">
-              <a:spcBef>
-                <a:spcPct val="0"/>
-              </a:spcBef>
-              <a:spcAft>
-                <a:spcPct val="0"/>
-              </a:spcAft>
-              <a:defRPr/>
-            </a:pPr>
-            <a:r>
-              <a:rPr kumimoji="1" lang="en-US" altLang="ko-KR">
-                <a:solidFill>
-                  <a:prstClr val="black"/>
-                </a:solidFill>
-              </a:rPr>
-              <a:t>CSCI 3150 Intro to OS</a:t>
-            </a:r>
-            <a:endParaRPr kumimoji="1" lang="ko-KR" altLang="en-US" dirty="0">
-              <a:solidFill>
-                <a:prstClr val="black"/>
-              </a:solidFill>
-            </a:endParaRPr>
-          </a:p>
-        </p:txBody>
-      </p:sp>
-      <p:sp>
-        <p:nvSpPr>
-          <p:cNvPr id="10" name="직사각형 9"/>
-          <p:cNvSpPr/>
-          <p:nvPr/>
-        </p:nvSpPr>
-        <p:spPr>
-          <a:xfrm>
-            <a:off x="0" y="706008"/>
-            <a:ext cx="9144000" cy="45719"/>
-          </a:xfrm>
-          <a:prstGeom prst="rect">
-            <a:avLst/>
-          </a:prstGeom>
-          <a:solidFill>
-            <a:schemeClr val="accent1">
-              <a:lumMod val="75000"/>
-            </a:schemeClr>
-          </a:solidFill>
-          <a:ln w="9525">
-            <a:noFill/>
-          </a:ln>
-        </p:spPr>
-        <p:style>
-          <a:lnRef idx="3">
-            <a:schemeClr val="lt1"/>
-          </a:lnRef>
-          <a:fillRef idx="1">
-            <a:schemeClr val="accent1"/>
-          </a:fillRef>
-          <a:effectRef idx="1">
-            <a:schemeClr val="accent1"/>
-          </a:effectRef>
-          <a:fontRef idx="minor">
-            <a:schemeClr val="lt1"/>
-          </a:fontRef>
-        </p:style>
-        <p:txBody>
-          <a:bodyPr lIns="252000" rtlCol="0" anchor="ctr"/>
-          <a:lstStyle/>
-          <a:p>
-            <a:pPr algn="ctr"/>
-            <a:endParaRPr lang="ko-KR" altLang="en-US" sz="1600" dirty="0">
-              <a:solidFill>
-                <a:srgbClr val="00B050"/>
-              </a:solidFill>
-              <a:latin typeface="Courier New" pitchFamily="49" charset="0"/>
-              <a:ea typeface="맑은 고딕" pitchFamily="50" charset="-127"/>
-              <a:cs typeface="Courier New" pitchFamily="49" charset="0"/>
-            </a:endParaRPr>
-          </a:p>
-        </p:txBody>
-      </p:sp>
-    </p:spTree>
-    <p:extLst>
-      <p:ext uri="{BB962C8B-B14F-4D97-AF65-F5344CB8AC3E}">
-        <p14:creationId xmlns:p14="http://schemas.microsoft.com/office/powerpoint/2010/main" val="1244799493"/>
-      </p:ext>
-    </p:extLst>
-  </p:cSld>
-  <p:clrMap bg1="lt1" tx1="dk1" bg2="lt2" tx2="dk2" accent1="accent1" accent2="accent2" accent3="accent3" accent4="accent4" accent5="accent5" accent6="accent6" hlink="hlink" folHlink="folHlink"/>
-  <p:sldLayoutIdLst>
-    <p:sldLayoutId id="2147483787" r:id="rId1"/>
-    <p:sldLayoutId id="2147483788" r:id="rId2"/>
-    <p:sldLayoutId id="2147483789" r:id="rId3"/>
-  </p:sldLayoutIdLst>
-  <p:hf hdr="0" dt="0"/>
-  <p:txStyles>
-    <p:titleStyle>
-      <a:lvl1pPr algn="l" rtl="0" eaLnBrk="1" fontAlgn="base" latinLnBrk="1" hangingPunct="1">
-        <a:spcBef>
-          <a:spcPct val="0"/>
-        </a:spcBef>
-        <a:spcAft>
-          <a:spcPct val="0"/>
-        </a:spcAft>
-        <a:defRPr kumimoji="1" sz="2400">
-          <a:solidFill>
-            <a:schemeClr val="bg1"/>
-          </a:solidFill>
-          <a:latin typeface="+mj-lt"/>
-          <a:ea typeface="+mj-ea"/>
-          <a:cs typeface="+mj-cs"/>
-        </a:defRPr>
-      </a:lvl1pPr>
-      <a:lvl2pPr algn="l" rtl="0" eaLnBrk="1" fontAlgn="base" latinLnBrk="1" hangingPunct="1">
-        <a:spcBef>
-          <a:spcPct val="0"/>
-        </a:spcBef>
-        <a:spcAft>
-          <a:spcPct val="0"/>
-        </a:spcAft>
-        <a:defRPr kumimoji="1" sz="2400">
-          <a:solidFill>
-            <a:srgbClr val="FFFF00"/>
-          </a:solidFill>
-          <a:latin typeface="HY견고딕" pitchFamily="18" charset="-127"/>
-          <a:ea typeface="HY견고딕" pitchFamily="18" charset="-127"/>
-        </a:defRPr>
-      </a:lvl2pPr>
-      <a:lvl3pPr algn="l" rtl="0" eaLnBrk="1" fontAlgn="base" latinLnBrk="1" hangingPunct="1">
-        <a:spcBef>
-          <a:spcPct val="0"/>
-        </a:spcBef>
-        <a:spcAft>
-          <a:spcPct val="0"/>
-        </a:spcAft>
-        <a:defRPr kumimoji="1" sz="2400">
-          <a:solidFill>
-            <a:srgbClr val="FFFF00"/>
-          </a:solidFill>
-          <a:latin typeface="HY견고딕" pitchFamily="18" charset="-127"/>
-          <a:ea typeface="HY견고딕" pitchFamily="18" charset="-127"/>
-        </a:defRPr>
-      </a:lvl3pPr>
-      <a:lvl4pPr algn="l" rtl="0" eaLnBrk="1" fontAlgn="base" latinLnBrk="1" hangingPunct="1">
-        <a:spcBef>
-          <a:spcPct val="0"/>
-        </a:spcBef>
-        <a:spcAft>
-          <a:spcPct val="0"/>
-        </a:spcAft>
-        <a:defRPr kumimoji="1" sz="2400">
-          <a:solidFill>
-            <a:srgbClr val="FFFF00"/>
-          </a:solidFill>
-          <a:latin typeface="HY견고딕" pitchFamily="18" charset="-127"/>
-          <a:ea typeface="HY견고딕" pitchFamily="18" charset="-127"/>
-        </a:defRPr>
-      </a:lvl4pPr>
-      <a:lvl5pPr algn="l" rtl="0" eaLnBrk="1" fontAlgn="base" latinLnBrk="1" hangingPunct="1">
-        <a:spcBef>
-          <a:spcPct val="0"/>
-        </a:spcBef>
-        <a:spcAft>
-          <a:spcPct val="0"/>
-        </a:spcAft>
-        <a:defRPr kumimoji="1" sz="2400">
-          <a:solidFill>
-            <a:srgbClr val="FFFF00"/>
-          </a:solidFill>
-          <a:latin typeface="HY견고딕" pitchFamily="18" charset="-127"/>
-          <a:ea typeface="HY견고딕" pitchFamily="18" charset="-127"/>
-        </a:defRPr>
-      </a:lvl5pPr>
-      <a:lvl6pPr marL="457200" algn="l" rtl="0" eaLnBrk="1" fontAlgn="base" latinLnBrk="1" hangingPunct="1">
-        <a:spcBef>
-          <a:spcPct val="0"/>
-        </a:spcBef>
-        <a:spcAft>
-          <a:spcPct val="0"/>
-        </a:spcAft>
-        <a:defRPr kumimoji="1" sz="3000">
-          <a:solidFill>
-            <a:schemeClr val="bg1"/>
-          </a:solidFill>
-          <a:latin typeface="HY견고딕" pitchFamily="18" charset="-127"/>
-          <a:ea typeface="HY견고딕" pitchFamily="18" charset="-127"/>
-        </a:defRPr>
-      </a:lvl6pPr>
-      <a:lvl7pPr marL="914400" algn="l" rtl="0" eaLnBrk="1" fontAlgn="base" latinLnBrk="1" hangingPunct="1">
-        <a:spcBef>
-          <a:spcPct val="0"/>
-        </a:spcBef>
-        <a:spcAft>
-          <a:spcPct val="0"/>
-        </a:spcAft>
-        <a:defRPr kumimoji="1" sz="3000">
-          <a:solidFill>
-            <a:schemeClr val="bg1"/>
-          </a:solidFill>
-          <a:latin typeface="HY견고딕" pitchFamily="18" charset="-127"/>
-          <a:ea typeface="HY견고딕" pitchFamily="18" charset="-127"/>
-        </a:defRPr>
-      </a:lvl7pPr>
-      <a:lvl8pPr marL="1371600" algn="l" rtl="0" eaLnBrk="1" fontAlgn="base" latinLnBrk="1" hangingPunct="1">
-        <a:spcBef>
-          <a:spcPct val="0"/>
-        </a:spcBef>
-        <a:spcAft>
-          <a:spcPct val="0"/>
-        </a:spcAft>
-        <a:defRPr kumimoji="1" sz="3000">
-          <a:solidFill>
-            <a:schemeClr val="bg1"/>
-          </a:solidFill>
-          <a:latin typeface="HY견고딕" pitchFamily="18" charset="-127"/>
-          <a:ea typeface="HY견고딕" pitchFamily="18" charset="-127"/>
-        </a:defRPr>
-      </a:lvl8pPr>
-      <a:lvl9pPr marL="1828800" algn="l" rtl="0" eaLnBrk="1" fontAlgn="base" latinLnBrk="1" hangingPunct="1">
-        <a:spcBef>
-          <a:spcPct val="0"/>
-        </a:spcBef>
-        <a:spcAft>
-          <a:spcPct val="0"/>
-        </a:spcAft>
-        <a:defRPr kumimoji="1" sz="3000">
-          <a:solidFill>
-            <a:schemeClr val="bg1"/>
-          </a:solidFill>
-          <a:latin typeface="HY견고딕" pitchFamily="18" charset="-127"/>
-          <a:ea typeface="HY견고딕" pitchFamily="18" charset="-127"/>
-        </a:defRPr>
-      </a:lvl9pPr>
-    </p:titleStyle>
-    <p:bodyStyle>
-      <a:lvl1pPr marL="342900" indent="-342900" algn="l" rtl="0" eaLnBrk="1" fontAlgn="base" latinLnBrk="1" hangingPunct="1">
         <a:spcBef>
           <a:spcPct val="20000"/>
         </a:spcBef>
@@ -16315,6 +10518,57 @@
           </a:fontRef>
         </p:style>
       </p:cxnSp>
+      <mc:AlternateContent xmlns:mc="http://schemas.openxmlformats.org/markup-compatibility/2006" xmlns:p14="http://schemas.microsoft.com/office/powerpoint/2010/main">
+        <mc:Choice Requires="p14">
+          <p:contentPart p14:bwMode="auto" r:id="rId2">
+            <p14:nvContentPartPr>
+              <p14:cNvPr id="2" name="Ink 1">
+                <a:extLst>
+                  <a:ext uri="{FF2B5EF4-FFF2-40B4-BE49-F238E27FC236}">
+                    <a16:creationId xmlns:a16="http://schemas.microsoft.com/office/drawing/2014/main" id="{D5FA82D1-9E84-4670-DDD9-7A61BA536629}"/>
+                  </a:ext>
+                </a:extLst>
+              </p14:cNvPr>
+              <p14:cNvContentPartPr/>
+              <p14:nvPr/>
+            </p14:nvContentPartPr>
+            <p14:xfrm>
+              <a:off x="142560" y="1318320"/>
+              <a:ext cx="2899440" cy="1634400"/>
+            </p14:xfrm>
+          </p:contentPart>
+        </mc:Choice>
+        <mc:Fallback xmlns="">
+          <p:pic>
+            <p:nvPicPr>
+              <p:cNvPr id="2" name="Ink 1">
+                <a:extLst>
+                  <a:ext uri="{FF2B5EF4-FFF2-40B4-BE49-F238E27FC236}">
+                    <a16:creationId xmlns:a16="http://schemas.microsoft.com/office/drawing/2014/main" id="{D5FA82D1-9E84-4670-DDD9-7A61BA536629}"/>
+                  </a:ext>
+                </a:extLst>
+              </p:cNvPr>
+              <p:cNvPicPr/>
+              <p:nvPr/>
+            </p:nvPicPr>
+            <p:blipFill>
+              <a:blip r:embed="rId3"/>
+              <a:stretch>
+                <a:fillRect/>
+              </a:stretch>
+            </p:blipFill>
+            <p:spPr>
+              <a:xfrm>
+                <a:off x="133200" y="1308960"/>
+                <a:ext cx="2918160" cy="1653120"/>
+              </a:xfrm>
+              <a:prstGeom prst="rect">
+                <a:avLst/>
+              </a:prstGeom>
+            </p:spPr>
+          </p:pic>
+        </mc:Fallback>
+      </mc:AlternateContent>
     </p:spTree>
   </p:cSld>
   <p:clrMapOvr>
@@ -16976,6 +11230,57 @@
           </a:p>
         </p:txBody>
       </p:sp>
+      <mc:AlternateContent xmlns:mc="http://schemas.openxmlformats.org/markup-compatibility/2006" xmlns:p14="http://schemas.microsoft.com/office/powerpoint/2010/main">
+        <mc:Choice Requires="p14">
+          <p:contentPart p14:bwMode="auto" r:id="rId2">
+            <p14:nvContentPartPr>
+              <p14:cNvPr id="2" name="Ink 1">
+                <a:extLst>
+                  <a:ext uri="{FF2B5EF4-FFF2-40B4-BE49-F238E27FC236}">
+                    <a16:creationId xmlns:a16="http://schemas.microsoft.com/office/drawing/2014/main" id="{C77CEF88-E95D-EB99-AD6E-B4928A4F419D}"/>
+                  </a:ext>
+                </a:extLst>
+              </p14:cNvPr>
+              <p14:cNvContentPartPr/>
+              <p14:nvPr/>
+            </p14:nvContentPartPr>
+            <p14:xfrm>
+              <a:off x="1084320" y="4475160"/>
+              <a:ext cx="4119840" cy="142560"/>
+            </p14:xfrm>
+          </p:contentPart>
+        </mc:Choice>
+        <mc:Fallback xmlns="">
+          <p:pic>
+            <p:nvPicPr>
+              <p:cNvPr id="2" name="Ink 1">
+                <a:extLst>
+                  <a:ext uri="{FF2B5EF4-FFF2-40B4-BE49-F238E27FC236}">
+                    <a16:creationId xmlns:a16="http://schemas.microsoft.com/office/drawing/2014/main" id="{C77CEF88-E95D-EB99-AD6E-B4928A4F419D}"/>
+                  </a:ext>
+                </a:extLst>
+              </p:cNvPr>
+              <p:cNvPicPr/>
+              <p:nvPr/>
+            </p:nvPicPr>
+            <p:blipFill>
+              <a:blip r:embed="rId3"/>
+              <a:stretch>
+                <a:fillRect/>
+              </a:stretch>
+            </p:blipFill>
+            <p:spPr>
+              <a:xfrm>
+                <a:off x="1074960" y="4465800"/>
+                <a:ext cx="4138560" cy="161280"/>
+              </a:xfrm>
+              <a:prstGeom prst="rect">
+                <a:avLst/>
+              </a:prstGeom>
+            </p:spPr>
+          </p:pic>
+        </mc:Fallback>
+      </mc:AlternateContent>
     </p:spTree>
   </p:cSld>
   <p:clrMapOvr>
@@ -24823,795 +19128,6 @@
 </file>
 
 <file path=ppt/theme/theme1.xml><?xml version="1.0" encoding="utf-8"?>
-<a:theme xmlns:a="http://schemas.openxmlformats.org/drawingml/2006/main" name="3150">
-  <a:themeElements>
-    <a:clrScheme name="Office">
-      <a:dk1>
-        <a:sysClr val="windowText" lastClr="000000"/>
-      </a:dk1>
-      <a:lt1>
-        <a:sysClr val="window" lastClr="FFFFFF"/>
-      </a:lt1>
-      <a:dk2>
-        <a:srgbClr val="1F497D"/>
-      </a:dk2>
-      <a:lt2>
-        <a:srgbClr val="EEECE1"/>
-      </a:lt2>
-      <a:accent1>
-        <a:srgbClr val="4F81BD"/>
-      </a:accent1>
-      <a:accent2>
-        <a:srgbClr val="C0504D"/>
-      </a:accent2>
-      <a:accent3>
-        <a:srgbClr val="9BBB59"/>
-      </a:accent3>
-      <a:accent4>
-        <a:srgbClr val="8064A2"/>
-      </a:accent4>
-      <a:accent5>
-        <a:srgbClr val="4BACC6"/>
-      </a:accent5>
-      <a:accent6>
-        <a:srgbClr val="F79646"/>
-      </a:accent6>
-      <a:hlink>
-        <a:srgbClr val="0000FF"/>
-      </a:hlink>
-      <a:folHlink>
-        <a:srgbClr val="800080"/>
-      </a:folHlink>
-    </a:clrScheme>
-    <a:fontScheme name="기본 디자인">
-      <a:majorFont>
-        <a:latin typeface="HY견고딕"/>
-        <a:ea typeface="HY견고딕"/>
-        <a:cs typeface=""/>
-      </a:majorFont>
-      <a:minorFont>
-        <a:latin typeface="굴림"/>
-        <a:ea typeface="굴림"/>
-        <a:cs typeface=""/>
-      </a:minorFont>
-    </a:fontScheme>
-    <a:fmtScheme name="Office">
-      <a:fillStyleLst>
-        <a:solidFill>
-          <a:schemeClr val="phClr"/>
-        </a:solidFill>
-        <a:gradFill rotWithShape="1">
-          <a:gsLst>
-            <a:gs pos="0">
-              <a:schemeClr val="phClr">
-                <a:tint val="50000"/>
-                <a:satMod val="300000"/>
-              </a:schemeClr>
-            </a:gs>
-            <a:gs pos="35000">
-              <a:schemeClr val="phClr">
-                <a:tint val="37000"/>
-                <a:satMod val="300000"/>
-              </a:schemeClr>
-            </a:gs>
-            <a:gs pos="100000">
-              <a:schemeClr val="phClr">
-                <a:tint val="15000"/>
-                <a:satMod val="350000"/>
-              </a:schemeClr>
-            </a:gs>
-          </a:gsLst>
-          <a:lin ang="16200000" scaled="1"/>
-        </a:gradFill>
-        <a:gradFill rotWithShape="1">
-          <a:gsLst>
-            <a:gs pos="0">
-              <a:schemeClr val="phClr">
-                <a:shade val="51000"/>
-                <a:satMod val="130000"/>
-              </a:schemeClr>
-            </a:gs>
-            <a:gs pos="80000">
-              <a:schemeClr val="phClr">
-                <a:shade val="93000"/>
-                <a:satMod val="130000"/>
-              </a:schemeClr>
-            </a:gs>
-            <a:gs pos="100000">
-              <a:schemeClr val="phClr">
-                <a:shade val="94000"/>
-                <a:satMod val="135000"/>
-              </a:schemeClr>
-            </a:gs>
-          </a:gsLst>
-          <a:lin ang="16200000" scaled="0"/>
-        </a:gradFill>
-      </a:fillStyleLst>
-      <a:lnStyleLst>
-        <a:ln w="9525" cap="flat" cmpd="sng" algn="ctr">
-          <a:solidFill>
-            <a:schemeClr val="phClr">
-              <a:shade val="95000"/>
-              <a:satMod val="105000"/>
-            </a:schemeClr>
-          </a:solidFill>
-          <a:prstDash val="solid"/>
-        </a:ln>
-        <a:ln w="25400" cap="flat" cmpd="sng" algn="ctr">
-          <a:solidFill>
-            <a:schemeClr val="phClr"/>
-          </a:solidFill>
-          <a:prstDash val="solid"/>
-        </a:ln>
-        <a:ln w="38100" cap="flat" cmpd="sng" algn="ctr">
-          <a:solidFill>
-            <a:schemeClr val="phClr"/>
-          </a:solidFill>
-          <a:prstDash val="solid"/>
-        </a:ln>
-      </a:lnStyleLst>
-      <a:effectStyleLst>
-        <a:effectStyle>
-          <a:effectLst>
-            <a:outerShdw blurRad="40000" dist="20000" dir="5400000" rotWithShape="0">
-              <a:srgbClr val="000000">
-                <a:alpha val="38000"/>
-              </a:srgbClr>
-            </a:outerShdw>
-          </a:effectLst>
-        </a:effectStyle>
-        <a:effectStyle>
-          <a:effectLst>
-            <a:outerShdw blurRad="40000" dist="23000" dir="5400000" rotWithShape="0">
-              <a:srgbClr val="000000">
-                <a:alpha val="35000"/>
-              </a:srgbClr>
-            </a:outerShdw>
-          </a:effectLst>
-        </a:effectStyle>
-        <a:effectStyle>
-          <a:effectLst>
-            <a:outerShdw blurRad="40000" dist="23000" dir="5400000" rotWithShape="0">
-              <a:srgbClr val="000000">
-                <a:alpha val="35000"/>
-              </a:srgbClr>
-            </a:outerShdw>
-          </a:effectLst>
-          <a:scene3d>
-            <a:camera prst="orthographicFront">
-              <a:rot lat="0" lon="0" rev="0"/>
-            </a:camera>
-            <a:lightRig rig="threePt" dir="t">
-              <a:rot lat="0" lon="0" rev="1200000"/>
-            </a:lightRig>
-          </a:scene3d>
-          <a:sp3d>
-            <a:bevelT w="63500" h="25400"/>
-          </a:sp3d>
-        </a:effectStyle>
-      </a:effectStyleLst>
-      <a:bgFillStyleLst>
-        <a:solidFill>
-          <a:schemeClr val="phClr"/>
-        </a:solidFill>
-        <a:gradFill rotWithShape="1">
-          <a:gsLst>
-            <a:gs pos="0">
-              <a:schemeClr val="phClr">
-                <a:tint val="40000"/>
-                <a:satMod val="350000"/>
-              </a:schemeClr>
-            </a:gs>
-            <a:gs pos="40000">
-              <a:schemeClr val="phClr">
-                <a:tint val="45000"/>
-                <a:shade val="99000"/>
-                <a:satMod val="350000"/>
-              </a:schemeClr>
-            </a:gs>
-            <a:gs pos="100000">
-              <a:schemeClr val="phClr">
-                <a:shade val="20000"/>
-                <a:satMod val="255000"/>
-              </a:schemeClr>
-            </a:gs>
-          </a:gsLst>
-          <a:path path="circle">
-            <a:fillToRect l="50000" t="-80000" r="50000" b="180000"/>
-          </a:path>
-        </a:gradFill>
-        <a:gradFill rotWithShape="1">
-          <a:gsLst>
-            <a:gs pos="0">
-              <a:schemeClr val="phClr">
-                <a:tint val="80000"/>
-                <a:satMod val="300000"/>
-              </a:schemeClr>
-            </a:gs>
-            <a:gs pos="100000">
-              <a:schemeClr val="phClr">
-                <a:shade val="30000"/>
-                <a:satMod val="200000"/>
-              </a:schemeClr>
-            </a:gs>
-          </a:gsLst>
-          <a:path path="circle">
-            <a:fillToRect l="50000" t="50000" r="50000" b="50000"/>
-          </a:path>
-        </a:gradFill>
-      </a:bgFillStyleLst>
-    </a:fmtScheme>
-  </a:themeElements>
-  <a:objectDefaults>
-    <a:spDef>
-      <a:spPr>
-        <a:solidFill>
-          <a:schemeClr val="bg1"/>
-        </a:solidFill>
-        <a:ln w="9525">
-          <a:solidFill>
-            <a:schemeClr val="tx1"/>
-          </a:solidFill>
-        </a:ln>
-      </a:spPr>
-      <a:bodyPr lIns="252000" rtlCol="0" anchor="ctr"/>
-      <a:lstStyle>
-        <a:defPPr>
-          <a:defRPr sz="1600" dirty="0" smtClean="0">
-            <a:solidFill>
-              <a:srgbClr val="00B050"/>
-            </a:solidFill>
-            <a:latin typeface="Courier New" pitchFamily="49" charset="0"/>
-            <a:ea typeface="맑은 고딕" pitchFamily="50" charset="-127"/>
-            <a:cs typeface="Courier New" pitchFamily="49" charset="0"/>
-          </a:defRPr>
-        </a:defPPr>
-      </a:lstStyle>
-      <a:style>
-        <a:lnRef idx="3">
-          <a:schemeClr val="lt1"/>
-        </a:lnRef>
-        <a:fillRef idx="1">
-          <a:schemeClr val="accent1"/>
-        </a:fillRef>
-        <a:effectRef idx="1">
-          <a:schemeClr val="accent1"/>
-        </a:effectRef>
-        <a:fontRef idx="minor">
-          <a:schemeClr val="lt1"/>
-        </a:fontRef>
-      </a:style>
-    </a:spDef>
-    <a:lnDef>
-      <a:spPr>
-        <a:ln w="12700">
-          <a:solidFill>
-            <a:schemeClr val="tx1"/>
-          </a:solidFill>
-          <a:tailEnd type="triangle"/>
-        </a:ln>
-      </a:spPr>
-      <a:bodyPr/>
-      <a:lstStyle/>
-      <a:style>
-        <a:lnRef idx="1">
-          <a:schemeClr val="accent1"/>
-        </a:lnRef>
-        <a:fillRef idx="0">
-          <a:schemeClr val="accent1"/>
-        </a:fillRef>
-        <a:effectRef idx="0">
-          <a:schemeClr val="accent1"/>
-        </a:effectRef>
-        <a:fontRef idx="minor">
-          <a:schemeClr val="tx1"/>
-        </a:fontRef>
-      </a:style>
-    </a:lnDef>
-  </a:objectDefaults>
-  <a:extraClrSchemeLst>
-    <a:extraClrScheme>
-      <a:clrScheme name="기본 디자인 1">
-        <a:dk1>
-          <a:srgbClr val="000000"/>
-        </a:dk1>
-        <a:lt1>
-          <a:srgbClr val="FFFFFF"/>
-        </a:lt1>
-        <a:dk2>
-          <a:srgbClr val="000000"/>
-        </a:dk2>
-        <a:lt2>
-          <a:srgbClr val="808080"/>
-        </a:lt2>
-        <a:accent1>
-          <a:srgbClr val="BBE0E3"/>
-        </a:accent1>
-        <a:accent2>
-          <a:srgbClr val="333399"/>
-        </a:accent2>
-        <a:accent3>
-          <a:srgbClr val="FFFFFF"/>
-        </a:accent3>
-        <a:accent4>
-          <a:srgbClr val="000000"/>
-        </a:accent4>
-        <a:accent5>
-          <a:srgbClr val="DAEDEF"/>
-        </a:accent5>
-        <a:accent6>
-          <a:srgbClr val="2D2D8A"/>
-        </a:accent6>
-        <a:hlink>
-          <a:srgbClr val="009999"/>
-        </a:hlink>
-        <a:folHlink>
-          <a:srgbClr val="99CC00"/>
-        </a:folHlink>
-      </a:clrScheme>
-      <a:clrMap bg1="lt1" tx1="dk1" bg2="lt2" tx2="dk2" accent1="accent1" accent2="accent2" accent3="accent3" accent4="accent4" accent5="accent5" accent6="accent6" hlink="hlink" folHlink="folHlink"/>
-    </a:extraClrScheme>
-    <a:extraClrScheme>
-      <a:clrScheme name="기본 디자인 2">
-        <a:dk1>
-          <a:srgbClr val="000000"/>
-        </a:dk1>
-        <a:lt1>
-          <a:srgbClr val="FFFFFF"/>
-        </a:lt1>
-        <a:dk2>
-          <a:srgbClr val="000000"/>
-        </a:dk2>
-        <a:lt2>
-          <a:srgbClr val="969696"/>
-        </a:lt2>
-        <a:accent1>
-          <a:srgbClr val="FBDF53"/>
-        </a:accent1>
-        <a:accent2>
-          <a:srgbClr val="FF9966"/>
-        </a:accent2>
-        <a:accent3>
-          <a:srgbClr val="FFFFFF"/>
-        </a:accent3>
-        <a:accent4>
-          <a:srgbClr val="000000"/>
-        </a:accent4>
-        <a:accent5>
-          <a:srgbClr val="FDECB3"/>
-        </a:accent5>
-        <a:accent6>
-          <a:srgbClr val="E78A5C"/>
-        </a:accent6>
-        <a:hlink>
-          <a:srgbClr val="CC3300"/>
-        </a:hlink>
-        <a:folHlink>
-          <a:srgbClr val="996600"/>
-        </a:folHlink>
-      </a:clrScheme>
-      <a:clrMap bg1="lt1" tx1="dk1" bg2="lt2" tx2="dk2" accent1="accent1" accent2="accent2" accent3="accent3" accent4="accent4" accent5="accent5" accent6="accent6" hlink="hlink" folHlink="folHlink"/>
-    </a:extraClrScheme>
-    <a:extraClrScheme>
-      <a:clrScheme name="기본 디자인 3">
-        <a:dk1>
-          <a:srgbClr val="000000"/>
-        </a:dk1>
-        <a:lt1>
-          <a:srgbClr val="FFFFFF"/>
-        </a:lt1>
-        <a:dk2>
-          <a:srgbClr val="000000"/>
-        </a:dk2>
-        <a:lt2>
-          <a:srgbClr val="808080"/>
-        </a:lt2>
-        <a:accent1>
-          <a:srgbClr val="99CCFF"/>
-        </a:accent1>
-        <a:accent2>
-          <a:srgbClr val="CCCCFF"/>
-        </a:accent2>
-        <a:accent3>
-          <a:srgbClr val="FFFFFF"/>
-        </a:accent3>
-        <a:accent4>
-          <a:srgbClr val="000000"/>
-        </a:accent4>
-        <a:accent5>
-          <a:srgbClr val="CAE2FF"/>
-        </a:accent5>
-        <a:accent6>
-          <a:srgbClr val="B9B9E7"/>
-        </a:accent6>
-        <a:hlink>
-          <a:srgbClr val="3333CC"/>
-        </a:hlink>
-        <a:folHlink>
-          <a:srgbClr val="AF67FF"/>
-        </a:folHlink>
-      </a:clrScheme>
-      <a:clrMap bg1="lt1" tx1="dk1" bg2="lt2" tx2="dk2" accent1="accent1" accent2="accent2" accent3="accent3" accent4="accent4" accent5="accent5" accent6="accent6" hlink="hlink" folHlink="folHlink"/>
-    </a:extraClrScheme>
-    <a:extraClrScheme>
-      <a:clrScheme name="기본 디자인 4">
-        <a:dk1>
-          <a:srgbClr val="000000"/>
-        </a:dk1>
-        <a:lt1>
-          <a:srgbClr val="DEF6F1"/>
-        </a:lt1>
-        <a:dk2>
-          <a:srgbClr val="000000"/>
-        </a:dk2>
-        <a:lt2>
-          <a:srgbClr val="969696"/>
-        </a:lt2>
-        <a:accent1>
-          <a:srgbClr val="FFFFFF"/>
-        </a:accent1>
-        <a:accent2>
-          <a:srgbClr val="8DC6FF"/>
-        </a:accent2>
-        <a:accent3>
-          <a:srgbClr val="ECFAF7"/>
-        </a:accent3>
-        <a:accent4>
-          <a:srgbClr val="000000"/>
-        </a:accent4>
-        <a:accent5>
-          <a:srgbClr val="FFFFFF"/>
-        </a:accent5>
-        <a:accent6>
-          <a:srgbClr val="7FB3E7"/>
-        </a:accent6>
-        <a:hlink>
-          <a:srgbClr val="0066CC"/>
-        </a:hlink>
-        <a:folHlink>
-          <a:srgbClr val="00A800"/>
-        </a:folHlink>
-      </a:clrScheme>
-      <a:clrMap bg1="lt1" tx1="dk1" bg2="lt2" tx2="dk2" accent1="accent1" accent2="accent2" accent3="accent3" accent4="accent4" accent5="accent5" accent6="accent6" hlink="hlink" folHlink="folHlink"/>
-    </a:extraClrScheme>
-    <a:extraClrScheme>
-      <a:clrScheme name="기본 디자인 5">
-        <a:dk1>
-          <a:srgbClr val="000000"/>
-        </a:dk1>
-        <a:lt1>
-          <a:srgbClr val="FFFFD9"/>
-        </a:lt1>
-        <a:dk2>
-          <a:srgbClr val="000000"/>
-        </a:dk2>
-        <a:lt2>
-          <a:srgbClr val="777777"/>
-        </a:lt2>
-        <a:accent1>
-          <a:srgbClr val="FFFFF7"/>
-        </a:accent1>
-        <a:accent2>
-          <a:srgbClr val="33CCCC"/>
-        </a:accent2>
-        <a:accent3>
-          <a:srgbClr val="FFFFE9"/>
-        </a:accent3>
-        <a:accent4>
-          <a:srgbClr val="000000"/>
-        </a:accent4>
-        <a:accent5>
-          <a:srgbClr val="FFFFFA"/>
-        </a:accent5>
-        <a:accent6>
-          <a:srgbClr val="2DB9B9"/>
-        </a:accent6>
-        <a:hlink>
-          <a:srgbClr val="FF5050"/>
-        </a:hlink>
-        <a:folHlink>
-          <a:srgbClr val="FF9900"/>
-        </a:folHlink>
-      </a:clrScheme>
-      <a:clrMap bg1="lt1" tx1="dk1" bg2="lt2" tx2="dk2" accent1="accent1" accent2="accent2" accent3="accent3" accent4="accent4" accent5="accent5" accent6="accent6" hlink="hlink" folHlink="folHlink"/>
-    </a:extraClrScheme>
-    <a:extraClrScheme>
-      <a:clrScheme name="기본 디자인 6">
-        <a:dk1>
-          <a:srgbClr val="005A58"/>
-        </a:dk1>
-        <a:lt1>
-          <a:srgbClr val="FFFFFF"/>
-        </a:lt1>
-        <a:dk2>
-          <a:srgbClr val="008080"/>
-        </a:dk2>
-        <a:lt2>
-          <a:srgbClr val="FFFF99"/>
-        </a:lt2>
-        <a:accent1>
-          <a:srgbClr val="006462"/>
-        </a:accent1>
-        <a:accent2>
-          <a:srgbClr val="6D6FC7"/>
-        </a:accent2>
-        <a:accent3>
-          <a:srgbClr val="AAC0C0"/>
-        </a:accent3>
-        <a:accent4>
-          <a:srgbClr val="DADADA"/>
-        </a:accent4>
-        <a:accent5>
-          <a:srgbClr val="AAB8B7"/>
-        </a:accent5>
-        <a:accent6>
-          <a:srgbClr val="6264B4"/>
-        </a:accent6>
-        <a:hlink>
-          <a:srgbClr val="00FFFF"/>
-        </a:hlink>
-        <a:folHlink>
-          <a:srgbClr val="00FF00"/>
-        </a:folHlink>
-      </a:clrScheme>
-      <a:clrMap bg1="dk2" tx1="lt1" bg2="dk1" tx2="lt2" accent1="accent1" accent2="accent2" accent3="accent3" accent4="accent4" accent5="accent5" accent6="accent6" hlink="hlink" folHlink="folHlink"/>
-    </a:extraClrScheme>
-    <a:extraClrScheme>
-      <a:clrScheme name="기본 디자인 7">
-        <a:dk1>
-          <a:srgbClr val="5C1F00"/>
-        </a:dk1>
-        <a:lt1>
-          <a:srgbClr val="FFFFFF"/>
-        </a:lt1>
-        <a:dk2>
-          <a:srgbClr val="800000"/>
-        </a:dk2>
-        <a:lt2>
-          <a:srgbClr val="DFD293"/>
-        </a:lt2>
-        <a:accent1>
-          <a:srgbClr val="CC3300"/>
-        </a:accent1>
-        <a:accent2>
-          <a:srgbClr val="BE7960"/>
-        </a:accent2>
-        <a:accent3>
-          <a:srgbClr val="C0AAAA"/>
-        </a:accent3>
-        <a:accent4>
-          <a:srgbClr val="DADADA"/>
-        </a:accent4>
-        <a:accent5>
-          <a:srgbClr val="E2ADAA"/>
-        </a:accent5>
-        <a:accent6>
-          <a:srgbClr val="AC6D56"/>
-        </a:accent6>
-        <a:hlink>
-          <a:srgbClr val="FFFF99"/>
-        </a:hlink>
-        <a:folHlink>
-          <a:srgbClr val="D3A219"/>
-        </a:folHlink>
-      </a:clrScheme>
-      <a:clrMap bg1="dk2" tx1="lt1" bg2="dk1" tx2="lt2" accent1="accent1" accent2="accent2" accent3="accent3" accent4="accent4" accent5="accent5" accent6="accent6" hlink="hlink" folHlink="folHlink"/>
-    </a:extraClrScheme>
-    <a:extraClrScheme>
-      <a:clrScheme name="기본 디자인 8">
-        <a:dk1>
-          <a:srgbClr val="003366"/>
-        </a:dk1>
-        <a:lt1>
-          <a:srgbClr val="FFFFFF"/>
-        </a:lt1>
-        <a:dk2>
-          <a:srgbClr val="000099"/>
-        </a:dk2>
-        <a:lt2>
-          <a:srgbClr val="CCFFFF"/>
-        </a:lt2>
-        <a:accent1>
-          <a:srgbClr val="3366CC"/>
-        </a:accent1>
-        <a:accent2>
-          <a:srgbClr val="00B000"/>
-        </a:accent2>
-        <a:accent3>
-          <a:srgbClr val="AAAACA"/>
-        </a:accent3>
-        <a:accent4>
-          <a:srgbClr val="DADADA"/>
-        </a:accent4>
-        <a:accent5>
-          <a:srgbClr val="ADB8E2"/>
-        </a:accent5>
-        <a:accent6>
-          <a:srgbClr val="009F00"/>
-        </a:accent6>
-        <a:hlink>
-          <a:srgbClr val="66CCFF"/>
-        </a:hlink>
-        <a:folHlink>
-          <a:srgbClr val="FFE701"/>
-        </a:folHlink>
-      </a:clrScheme>
-      <a:clrMap bg1="dk2" tx1="lt1" bg2="dk1" tx2="lt2" accent1="accent1" accent2="accent2" accent3="accent3" accent4="accent4" accent5="accent5" accent6="accent6" hlink="hlink" folHlink="folHlink"/>
-    </a:extraClrScheme>
-    <a:extraClrScheme>
-      <a:clrScheme name="기본 디자인 9">
-        <a:dk1>
-          <a:srgbClr val="336699"/>
-        </a:dk1>
-        <a:lt1>
-          <a:srgbClr val="FFFFFF"/>
-        </a:lt1>
-        <a:dk2>
-          <a:srgbClr val="000000"/>
-        </a:dk2>
-        <a:lt2>
-          <a:srgbClr val="E3EBF1"/>
-        </a:lt2>
-        <a:accent1>
-          <a:srgbClr val="003399"/>
-        </a:accent1>
-        <a:accent2>
-          <a:srgbClr val="468A4B"/>
-        </a:accent2>
-        <a:accent3>
-          <a:srgbClr val="AAAAAA"/>
-        </a:accent3>
-        <a:accent4>
-          <a:srgbClr val="DADADA"/>
-        </a:accent4>
-        <a:accent5>
-          <a:srgbClr val="AAADCA"/>
-        </a:accent5>
-        <a:accent6>
-          <a:srgbClr val="3F7D43"/>
-        </a:accent6>
-        <a:hlink>
-          <a:srgbClr val="66CCFF"/>
-        </a:hlink>
-        <a:folHlink>
-          <a:srgbClr val="F0E500"/>
-        </a:folHlink>
-      </a:clrScheme>
-      <a:clrMap bg1="dk2" tx1="lt1" bg2="dk1" tx2="lt2" accent1="accent1" accent2="accent2" accent3="accent3" accent4="accent4" accent5="accent5" accent6="accent6" hlink="hlink" folHlink="folHlink"/>
-    </a:extraClrScheme>
-    <a:extraClrScheme>
-      <a:clrScheme name="기본 디자인 10">
-        <a:dk1>
-          <a:srgbClr val="777777"/>
-        </a:dk1>
-        <a:lt1>
-          <a:srgbClr val="FFFFFF"/>
-        </a:lt1>
-        <a:dk2>
-          <a:srgbClr val="686B5D"/>
-        </a:dk2>
-        <a:lt2>
-          <a:srgbClr val="D1D1CB"/>
-        </a:lt2>
-        <a:accent1>
-          <a:srgbClr val="909082"/>
-        </a:accent1>
-        <a:accent2>
-          <a:srgbClr val="809EA8"/>
-        </a:accent2>
-        <a:accent3>
-          <a:srgbClr val="B9BAB6"/>
-        </a:accent3>
-        <a:accent4>
-          <a:srgbClr val="DADADA"/>
-        </a:accent4>
-        <a:accent5>
-          <a:srgbClr val="C6C6C1"/>
-        </a:accent5>
-        <a:accent6>
-          <a:srgbClr val="738F98"/>
-        </a:accent6>
-        <a:hlink>
-          <a:srgbClr val="FFCC66"/>
-        </a:hlink>
-        <a:folHlink>
-          <a:srgbClr val="E9DCB9"/>
-        </a:folHlink>
-      </a:clrScheme>
-      <a:clrMap bg1="dk2" tx1="lt1" bg2="dk1" tx2="lt2" accent1="accent1" accent2="accent2" accent3="accent3" accent4="accent4" accent5="accent5" accent6="accent6" hlink="hlink" folHlink="folHlink"/>
-    </a:extraClrScheme>
-    <a:extraClrScheme>
-      <a:clrScheme name="기본 디자인 11">
-        <a:dk1>
-          <a:srgbClr val="3E3E5C"/>
-        </a:dk1>
-        <a:lt1>
-          <a:srgbClr val="FFFFFF"/>
-        </a:lt1>
-        <a:dk2>
-          <a:srgbClr val="666699"/>
-        </a:dk2>
-        <a:lt2>
-          <a:srgbClr val="FFFFFF"/>
-        </a:lt2>
-        <a:accent1>
-          <a:srgbClr val="60597B"/>
-        </a:accent1>
-        <a:accent2>
-          <a:srgbClr val="6666FF"/>
-        </a:accent2>
-        <a:accent3>
-          <a:srgbClr val="B8B8CA"/>
-        </a:accent3>
-        <a:accent4>
-          <a:srgbClr val="DADADA"/>
-        </a:accent4>
-        <a:accent5>
-          <a:srgbClr val="B6B5BF"/>
-        </a:accent5>
-        <a:accent6>
-          <a:srgbClr val="5C5CE7"/>
-        </a:accent6>
-        <a:hlink>
-          <a:srgbClr val="99CCFF"/>
-        </a:hlink>
-        <a:folHlink>
-          <a:srgbClr val="FFFF99"/>
-        </a:folHlink>
-      </a:clrScheme>
-      <a:clrMap bg1="dk2" tx1="lt1" bg2="dk1" tx2="lt2" accent1="accent1" accent2="accent2" accent3="accent3" accent4="accent4" accent5="accent5" accent6="accent6" hlink="hlink" folHlink="folHlink"/>
-    </a:extraClrScheme>
-    <a:extraClrScheme>
-      <a:clrScheme name="기본 디자인 12">
-        <a:dk1>
-          <a:srgbClr val="2D2015"/>
-        </a:dk1>
-        <a:lt1>
-          <a:srgbClr val="FFFFFF"/>
-        </a:lt1>
-        <a:dk2>
-          <a:srgbClr val="523E26"/>
-        </a:dk2>
-        <a:lt2>
-          <a:srgbClr val="DFC08D"/>
-        </a:lt2>
-        <a:accent1>
-          <a:srgbClr val="8C7B70"/>
-        </a:accent1>
-        <a:accent2>
-          <a:srgbClr val="8F5F2F"/>
-        </a:accent2>
-        <a:accent3>
-          <a:srgbClr val="B3AFAC"/>
-        </a:accent3>
-        <a:accent4>
-          <a:srgbClr val="DADADA"/>
-        </a:accent4>
-        <a:accent5>
-          <a:srgbClr val="C5BFBB"/>
-        </a:accent5>
-        <a:accent6>
-          <a:srgbClr val="81552A"/>
-        </a:accent6>
-        <a:hlink>
-          <a:srgbClr val="CCB400"/>
-        </a:hlink>
-        <a:folHlink>
-          <a:srgbClr val="8C9EA0"/>
-        </a:folHlink>
-      </a:clrScheme>
-      <a:clrMap bg1="dk2" tx1="lt1" bg2="dk1" tx2="lt2" accent1="accent1" accent2="accent2" accent3="accent3" accent4="accent4" accent5="accent5" accent6="accent6" hlink="hlink" folHlink="folHlink"/>
-    </a:extraClrScheme>
-  </a:extraClrSchemeLst>
-  <a:extLst>
-    <a:ext uri="{05A4C25C-085E-4340-85A3-A5531E510DB2}">
-      <thm15:themeFamily xmlns:thm15="http://schemas.microsoft.com/office/thememl/2012/main" name="3150" id="{5CA7F7AF-ED8C-AA4E-96F3-C3C7BE1512A6}" vid="{F85903AB-D508-BB47-851C-D8C41168E676}"/>
-    </a:ext>
-  </a:extLst>
-</a:theme>
-</file>
-
-<file path=ppt/theme/theme2.xml><?xml version="1.0" encoding="utf-8"?>
 <a:theme xmlns:a="http://schemas.openxmlformats.org/drawingml/2006/main" name="1_양식_공청회_발표자료-총괄-양식">
   <a:themeElements>
     <a:clrScheme name="Office">
@@ -26395,1580 +19911,7 @@
 </a:theme>
 </file>
 
-<file path=ppt/theme/theme3.xml><?xml version="1.0" encoding="utf-8"?>
-<a:theme xmlns:a="http://schemas.openxmlformats.org/drawingml/2006/main" name="1_3150">
-  <a:themeElements>
-    <a:clrScheme name="Office">
-      <a:dk1>
-        <a:sysClr val="windowText" lastClr="000000"/>
-      </a:dk1>
-      <a:lt1>
-        <a:sysClr val="window" lastClr="FFFFFF"/>
-      </a:lt1>
-      <a:dk2>
-        <a:srgbClr val="1F497D"/>
-      </a:dk2>
-      <a:lt2>
-        <a:srgbClr val="EEECE1"/>
-      </a:lt2>
-      <a:accent1>
-        <a:srgbClr val="4F81BD"/>
-      </a:accent1>
-      <a:accent2>
-        <a:srgbClr val="C0504D"/>
-      </a:accent2>
-      <a:accent3>
-        <a:srgbClr val="9BBB59"/>
-      </a:accent3>
-      <a:accent4>
-        <a:srgbClr val="8064A2"/>
-      </a:accent4>
-      <a:accent5>
-        <a:srgbClr val="4BACC6"/>
-      </a:accent5>
-      <a:accent6>
-        <a:srgbClr val="F79646"/>
-      </a:accent6>
-      <a:hlink>
-        <a:srgbClr val="0000FF"/>
-      </a:hlink>
-      <a:folHlink>
-        <a:srgbClr val="800080"/>
-      </a:folHlink>
-    </a:clrScheme>
-    <a:fontScheme name="기본 디자인">
-      <a:majorFont>
-        <a:latin typeface="HY견고딕"/>
-        <a:ea typeface="HY견고딕"/>
-        <a:cs typeface=""/>
-      </a:majorFont>
-      <a:minorFont>
-        <a:latin typeface="굴림"/>
-        <a:ea typeface="굴림"/>
-        <a:cs typeface=""/>
-      </a:minorFont>
-    </a:fontScheme>
-    <a:fmtScheme name="Office">
-      <a:fillStyleLst>
-        <a:solidFill>
-          <a:schemeClr val="phClr"/>
-        </a:solidFill>
-        <a:gradFill rotWithShape="1">
-          <a:gsLst>
-            <a:gs pos="0">
-              <a:schemeClr val="phClr">
-                <a:tint val="50000"/>
-                <a:satMod val="300000"/>
-              </a:schemeClr>
-            </a:gs>
-            <a:gs pos="35000">
-              <a:schemeClr val="phClr">
-                <a:tint val="37000"/>
-                <a:satMod val="300000"/>
-              </a:schemeClr>
-            </a:gs>
-            <a:gs pos="100000">
-              <a:schemeClr val="phClr">
-                <a:tint val="15000"/>
-                <a:satMod val="350000"/>
-              </a:schemeClr>
-            </a:gs>
-          </a:gsLst>
-          <a:lin ang="16200000" scaled="1"/>
-        </a:gradFill>
-        <a:gradFill rotWithShape="1">
-          <a:gsLst>
-            <a:gs pos="0">
-              <a:schemeClr val="phClr">
-                <a:shade val="51000"/>
-                <a:satMod val="130000"/>
-              </a:schemeClr>
-            </a:gs>
-            <a:gs pos="80000">
-              <a:schemeClr val="phClr">
-                <a:shade val="93000"/>
-                <a:satMod val="130000"/>
-              </a:schemeClr>
-            </a:gs>
-            <a:gs pos="100000">
-              <a:schemeClr val="phClr">
-                <a:shade val="94000"/>
-                <a:satMod val="135000"/>
-              </a:schemeClr>
-            </a:gs>
-          </a:gsLst>
-          <a:lin ang="16200000" scaled="0"/>
-        </a:gradFill>
-      </a:fillStyleLst>
-      <a:lnStyleLst>
-        <a:ln w="9525" cap="flat" cmpd="sng" algn="ctr">
-          <a:solidFill>
-            <a:schemeClr val="phClr">
-              <a:shade val="95000"/>
-              <a:satMod val="105000"/>
-            </a:schemeClr>
-          </a:solidFill>
-          <a:prstDash val="solid"/>
-        </a:ln>
-        <a:ln w="25400" cap="flat" cmpd="sng" algn="ctr">
-          <a:solidFill>
-            <a:schemeClr val="phClr"/>
-          </a:solidFill>
-          <a:prstDash val="solid"/>
-        </a:ln>
-        <a:ln w="38100" cap="flat" cmpd="sng" algn="ctr">
-          <a:solidFill>
-            <a:schemeClr val="phClr"/>
-          </a:solidFill>
-          <a:prstDash val="solid"/>
-        </a:ln>
-      </a:lnStyleLst>
-      <a:effectStyleLst>
-        <a:effectStyle>
-          <a:effectLst>
-            <a:outerShdw blurRad="40000" dist="20000" dir="5400000" rotWithShape="0">
-              <a:srgbClr val="000000">
-                <a:alpha val="38000"/>
-              </a:srgbClr>
-            </a:outerShdw>
-          </a:effectLst>
-        </a:effectStyle>
-        <a:effectStyle>
-          <a:effectLst>
-            <a:outerShdw blurRad="40000" dist="23000" dir="5400000" rotWithShape="0">
-              <a:srgbClr val="000000">
-                <a:alpha val="35000"/>
-              </a:srgbClr>
-            </a:outerShdw>
-          </a:effectLst>
-        </a:effectStyle>
-        <a:effectStyle>
-          <a:effectLst>
-            <a:outerShdw blurRad="40000" dist="23000" dir="5400000" rotWithShape="0">
-              <a:srgbClr val="000000">
-                <a:alpha val="35000"/>
-              </a:srgbClr>
-            </a:outerShdw>
-          </a:effectLst>
-          <a:scene3d>
-            <a:camera prst="orthographicFront">
-              <a:rot lat="0" lon="0" rev="0"/>
-            </a:camera>
-            <a:lightRig rig="threePt" dir="t">
-              <a:rot lat="0" lon="0" rev="1200000"/>
-            </a:lightRig>
-          </a:scene3d>
-          <a:sp3d>
-            <a:bevelT w="63500" h="25400"/>
-          </a:sp3d>
-        </a:effectStyle>
-      </a:effectStyleLst>
-      <a:bgFillStyleLst>
-        <a:solidFill>
-          <a:schemeClr val="phClr"/>
-        </a:solidFill>
-        <a:gradFill rotWithShape="1">
-          <a:gsLst>
-            <a:gs pos="0">
-              <a:schemeClr val="phClr">
-                <a:tint val="40000"/>
-                <a:satMod val="350000"/>
-              </a:schemeClr>
-            </a:gs>
-            <a:gs pos="40000">
-              <a:schemeClr val="phClr">
-                <a:tint val="45000"/>
-                <a:shade val="99000"/>
-                <a:satMod val="350000"/>
-              </a:schemeClr>
-            </a:gs>
-            <a:gs pos="100000">
-              <a:schemeClr val="phClr">
-                <a:shade val="20000"/>
-                <a:satMod val="255000"/>
-              </a:schemeClr>
-            </a:gs>
-          </a:gsLst>
-          <a:path path="circle">
-            <a:fillToRect l="50000" t="-80000" r="50000" b="180000"/>
-          </a:path>
-        </a:gradFill>
-        <a:gradFill rotWithShape="1">
-          <a:gsLst>
-            <a:gs pos="0">
-              <a:schemeClr val="phClr">
-                <a:tint val="80000"/>
-                <a:satMod val="300000"/>
-              </a:schemeClr>
-            </a:gs>
-            <a:gs pos="100000">
-              <a:schemeClr val="phClr">
-                <a:shade val="30000"/>
-                <a:satMod val="200000"/>
-              </a:schemeClr>
-            </a:gs>
-          </a:gsLst>
-          <a:path path="circle">
-            <a:fillToRect l="50000" t="50000" r="50000" b="50000"/>
-          </a:path>
-        </a:gradFill>
-      </a:bgFillStyleLst>
-    </a:fmtScheme>
-  </a:themeElements>
-  <a:objectDefaults>
-    <a:spDef>
-      <a:spPr>
-        <a:solidFill>
-          <a:schemeClr val="bg1"/>
-        </a:solidFill>
-        <a:ln w="9525">
-          <a:solidFill>
-            <a:schemeClr val="tx1"/>
-          </a:solidFill>
-        </a:ln>
-      </a:spPr>
-      <a:bodyPr lIns="252000" rtlCol="0" anchor="ctr"/>
-      <a:lstStyle>
-        <a:defPPr>
-          <a:defRPr sz="1600" dirty="0" smtClean="0">
-            <a:solidFill>
-              <a:srgbClr val="00B050"/>
-            </a:solidFill>
-            <a:latin typeface="Courier New" pitchFamily="49" charset="0"/>
-            <a:ea typeface="맑은 고딕" pitchFamily="50" charset="-127"/>
-            <a:cs typeface="Courier New" pitchFamily="49" charset="0"/>
-          </a:defRPr>
-        </a:defPPr>
-      </a:lstStyle>
-      <a:style>
-        <a:lnRef idx="3">
-          <a:schemeClr val="lt1"/>
-        </a:lnRef>
-        <a:fillRef idx="1">
-          <a:schemeClr val="accent1"/>
-        </a:fillRef>
-        <a:effectRef idx="1">
-          <a:schemeClr val="accent1"/>
-        </a:effectRef>
-        <a:fontRef idx="minor">
-          <a:schemeClr val="lt1"/>
-        </a:fontRef>
-      </a:style>
-    </a:spDef>
-    <a:lnDef>
-      <a:spPr>
-        <a:ln w="12700">
-          <a:solidFill>
-            <a:schemeClr val="tx1"/>
-          </a:solidFill>
-          <a:tailEnd type="triangle"/>
-        </a:ln>
-      </a:spPr>
-      <a:bodyPr/>
-      <a:lstStyle/>
-      <a:style>
-        <a:lnRef idx="1">
-          <a:schemeClr val="accent1"/>
-        </a:lnRef>
-        <a:fillRef idx="0">
-          <a:schemeClr val="accent1"/>
-        </a:fillRef>
-        <a:effectRef idx="0">
-          <a:schemeClr val="accent1"/>
-        </a:effectRef>
-        <a:fontRef idx="minor">
-          <a:schemeClr val="tx1"/>
-        </a:fontRef>
-      </a:style>
-    </a:lnDef>
-  </a:objectDefaults>
-  <a:extraClrSchemeLst>
-    <a:extraClrScheme>
-      <a:clrScheme name="기본 디자인 1">
-        <a:dk1>
-          <a:srgbClr val="000000"/>
-        </a:dk1>
-        <a:lt1>
-          <a:srgbClr val="FFFFFF"/>
-        </a:lt1>
-        <a:dk2>
-          <a:srgbClr val="000000"/>
-        </a:dk2>
-        <a:lt2>
-          <a:srgbClr val="808080"/>
-        </a:lt2>
-        <a:accent1>
-          <a:srgbClr val="BBE0E3"/>
-        </a:accent1>
-        <a:accent2>
-          <a:srgbClr val="333399"/>
-        </a:accent2>
-        <a:accent3>
-          <a:srgbClr val="FFFFFF"/>
-        </a:accent3>
-        <a:accent4>
-          <a:srgbClr val="000000"/>
-        </a:accent4>
-        <a:accent5>
-          <a:srgbClr val="DAEDEF"/>
-        </a:accent5>
-        <a:accent6>
-          <a:srgbClr val="2D2D8A"/>
-        </a:accent6>
-        <a:hlink>
-          <a:srgbClr val="009999"/>
-        </a:hlink>
-        <a:folHlink>
-          <a:srgbClr val="99CC00"/>
-        </a:folHlink>
-      </a:clrScheme>
-      <a:clrMap bg1="lt1" tx1="dk1" bg2="lt2" tx2="dk2" accent1="accent1" accent2="accent2" accent3="accent3" accent4="accent4" accent5="accent5" accent6="accent6" hlink="hlink" folHlink="folHlink"/>
-    </a:extraClrScheme>
-    <a:extraClrScheme>
-      <a:clrScheme name="기본 디자인 2">
-        <a:dk1>
-          <a:srgbClr val="000000"/>
-        </a:dk1>
-        <a:lt1>
-          <a:srgbClr val="FFFFFF"/>
-        </a:lt1>
-        <a:dk2>
-          <a:srgbClr val="000000"/>
-        </a:dk2>
-        <a:lt2>
-          <a:srgbClr val="969696"/>
-        </a:lt2>
-        <a:accent1>
-          <a:srgbClr val="FBDF53"/>
-        </a:accent1>
-        <a:accent2>
-          <a:srgbClr val="FF9966"/>
-        </a:accent2>
-        <a:accent3>
-          <a:srgbClr val="FFFFFF"/>
-        </a:accent3>
-        <a:accent4>
-          <a:srgbClr val="000000"/>
-        </a:accent4>
-        <a:accent5>
-          <a:srgbClr val="FDECB3"/>
-        </a:accent5>
-        <a:accent6>
-          <a:srgbClr val="E78A5C"/>
-        </a:accent6>
-        <a:hlink>
-          <a:srgbClr val="CC3300"/>
-        </a:hlink>
-        <a:folHlink>
-          <a:srgbClr val="996600"/>
-        </a:folHlink>
-      </a:clrScheme>
-      <a:clrMap bg1="lt1" tx1="dk1" bg2="lt2" tx2="dk2" accent1="accent1" accent2="accent2" accent3="accent3" accent4="accent4" accent5="accent5" accent6="accent6" hlink="hlink" folHlink="folHlink"/>
-    </a:extraClrScheme>
-    <a:extraClrScheme>
-      <a:clrScheme name="기본 디자인 3">
-        <a:dk1>
-          <a:srgbClr val="000000"/>
-        </a:dk1>
-        <a:lt1>
-          <a:srgbClr val="FFFFFF"/>
-        </a:lt1>
-        <a:dk2>
-          <a:srgbClr val="000000"/>
-        </a:dk2>
-        <a:lt2>
-          <a:srgbClr val="808080"/>
-        </a:lt2>
-        <a:accent1>
-          <a:srgbClr val="99CCFF"/>
-        </a:accent1>
-        <a:accent2>
-          <a:srgbClr val="CCCCFF"/>
-        </a:accent2>
-        <a:accent3>
-          <a:srgbClr val="FFFFFF"/>
-        </a:accent3>
-        <a:accent4>
-          <a:srgbClr val="000000"/>
-        </a:accent4>
-        <a:accent5>
-          <a:srgbClr val="CAE2FF"/>
-        </a:accent5>
-        <a:accent6>
-          <a:srgbClr val="B9B9E7"/>
-        </a:accent6>
-        <a:hlink>
-          <a:srgbClr val="3333CC"/>
-        </a:hlink>
-        <a:folHlink>
-          <a:srgbClr val="AF67FF"/>
-        </a:folHlink>
-      </a:clrScheme>
-      <a:clrMap bg1="lt1" tx1="dk1" bg2="lt2" tx2="dk2" accent1="accent1" accent2="accent2" accent3="accent3" accent4="accent4" accent5="accent5" accent6="accent6" hlink="hlink" folHlink="folHlink"/>
-    </a:extraClrScheme>
-    <a:extraClrScheme>
-      <a:clrScheme name="기본 디자인 4">
-        <a:dk1>
-          <a:srgbClr val="000000"/>
-        </a:dk1>
-        <a:lt1>
-          <a:srgbClr val="DEF6F1"/>
-        </a:lt1>
-        <a:dk2>
-          <a:srgbClr val="000000"/>
-        </a:dk2>
-        <a:lt2>
-          <a:srgbClr val="969696"/>
-        </a:lt2>
-        <a:accent1>
-          <a:srgbClr val="FFFFFF"/>
-        </a:accent1>
-        <a:accent2>
-          <a:srgbClr val="8DC6FF"/>
-        </a:accent2>
-        <a:accent3>
-          <a:srgbClr val="ECFAF7"/>
-        </a:accent3>
-        <a:accent4>
-          <a:srgbClr val="000000"/>
-        </a:accent4>
-        <a:accent5>
-          <a:srgbClr val="FFFFFF"/>
-        </a:accent5>
-        <a:accent6>
-          <a:srgbClr val="7FB3E7"/>
-        </a:accent6>
-        <a:hlink>
-          <a:srgbClr val="0066CC"/>
-        </a:hlink>
-        <a:folHlink>
-          <a:srgbClr val="00A800"/>
-        </a:folHlink>
-      </a:clrScheme>
-      <a:clrMap bg1="lt1" tx1="dk1" bg2="lt2" tx2="dk2" accent1="accent1" accent2="accent2" accent3="accent3" accent4="accent4" accent5="accent5" accent6="accent6" hlink="hlink" folHlink="folHlink"/>
-    </a:extraClrScheme>
-    <a:extraClrScheme>
-      <a:clrScheme name="기본 디자인 5">
-        <a:dk1>
-          <a:srgbClr val="000000"/>
-        </a:dk1>
-        <a:lt1>
-          <a:srgbClr val="FFFFD9"/>
-        </a:lt1>
-        <a:dk2>
-          <a:srgbClr val="000000"/>
-        </a:dk2>
-        <a:lt2>
-          <a:srgbClr val="777777"/>
-        </a:lt2>
-        <a:accent1>
-          <a:srgbClr val="FFFFF7"/>
-        </a:accent1>
-        <a:accent2>
-          <a:srgbClr val="33CCCC"/>
-        </a:accent2>
-        <a:accent3>
-          <a:srgbClr val="FFFFE9"/>
-        </a:accent3>
-        <a:accent4>
-          <a:srgbClr val="000000"/>
-        </a:accent4>
-        <a:accent5>
-          <a:srgbClr val="FFFFFA"/>
-        </a:accent5>
-        <a:accent6>
-          <a:srgbClr val="2DB9B9"/>
-        </a:accent6>
-        <a:hlink>
-          <a:srgbClr val="FF5050"/>
-        </a:hlink>
-        <a:folHlink>
-          <a:srgbClr val="FF9900"/>
-        </a:folHlink>
-      </a:clrScheme>
-      <a:clrMap bg1="lt1" tx1="dk1" bg2="lt2" tx2="dk2" accent1="accent1" accent2="accent2" accent3="accent3" accent4="accent4" accent5="accent5" accent6="accent6" hlink="hlink" folHlink="folHlink"/>
-    </a:extraClrScheme>
-    <a:extraClrScheme>
-      <a:clrScheme name="기본 디자인 6">
-        <a:dk1>
-          <a:srgbClr val="005A58"/>
-        </a:dk1>
-        <a:lt1>
-          <a:srgbClr val="FFFFFF"/>
-        </a:lt1>
-        <a:dk2>
-          <a:srgbClr val="008080"/>
-        </a:dk2>
-        <a:lt2>
-          <a:srgbClr val="FFFF99"/>
-        </a:lt2>
-        <a:accent1>
-          <a:srgbClr val="006462"/>
-        </a:accent1>
-        <a:accent2>
-          <a:srgbClr val="6D6FC7"/>
-        </a:accent2>
-        <a:accent3>
-          <a:srgbClr val="AAC0C0"/>
-        </a:accent3>
-        <a:accent4>
-          <a:srgbClr val="DADADA"/>
-        </a:accent4>
-        <a:accent5>
-          <a:srgbClr val="AAB8B7"/>
-        </a:accent5>
-        <a:accent6>
-          <a:srgbClr val="6264B4"/>
-        </a:accent6>
-        <a:hlink>
-          <a:srgbClr val="00FFFF"/>
-        </a:hlink>
-        <a:folHlink>
-          <a:srgbClr val="00FF00"/>
-        </a:folHlink>
-      </a:clrScheme>
-      <a:clrMap bg1="dk2" tx1="lt1" bg2="dk1" tx2="lt2" accent1="accent1" accent2="accent2" accent3="accent3" accent4="accent4" accent5="accent5" accent6="accent6" hlink="hlink" folHlink="folHlink"/>
-    </a:extraClrScheme>
-    <a:extraClrScheme>
-      <a:clrScheme name="기본 디자인 7">
-        <a:dk1>
-          <a:srgbClr val="5C1F00"/>
-        </a:dk1>
-        <a:lt1>
-          <a:srgbClr val="FFFFFF"/>
-        </a:lt1>
-        <a:dk2>
-          <a:srgbClr val="800000"/>
-        </a:dk2>
-        <a:lt2>
-          <a:srgbClr val="DFD293"/>
-        </a:lt2>
-        <a:accent1>
-          <a:srgbClr val="CC3300"/>
-        </a:accent1>
-        <a:accent2>
-          <a:srgbClr val="BE7960"/>
-        </a:accent2>
-        <a:accent3>
-          <a:srgbClr val="C0AAAA"/>
-        </a:accent3>
-        <a:accent4>
-          <a:srgbClr val="DADADA"/>
-        </a:accent4>
-        <a:accent5>
-          <a:srgbClr val="E2ADAA"/>
-        </a:accent5>
-        <a:accent6>
-          <a:srgbClr val="AC6D56"/>
-        </a:accent6>
-        <a:hlink>
-          <a:srgbClr val="FFFF99"/>
-        </a:hlink>
-        <a:folHlink>
-          <a:srgbClr val="D3A219"/>
-        </a:folHlink>
-      </a:clrScheme>
-      <a:clrMap bg1="dk2" tx1="lt1" bg2="dk1" tx2="lt2" accent1="accent1" accent2="accent2" accent3="accent3" accent4="accent4" accent5="accent5" accent6="accent6" hlink="hlink" folHlink="folHlink"/>
-    </a:extraClrScheme>
-    <a:extraClrScheme>
-      <a:clrScheme name="기본 디자인 8">
-        <a:dk1>
-          <a:srgbClr val="003366"/>
-        </a:dk1>
-        <a:lt1>
-          <a:srgbClr val="FFFFFF"/>
-        </a:lt1>
-        <a:dk2>
-          <a:srgbClr val="000099"/>
-        </a:dk2>
-        <a:lt2>
-          <a:srgbClr val="CCFFFF"/>
-        </a:lt2>
-        <a:accent1>
-          <a:srgbClr val="3366CC"/>
-        </a:accent1>
-        <a:accent2>
-          <a:srgbClr val="00B000"/>
-        </a:accent2>
-        <a:accent3>
-          <a:srgbClr val="AAAACA"/>
-        </a:accent3>
-        <a:accent4>
-          <a:srgbClr val="DADADA"/>
-        </a:accent4>
-        <a:accent5>
-          <a:srgbClr val="ADB8E2"/>
-        </a:accent5>
-        <a:accent6>
-          <a:srgbClr val="009F00"/>
-        </a:accent6>
-        <a:hlink>
-          <a:srgbClr val="66CCFF"/>
-        </a:hlink>
-        <a:folHlink>
-          <a:srgbClr val="FFE701"/>
-        </a:folHlink>
-      </a:clrScheme>
-      <a:clrMap bg1="dk2" tx1="lt1" bg2="dk1" tx2="lt2" accent1="accent1" accent2="accent2" accent3="accent3" accent4="accent4" accent5="accent5" accent6="accent6" hlink="hlink" folHlink="folHlink"/>
-    </a:extraClrScheme>
-    <a:extraClrScheme>
-      <a:clrScheme name="기본 디자인 9">
-        <a:dk1>
-          <a:srgbClr val="336699"/>
-        </a:dk1>
-        <a:lt1>
-          <a:srgbClr val="FFFFFF"/>
-        </a:lt1>
-        <a:dk2>
-          <a:srgbClr val="000000"/>
-        </a:dk2>
-        <a:lt2>
-          <a:srgbClr val="E3EBF1"/>
-        </a:lt2>
-        <a:accent1>
-          <a:srgbClr val="003399"/>
-        </a:accent1>
-        <a:accent2>
-          <a:srgbClr val="468A4B"/>
-        </a:accent2>
-        <a:accent3>
-          <a:srgbClr val="AAAAAA"/>
-        </a:accent3>
-        <a:accent4>
-          <a:srgbClr val="DADADA"/>
-        </a:accent4>
-        <a:accent5>
-          <a:srgbClr val="AAADCA"/>
-        </a:accent5>
-        <a:accent6>
-          <a:srgbClr val="3F7D43"/>
-        </a:accent6>
-        <a:hlink>
-          <a:srgbClr val="66CCFF"/>
-        </a:hlink>
-        <a:folHlink>
-          <a:srgbClr val="F0E500"/>
-        </a:folHlink>
-      </a:clrScheme>
-      <a:clrMap bg1="dk2" tx1="lt1" bg2="dk1" tx2="lt2" accent1="accent1" accent2="accent2" accent3="accent3" accent4="accent4" accent5="accent5" accent6="accent6" hlink="hlink" folHlink="folHlink"/>
-    </a:extraClrScheme>
-    <a:extraClrScheme>
-      <a:clrScheme name="기본 디자인 10">
-        <a:dk1>
-          <a:srgbClr val="777777"/>
-        </a:dk1>
-        <a:lt1>
-          <a:srgbClr val="FFFFFF"/>
-        </a:lt1>
-        <a:dk2>
-          <a:srgbClr val="686B5D"/>
-        </a:dk2>
-        <a:lt2>
-          <a:srgbClr val="D1D1CB"/>
-        </a:lt2>
-        <a:accent1>
-          <a:srgbClr val="909082"/>
-        </a:accent1>
-        <a:accent2>
-          <a:srgbClr val="809EA8"/>
-        </a:accent2>
-        <a:accent3>
-          <a:srgbClr val="B9BAB6"/>
-        </a:accent3>
-        <a:accent4>
-          <a:srgbClr val="DADADA"/>
-        </a:accent4>
-        <a:accent5>
-          <a:srgbClr val="C6C6C1"/>
-        </a:accent5>
-        <a:accent6>
-          <a:srgbClr val="738F98"/>
-        </a:accent6>
-        <a:hlink>
-          <a:srgbClr val="FFCC66"/>
-        </a:hlink>
-        <a:folHlink>
-          <a:srgbClr val="E9DCB9"/>
-        </a:folHlink>
-      </a:clrScheme>
-      <a:clrMap bg1="dk2" tx1="lt1" bg2="dk1" tx2="lt2" accent1="accent1" accent2="accent2" accent3="accent3" accent4="accent4" accent5="accent5" accent6="accent6" hlink="hlink" folHlink="folHlink"/>
-    </a:extraClrScheme>
-    <a:extraClrScheme>
-      <a:clrScheme name="기본 디자인 11">
-        <a:dk1>
-          <a:srgbClr val="3E3E5C"/>
-        </a:dk1>
-        <a:lt1>
-          <a:srgbClr val="FFFFFF"/>
-        </a:lt1>
-        <a:dk2>
-          <a:srgbClr val="666699"/>
-        </a:dk2>
-        <a:lt2>
-          <a:srgbClr val="FFFFFF"/>
-        </a:lt2>
-        <a:accent1>
-          <a:srgbClr val="60597B"/>
-        </a:accent1>
-        <a:accent2>
-          <a:srgbClr val="6666FF"/>
-        </a:accent2>
-        <a:accent3>
-          <a:srgbClr val="B8B8CA"/>
-        </a:accent3>
-        <a:accent4>
-          <a:srgbClr val="DADADA"/>
-        </a:accent4>
-        <a:accent5>
-          <a:srgbClr val="B6B5BF"/>
-        </a:accent5>
-        <a:accent6>
-          <a:srgbClr val="5C5CE7"/>
-        </a:accent6>
-        <a:hlink>
-          <a:srgbClr val="99CCFF"/>
-        </a:hlink>
-        <a:folHlink>
-          <a:srgbClr val="FFFF99"/>
-        </a:folHlink>
-      </a:clrScheme>
-      <a:clrMap bg1="dk2" tx1="lt1" bg2="dk1" tx2="lt2" accent1="accent1" accent2="accent2" accent3="accent3" accent4="accent4" accent5="accent5" accent6="accent6" hlink="hlink" folHlink="folHlink"/>
-    </a:extraClrScheme>
-    <a:extraClrScheme>
-      <a:clrScheme name="기본 디자인 12">
-        <a:dk1>
-          <a:srgbClr val="2D2015"/>
-        </a:dk1>
-        <a:lt1>
-          <a:srgbClr val="FFFFFF"/>
-        </a:lt1>
-        <a:dk2>
-          <a:srgbClr val="523E26"/>
-        </a:dk2>
-        <a:lt2>
-          <a:srgbClr val="DFC08D"/>
-        </a:lt2>
-        <a:accent1>
-          <a:srgbClr val="8C7B70"/>
-        </a:accent1>
-        <a:accent2>
-          <a:srgbClr val="8F5F2F"/>
-        </a:accent2>
-        <a:accent3>
-          <a:srgbClr val="B3AFAC"/>
-        </a:accent3>
-        <a:accent4>
-          <a:srgbClr val="DADADA"/>
-        </a:accent4>
-        <a:accent5>
-          <a:srgbClr val="C5BFBB"/>
-        </a:accent5>
-        <a:accent6>
-          <a:srgbClr val="81552A"/>
-        </a:accent6>
-        <a:hlink>
-          <a:srgbClr val="CCB400"/>
-        </a:hlink>
-        <a:folHlink>
-          <a:srgbClr val="8C9EA0"/>
-        </a:folHlink>
-      </a:clrScheme>
-      <a:clrMap bg1="dk2" tx1="lt1" bg2="dk1" tx2="lt2" accent1="accent1" accent2="accent2" accent3="accent3" accent4="accent4" accent5="accent5" accent6="accent6" hlink="hlink" folHlink="folHlink"/>
-    </a:extraClrScheme>
-  </a:extraClrSchemeLst>
-  <a:extLst>
-    <a:ext uri="{05A4C25C-085E-4340-85A3-A5531E510DB2}">
-      <thm15:themeFamily xmlns:thm15="http://schemas.microsoft.com/office/thememl/2012/main" name="3150" id="{5CA7F7AF-ED8C-AA4E-96F3-C3C7BE1512A6}" vid="{F85903AB-D508-BB47-851C-D8C41168E676}"/>
-    </a:ext>
-  </a:extLst>
-</a:theme>
-</file>
-
-<file path=ppt/theme/theme4.xml><?xml version="1.0" encoding="utf-8"?>
-<a:theme xmlns:a="http://schemas.openxmlformats.org/drawingml/2006/main" name="2_양식_공청회_발표자료-총괄-양식">
-  <a:themeElements>
-    <a:clrScheme name="Office">
-      <a:dk1>
-        <a:sysClr val="windowText" lastClr="000000"/>
-      </a:dk1>
-      <a:lt1>
-        <a:sysClr val="window" lastClr="FFFFFF"/>
-      </a:lt1>
-      <a:dk2>
-        <a:srgbClr val="1F497D"/>
-      </a:dk2>
-      <a:lt2>
-        <a:srgbClr val="EEECE1"/>
-      </a:lt2>
-      <a:accent1>
-        <a:srgbClr val="4F81BD"/>
-      </a:accent1>
-      <a:accent2>
-        <a:srgbClr val="C0504D"/>
-      </a:accent2>
-      <a:accent3>
-        <a:srgbClr val="9BBB59"/>
-      </a:accent3>
-      <a:accent4>
-        <a:srgbClr val="8064A2"/>
-      </a:accent4>
-      <a:accent5>
-        <a:srgbClr val="4BACC6"/>
-      </a:accent5>
-      <a:accent6>
-        <a:srgbClr val="F79646"/>
-      </a:accent6>
-      <a:hlink>
-        <a:srgbClr val="0000FF"/>
-      </a:hlink>
-      <a:folHlink>
-        <a:srgbClr val="800080"/>
-      </a:folHlink>
-    </a:clrScheme>
-    <a:fontScheme name="기본 디자인">
-      <a:majorFont>
-        <a:latin typeface="HY견고딕"/>
-        <a:ea typeface="HY견고딕"/>
-        <a:cs typeface=""/>
-      </a:majorFont>
-      <a:minorFont>
-        <a:latin typeface="굴림"/>
-        <a:ea typeface="굴림"/>
-        <a:cs typeface=""/>
-      </a:minorFont>
-    </a:fontScheme>
-    <a:fmtScheme name="Office">
-      <a:fillStyleLst>
-        <a:solidFill>
-          <a:schemeClr val="phClr"/>
-        </a:solidFill>
-        <a:gradFill rotWithShape="1">
-          <a:gsLst>
-            <a:gs pos="0">
-              <a:schemeClr val="phClr">
-                <a:tint val="50000"/>
-                <a:satMod val="300000"/>
-              </a:schemeClr>
-            </a:gs>
-            <a:gs pos="35000">
-              <a:schemeClr val="phClr">
-                <a:tint val="37000"/>
-                <a:satMod val="300000"/>
-              </a:schemeClr>
-            </a:gs>
-            <a:gs pos="100000">
-              <a:schemeClr val="phClr">
-                <a:tint val="15000"/>
-                <a:satMod val="350000"/>
-              </a:schemeClr>
-            </a:gs>
-          </a:gsLst>
-          <a:lin ang="16200000" scaled="1"/>
-        </a:gradFill>
-        <a:gradFill rotWithShape="1">
-          <a:gsLst>
-            <a:gs pos="0">
-              <a:schemeClr val="phClr">
-                <a:shade val="51000"/>
-                <a:satMod val="130000"/>
-              </a:schemeClr>
-            </a:gs>
-            <a:gs pos="80000">
-              <a:schemeClr val="phClr">
-                <a:shade val="93000"/>
-                <a:satMod val="130000"/>
-              </a:schemeClr>
-            </a:gs>
-            <a:gs pos="100000">
-              <a:schemeClr val="phClr">
-                <a:shade val="94000"/>
-                <a:satMod val="135000"/>
-              </a:schemeClr>
-            </a:gs>
-          </a:gsLst>
-          <a:lin ang="16200000" scaled="0"/>
-        </a:gradFill>
-      </a:fillStyleLst>
-      <a:lnStyleLst>
-        <a:ln w="9525" cap="flat" cmpd="sng" algn="ctr">
-          <a:solidFill>
-            <a:schemeClr val="phClr">
-              <a:shade val="95000"/>
-              <a:satMod val="105000"/>
-            </a:schemeClr>
-          </a:solidFill>
-          <a:prstDash val="solid"/>
-        </a:ln>
-        <a:ln w="25400" cap="flat" cmpd="sng" algn="ctr">
-          <a:solidFill>
-            <a:schemeClr val="phClr"/>
-          </a:solidFill>
-          <a:prstDash val="solid"/>
-        </a:ln>
-        <a:ln w="38100" cap="flat" cmpd="sng" algn="ctr">
-          <a:solidFill>
-            <a:schemeClr val="phClr"/>
-          </a:solidFill>
-          <a:prstDash val="solid"/>
-        </a:ln>
-      </a:lnStyleLst>
-      <a:effectStyleLst>
-        <a:effectStyle>
-          <a:effectLst>
-            <a:outerShdw blurRad="40000" dist="20000" dir="5400000" rotWithShape="0">
-              <a:srgbClr val="000000">
-                <a:alpha val="38000"/>
-              </a:srgbClr>
-            </a:outerShdw>
-          </a:effectLst>
-        </a:effectStyle>
-        <a:effectStyle>
-          <a:effectLst>
-            <a:outerShdw blurRad="40000" dist="23000" dir="5400000" rotWithShape="0">
-              <a:srgbClr val="000000">
-                <a:alpha val="35000"/>
-              </a:srgbClr>
-            </a:outerShdw>
-          </a:effectLst>
-        </a:effectStyle>
-        <a:effectStyle>
-          <a:effectLst>
-            <a:outerShdw blurRad="40000" dist="23000" dir="5400000" rotWithShape="0">
-              <a:srgbClr val="000000">
-                <a:alpha val="35000"/>
-              </a:srgbClr>
-            </a:outerShdw>
-          </a:effectLst>
-          <a:scene3d>
-            <a:camera prst="orthographicFront">
-              <a:rot lat="0" lon="0" rev="0"/>
-            </a:camera>
-            <a:lightRig rig="threePt" dir="t">
-              <a:rot lat="0" lon="0" rev="1200000"/>
-            </a:lightRig>
-          </a:scene3d>
-          <a:sp3d>
-            <a:bevelT w="63500" h="25400"/>
-          </a:sp3d>
-        </a:effectStyle>
-      </a:effectStyleLst>
-      <a:bgFillStyleLst>
-        <a:solidFill>
-          <a:schemeClr val="phClr"/>
-        </a:solidFill>
-        <a:gradFill rotWithShape="1">
-          <a:gsLst>
-            <a:gs pos="0">
-              <a:schemeClr val="phClr">
-                <a:tint val="40000"/>
-                <a:satMod val="350000"/>
-              </a:schemeClr>
-            </a:gs>
-            <a:gs pos="40000">
-              <a:schemeClr val="phClr">
-                <a:tint val="45000"/>
-                <a:shade val="99000"/>
-                <a:satMod val="350000"/>
-              </a:schemeClr>
-            </a:gs>
-            <a:gs pos="100000">
-              <a:schemeClr val="phClr">
-                <a:shade val="20000"/>
-                <a:satMod val="255000"/>
-              </a:schemeClr>
-            </a:gs>
-          </a:gsLst>
-          <a:path path="circle">
-            <a:fillToRect l="50000" t="-80000" r="50000" b="180000"/>
-          </a:path>
-        </a:gradFill>
-        <a:gradFill rotWithShape="1">
-          <a:gsLst>
-            <a:gs pos="0">
-              <a:schemeClr val="phClr">
-                <a:tint val="80000"/>
-                <a:satMod val="300000"/>
-              </a:schemeClr>
-            </a:gs>
-            <a:gs pos="100000">
-              <a:schemeClr val="phClr">
-                <a:shade val="30000"/>
-                <a:satMod val="200000"/>
-              </a:schemeClr>
-            </a:gs>
-          </a:gsLst>
-          <a:path path="circle">
-            <a:fillToRect l="50000" t="50000" r="50000" b="50000"/>
-          </a:path>
-        </a:gradFill>
-      </a:bgFillStyleLst>
-    </a:fmtScheme>
-  </a:themeElements>
-  <a:objectDefaults>
-    <a:spDef>
-      <a:spPr>
-        <a:solidFill>
-          <a:schemeClr val="bg1"/>
-        </a:solidFill>
-        <a:ln w="9525">
-          <a:solidFill>
-            <a:schemeClr val="tx1"/>
-          </a:solidFill>
-        </a:ln>
-      </a:spPr>
-      <a:bodyPr lIns="252000" rtlCol="0" anchor="ctr"/>
-      <a:lstStyle>
-        <a:defPPr>
-          <a:defRPr sz="1600" dirty="0" smtClean="0">
-            <a:solidFill>
-              <a:srgbClr val="00B050"/>
-            </a:solidFill>
-            <a:latin typeface="Courier New" pitchFamily="49" charset="0"/>
-            <a:ea typeface="맑은 고딕" pitchFamily="50" charset="-127"/>
-            <a:cs typeface="Courier New" pitchFamily="49" charset="0"/>
-          </a:defRPr>
-        </a:defPPr>
-      </a:lstStyle>
-      <a:style>
-        <a:lnRef idx="3">
-          <a:schemeClr val="lt1"/>
-        </a:lnRef>
-        <a:fillRef idx="1">
-          <a:schemeClr val="accent1"/>
-        </a:fillRef>
-        <a:effectRef idx="1">
-          <a:schemeClr val="accent1"/>
-        </a:effectRef>
-        <a:fontRef idx="minor">
-          <a:schemeClr val="lt1"/>
-        </a:fontRef>
-      </a:style>
-    </a:spDef>
-    <a:lnDef>
-      <a:spPr>
-        <a:ln w="12700">
-          <a:solidFill>
-            <a:schemeClr val="tx1"/>
-          </a:solidFill>
-          <a:tailEnd type="triangle"/>
-        </a:ln>
-      </a:spPr>
-      <a:bodyPr/>
-      <a:lstStyle/>
-      <a:style>
-        <a:lnRef idx="1">
-          <a:schemeClr val="accent1"/>
-        </a:lnRef>
-        <a:fillRef idx="0">
-          <a:schemeClr val="accent1"/>
-        </a:fillRef>
-        <a:effectRef idx="0">
-          <a:schemeClr val="accent1"/>
-        </a:effectRef>
-        <a:fontRef idx="minor">
-          <a:schemeClr val="tx1"/>
-        </a:fontRef>
-      </a:style>
-    </a:lnDef>
-  </a:objectDefaults>
-  <a:extraClrSchemeLst>
-    <a:extraClrScheme>
-      <a:clrScheme name="기본 디자인 1">
-        <a:dk1>
-          <a:srgbClr val="000000"/>
-        </a:dk1>
-        <a:lt1>
-          <a:srgbClr val="FFFFFF"/>
-        </a:lt1>
-        <a:dk2>
-          <a:srgbClr val="000000"/>
-        </a:dk2>
-        <a:lt2>
-          <a:srgbClr val="808080"/>
-        </a:lt2>
-        <a:accent1>
-          <a:srgbClr val="BBE0E3"/>
-        </a:accent1>
-        <a:accent2>
-          <a:srgbClr val="333399"/>
-        </a:accent2>
-        <a:accent3>
-          <a:srgbClr val="FFFFFF"/>
-        </a:accent3>
-        <a:accent4>
-          <a:srgbClr val="000000"/>
-        </a:accent4>
-        <a:accent5>
-          <a:srgbClr val="DAEDEF"/>
-        </a:accent5>
-        <a:accent6>
-          <a:srgbClr val="2D2D8A"/>
-        </a:accent6>
-        <a:hlink>
-          <a:srgbClr val="009999"/>
-        </a:hlink>
-        <a:folHlink>
-          <a:srgbClr val="99CC00"/>
-        </a:folHlink>
-      </a:clrScheme>
-      <a:clrMap bg1="lt1" tx1="dk1" bg2="lt2" tx2="dk2" accent1="accent1" accent2="accent2" accent3="accent3" accent4="accent4" accent5="accent5" accent6="accent6" hlink="hlink" folHlink="folHlink"/>
-    </a:extraClrScheme>
-    <a:extraClrScheme>
-      <a:clrScheme name="기본 디자인 2">
-        <a:dk1>
-          <a:srgbClr val="000000"/>
-        </a:dk1>
-        <a:lt1>
-          <a:srgbClr val="FFFFFF"/>
-        </a:lt1>
-        <a:dk2>
-          <a:srgbClr val="000000"/>
-        </a:dk2>
-        <a:lt2>
-          <a:srgbClr val="969696"/>
-        </a:lt2>
-        <a:accent1>
-          <a:srgbClr val="FBDF53"/>
-        </a:accent1>
-        <a:accent2>
-          <a:srgbClr val="FF9966"/>
-        </a:accent2>
-        <a:accent3>
-          <a:srgbClr val="FFFFFF"/>
-        </a:accent3>
-        <a:accent4>
-          <a:srgbClr val="000000"/>
-        </a:accent4>
-        <a:accent5>
-          <a:srgbClr val="FDECB3"/>
-        </a:accent5>
-        <a:accent6>
-          <a:srgbClr val="E78A5C"/>
-        </a:accent6>
-        <a:hlink>
-          <a:srgbClr val="CC3300"/>
-        </a:hlink>
-        <a:folHlink>
-          <a:srgbClr val="996600"/>
-        </a:folHlink>
-      </a:clrScheme>
-      <a:clrMap bg1="lt1" tx1="dk1" bg2="lt2" tx2="dk2" accent1="accent1" accent2="accent2" accent3="accent3" accent4="accent4" accent5="accent5" accent6="accent6" hlink="hlink" folHlink="folHlink"/>
-    </a:extraClrScheme>
-    <a:extraClrScheme>
-      <a:clrScheme name="기본 디자인 3">
-        <a:dk1>
-          <a:srgbClr val="000000"/>
-        </a:dk1>
-        <a:lt1>
-          <a:srgbClr val="FFFFFF"/>
-        </a:lt1>
-        <a:dk2>
-          <a:srgbClr val="000000"/>
-        </a:dk2>
-        <a:lt2>
-          <a:srgbClr val="808080"/>
-        </a:lt2>
-        <a:accent1>
-          <a:srgbClr val="99CCFF"/>
-        </a:accent1>
-        <a:accent2>
-          <a:srgbClr val="CCCCFF"/>
-        </a:accent2>
-        <a:accent3>
-          <a:srgbClr val="FFFFFF"/>
-        </a:accent3>
-        <a:accent4>
-          <a:srgbClr val="000000"/>
-        </a:accent4>
-        <a:accent5>
-          <a:srgbClr val="CAE2FF"/>
-        </a:accent5>
-        <a:accent6>
-          <a:srgbClr val="B9B9E7"/>
-        </a:accent6>
-        <a:hlink>
-          <a:srgbClr val="3333CC"/>
-        </a:hlink>
-        <a:folHlink>
-          <a:srgbClr val="AF67FF"/>
-        </a:folHlink>
-      </a:clrScheme>
-      <a:clrMap bg1="lt1" tx1="dk1" bg2="lt2" tx2="dk2" accent1="accent1" accent2="accent2" accent3="accent3" accent4="accent4" accent5="accent5" accent6="accent6" hlink="hlink" folHlink="folHlink"/>
-    </a:extraClrScheme>
-    <a:extraClrScheme>
-      <a:clrScheme name="기본 디자인 4">
-        <a:dk1>
-          <a:srgbClr val="000000"/>
-        </a:dk1>
-        <a:lt1>
-          <a:srgbClr val="DEF6F1"/>
-        </a:lt1>
-        <a:dk2>
-          <a:srgbClr val="000000"/>
-        </a:dk2>
-        <a:lt2>
-          <a:srgbClr val="969696"/>
-        </a:lt2>
-        <a:accent1>
-          <a:srgbClr val="FFFFFF"/>
-        </a:accent1>
-        <a:accent2>
-          <a:srgbClr val="8DC6FF"/>
-        </a:accent2>
-        <a:accent3>
-          <a:srgbClr val="ECFAF7"/>
-        </a:accent3>
-        <a:accent4>
-          <a:srgbClr val="000000"/>
-        </a:accent4>
-        <a:accent5>
-          <a:srgbClr val="FFFFFF"/>
-        </a:accent5>
-        <a:accent6>
-          <a:srgbClr val="7FB3E7"/>
-        </a:accent6>
-        <a:hlink>
-          <a:srgbClr val="0066CC"/>
-        </a:hlink>
-        <a:folHlink>
-          <a:srgbClr val="00A800"/>
-        </a:folHlink>
-      </a:clrScheme>
-      <a:clrMap bg1="lt1" tx1="dk1" bg2="lt2" tx2="dk2" accent1="accent1" accent2="accent2" accent3="accent3" accent4="accent4" accent5="accent5" accent6="accent6" hlink="hlink" folHlink="folHlink"/>
-    </a:extraClrScheme>
-    <a:extraClrScheme>
-      <a:clrScheme name="기본 디자인 5">
-        <a:dk1>
-          <a:srgbClr val="000000"/>
-        </a:dk1>
-        <a:lt1>
-          <a:srgbClr val="FFFFD9"/>
-        </a:lt1>
-        <a:dk2>
-          <a:srgbClr val="000000"/>
-        </a:dk2>
-        <a:lt2>
-          <a:srgbClr val="777777"/>
-        </a:lt2>
-        <a:accent1>
-          <a:srgbClr val="FFFFF7"/>
-        </a:accent1>
-        <a:accent2>
-          <a:srgbClr val="33CCCC"/>
-        </a:accent2>
-        <a:accent3>
-          <a:srgbClr val="FFFFE9"/>
-        </a:accent3>
-        <a:accent4>
-          <a:srgbClr val="000000"/>
-        </a:accent4>
-        <a:accent5>
-          <a:srgbClr val="FFFFFA"/>
-        </a:accent5>
-        <a:accent6>
-          <a:srgbClr val="2DB9B9"/>
-        </a:accent6>
-        <a:hlink>
-          <a:srgbClr val="FF5050"/>
-        </a:hlink>
-        <a:folHlink>
-          <a:srgbClr val="FF9900"/>
-        </a:folHlink>
-      </a:clrScheme>
-      <a:clrMap bg1="lt1" tx1="dk1" bg2="lt2" tx2="dk2" accent1="accent1" accent2="accent2" accent3="accent3" accent4="accent4" accent5="accent5" accent6="accent6" hlink="hlink" folHlink="folHlink"/>
-    </a:extraClrScheme>
-    <a:extraClrScheme>
-      <a:clrScheme name="기본 디자인 6">
-        <a:dk1>
-          <a:srgbClr val="005A58"/>
-        </a:dk1>
-        <a:lt1>
-          <a:srgbClr val="FFFFFF"/>
-        </a:lt1>
-        <a:dk2>
-          <a:srgbClr val="008080"/>
-        </a:dk2>
-        <a:lt2>
-          <a:srgbClr val="FFFF99"/>
-        </a:lt2>
-        <a:accent1>
-          <a:srgbClr val="006462"/>
-        </a:accent1>
-        <a:accent2>
-          <a:srgbClr val="6D6FC7"/>
-        </a:accent2>
-        <a:accent3>
-          <a:srgbClr val="AAC0C0"/>
-        </a:accent3>
-        <a:accent4>
-          <a:srgbClr val="DADADA"/>
-        </a:accent4>
-        <a:accent5>
-          <a:srgbClr val="AAB8B7"/>
-        </a:accent5>
-        <a:accent6>
-          <a:srgbClr val="6264B4"/>
-        </a:accent6>
-        <a:hlink>
-          <a:srgbClr val="00FFFF"/>
-        </a:hlink>
-        <a:folHlink>
-          <a:srgbClr val="00FF00"/>
-        </a:folHlink>
-      </a:clrScheme>
-      <a:clrMap bg1="dk2" tx1="lt1" bg2="dk1" tx2="lt2" accent1="accent1" accent2="accent2" accent3="accent3" accent4="accent4" accent5="accent5" accent6="accent6" hlink="hlink" folHlink="folHlink"/>
-    </a:extraClrScheme>
-    <a:extraClrScheme>
-      <a:clrScheme name="기본 디자인 7">
-        <a:dk1>
-          <a:srgbClr val="5C1F00"/>
-        </a:dk1>
-        <a:lt1>
-          <a:srgbClr val="FFFFFF"/>
-        </a:lt1>
-        <a:dk2>
-          <a:srgbClr val="800000"/>
-        </a:dk2>
-        <a:lt2>
-          <a:srgbClr val="DFD293"/>
-        </a:lt2>
-        <a:accent1>
-          <a:srgbClr val="CC3300"/>
-        </a:accent1>
-        <a:accent2>
-          <a:srgbClr val="BE7960"/>
-        </a:accent2>
-        <a:accent3>
-          <a:srgbClr val="C0AAAA"/>
-        </a:accent3>
-        <a:accent4>
-          <a:srgbClr val="DADADA"/>
-        </a:accent4>
-        <a:accent5>
-          <a:srgbClr val="E2ADAA"/>
-        </a:accent5>
-        <a:accent6>
-          <a:srgbClr val="AC6D56"/>
-        </a:accent6>
-        <a:hlink>
-          <a:srgbClr val="FFFF99"/>
-        </a:hlink>
-        <a:folHlink>
-          <a:srgbClr val="D3A219"/>
-        </a:folHlink>
-      </a:clrScheme>
-      <a:clrMap bg1="dk2" tx1="lt1" bg2="dk1" tx2="lt2" accent1="accent1" accent2="accent2" accent3="accent3" accent4="accent4" accent5="accent5" accent6="accent6" hlink="hlink" folHlink="folHlink"/>
-    </a:extraClrScheme>
-    <a:extraClrScheme>
-      <a:clrScheme name="기본 디자인 8">
-        <a:dk1>
-          <a:srgbClr val="003366"/>
-        </a:dk1>
-        <a:lt1>
-          <a:srgbClr val="FFFFFF"/>
-        </a:lt1>
-        <a:dk2>
-          <a:srgbClr val="000099"/>
-        </a:dk2>
-        <a:lt2>
-          <a:srgbClr val="CCFFFF"/>
-        </a:lt2>
-        <a:accent1>
-          <a:srgbClr val="3366CC"/>
-        </a:accent1>
-        <a:accent2>
-          <a:srgbClr val="00B000"/>
-        </a:accent2>
-        <a:accent3>
-          <a:srgbClr val="AAAACA"/>
-        </a:accent3>
-        <a:accent4>
-          <a:srgbClr val="DADADA"/>
-        </a:accent4>
-        <a:accent5>
-          <a:srgbClr val="ADB8E2"/>
-        </a:accent5>
-        <a:accent6>
-          <a:srgbClr val="009F00"/>
-        </a:accent6>
-        <a:hlink>
-          <a:srgbClr val="66CCFF"/>
-        </a:hlink>
-        <a:folHlink>
-          <a:srgbClr val="FFE701"/>
-        </a:folHlink>
-      </a:clrScheme>
-      <a:clrMap bg1="dk2" tx1="lt1" bg2="dk1" tx2="lt2" accent1="accent1" accent2="accent2" accent3="accent3" accent4="accent4" accent5="accent5" accent6="accent6" hlink="hlink" folHlink="folHlink"/>
-    </a:extraClrScheme>
-    <a:extraClrScheme>
-      <a:clrScheme name="기본 디자인 9">
-        <a:dk1>
-          <a:srgbClr val="336699"/>
-        </a:dk1>
-        <a:lt1>
-          <a:srgbClr val="FFFFFF"/>
-        </a:lt1>
-        <a:dk2>
-          <a:srgbClr val="000000"/>
-        </a:dk2>
-        <a:lt2>
-          <a:srgbClr val="E3EBF1"/>
-        </a:lt2>
-        <a:accent1>
-          <a:srgbClr val="003399"/>
-        </a:accent1>
-        <a:accent2>
-          <a:srgbClr val="468A4B"/>
-        </a:accent2>
-        <a:accent3>
-          <a:srgbClr val="AAAAAA"/>
-        </a:accent3>
-        <a:accent4>
-          <a:srgbClr val="DADADA"/>
-        </a:accent4>
-        <a:accent5>
-          <a:srgbClr val="AAADCA"/>
-        </a:accent5>
-        <a:accent6>
-          <a:srgbClr val="3F7D43"/>
-        </a:accent6>
-        <a:hlink>
-          <a:srgbClr val="66CCFF"/>
-        </a:hlink>
-        <a:folHlink>
-          <a:srgbClr val="F0E500"/>
-        </a:folHlink>
-      </a:clrScheme>
-      <a:clrMap bg1="dk2" tx1="lt1" bg2="dk1" tx2="lt2" accent1="accent1" accent2="accent2" accent3="accent3" accent4="accent4" accent5="accent5" accent6="accent6" hlink="hlink" folHlink="folHlink"/>
-    </a:extraClrScheme>
-    <a:extraClrScheme>
-      <a:clrScheme name="기본 디자인 10">
-        <a:dk1>
-          <a:srgbClr val="777777"/>
-        </a:dk1>
-        <a:lt1>
-          <a:srgbClr val="FFFFFF"/>
-        </a:lt1>
-        <a:dk2>
-          <a:srgbClr val="686B5D"/>
-        </a:dk2>
-        <a:lt2>
-          <a:srgbClr val="D1D1CB"/>
-        </a:lt2>
-        <a:accent1>
-          <a:srgbClr val="909082"/>
-        </a:accent1>
-        <a:accent2>
-          <a:srgbClr val="809EA8"/>
-        </a:accent2>
-        <a:accent3>
-          <a:srgbClr val="B9BAB6"/>
-        </a:accent3>
-        <a:accent4>
-          <a:srgbClr val="DADADA"/>
-        </a:accent4>
-        <a:accent5>
-          <a:srgbClr val="C6C6C1"/>
-        </a:accent5>
-        <a:accent6>
-          <a:srgbClr val="738F98"/>
-        </a:accent6>
-        <a:hlink>
-          <a:srgbClr val="FFCC66"/>
-        </a:hlink>
-        <a:folHlink>
-          <a:srgbClr val="E9DCB9"/>
-        </a:folHlink>
-      </a:clrScheme>
-      <a:clrMap bg1="dk2" tx1="lt1" bg2="dk1" tx2="lt2" accent1="accent1" accent2="accent2" accent3="accent3" accent4="accent4" accent5="accent5" accent6="accent6" hlink="hlink" folHlink="folHlink"/>
-    </a:extraClrScheme>
-    <a:extraClrScheme>
-      <a:clrScheme name="기본 디자인 11">
-        <a:dk1>
-          <a:srgbClr val="3E3E5C"/>
-        </a:dk1>
-        <a:lt1>
-          <a:srgbClr val="FFFFFF"/>
-        </a:lt1>
-        <a:dk2>
-          <a:srgbClr val="666699"/>
-        </a:dk2>
-        <a:lt2>
-          <a:srgbClr val="FFFFFF"/>
-        </a:lt2>
-        <a:accent1>
-          <a:srgbClr val="60597B"/>
-        </a:accent1>
-        <a:accent2>
-          <a:srgbClr val="6666FF"/>
-        </a:accent2>
-        <a:accent3>
-          <a:srgbClr val="B8B8CA"/>
-        </a:accent3>
-        <a:accent4>
-          <a:srgbClr val="DADADA"/>
-        </a:accent4>
-        <a:accent5>
-          <a:srgbClr val="B6B5BF"/>
-        </a:accent5>
-        <a:accent6>
-          <a:srgbClr val="5C5CE7"/>
-        </a:accent6>
-        <a:hlink>
-          <a:srgbClr val="99CCFF"/>
-        </a:hlink>
-        <a:folHlink>
-          <a:srgbClr val="FFFF99"/>
-        </a:folHlink>
-      </a:clrScheme>
-      <a:clrMap bg1="dk2" tx1="lt1" bg2="dk1" tx2="lt2" accent1="accent1" accent2="accent2" accent3="accent3" accent4="accent4" accent5="accent5" accent6="accent6" hlink="hlink" folHlink="folHlink"/>
-    </a:extraClrScheme>
-    <a:extraClrScheme>
-      <a:clrScheme name="기본 디자인 12">
-        <a:dk1>
-          <a:srgbClr val="2D2015"/>
-        </a:dk1>
-        <a:lt1>
-          <a:srgbClr val="FFFFFF"/>
-        </a:lt1>
-        <a:dk2>
-          <a:srgbClr val="523E26"/>
-        </a:dk2>
-        <a:lt2>
-          <a:srgbClr val="DFC08D"/>
-        </a:lt2>
-        <a:accent1>
-          <a:srgbClr val="8C7B70"/>
-        </a:accent1>
-        <a:accent2>
-          <a:srgbClr val="8F5F2F"/>
-        </a:accent2>
-        <a:accent3>
-          <a:srgbClr val="B3AFAC"/>
-        </a:accent3>
-        <a:accent4>
-          <a:srgbClr val="DADADA"/>
-        </a:accent4>
-        <a:accent5>
-          <a:srgbClr val="C5BFBB"/>
-        </a:accent5>
-        <a:accent6>
-          <a:srgbClr val="81552A"/>
-        </a:accent6>
-        <a:hlink>
-          <a:srgbClr val="CCB400"/>
-        </a:hlink>
-        <a:folHlink>
-          <a:srgbClr val="8C9EA0"/>
-        </a:folHlink>
-      </a:clrScheme>
-      <a:clrMap bg1="dk2" tx1="lt1" bg2="dk1" tx2="lt2" accent1="accent1" accent2="accent2" accent3="accent3" accent4="accent4" accent5="accent5" accent6="accent6" hlink="hlink" folHlink="folHlink"/>
-    </a:extraClrScheme>
-  </a:extraClrSchemeLst>
-</a:theme>
-</file>
-
-<file path=ppt/theme/theme5.xml><?xml version="1.0" encoding="utf-8"?>
+<file path=ppt/theme/theme2.xml><?xml version="1.0" encoding="utf-8"?>
 <a:theme xmlns:a="http://schemas.openxmlformats.org/drawingml/2006/main" name="Office Theme">
   <a:themeElements>
     <a:clrScheme name="Office">
@@ -28286,7 +20229,7 @@
 </a:theme>
 </file>
 
-<file path=ppt/theme/theme6.xml><?xml version="1.0" encoding="utf-8"?>
+<file path=ppt/theme/theme3.xml><?xml version="1.0" encoding="utf-8"?>
 <a:theme xmlns:a="http://schemas.openxmlformats.org/drawingml/2006/main" name="Office Theme">
   <a:themeElements>
     <a:clrScheme name="Office">
